--- a/ipsa/slides/pandas.pptx
+++ b/ipsa/slides/pandas.pptx
@@ -131,6 +131,14 @@
 </p:presentation>
 </file>
 
+<file path=ppt/revisionInfo.xml><?xml version="1.0" encoding="utf-8"?>
+<p1510:revInfo xmlns:a="http://schemas.openxmlformats.org/drawingml/2006/main" xmlns:r="http://schemas.openxmlformats.org/officeDocument/2006/relationships" xmlns:p1510="http://schemas.microsoft.com/office/powerpoint/2015/10/main">
+  <p1510:revLst>
+    <p1510:client id="{1BB2CD8F-D7FA-4E10-A866-6EDCDFAFCE53}" v="3" dt="2023-04-25T09:55:27.851"/>
+  </p1510:revLst>
+</p1510:revInfo>
+</file>
+
 <file path=ppt/changesInfos/changesInfo1.xml><?xml version="1.0" encoding="utf-8"?>
 <pc:chgInfo xmlns:a="http://schemas.openxmlformats.org/drawingml/2006/main" xmlns:r="http://schemas.openxmlformats.org/officeDocument/2006/relationships" xmlns:ac="http://schemas.microsoft.com/office/drawing/2013/main/command" xmlns:pc="http://schemas.microsoft.com/office/powerpoint/2013/main/command">
   <pc:docChgLst>
@@ -154,6 +162,67 @@
             <ac:graphicFrameMk id="5" creationId="{00000000-0000-0000-0000-000000000000}"/>
           </ac:graphicFrameMkLst>
         </pc:graphicFrameChg>
+      </pc:sldChg>
+    </pc:docChg>
+  </pc:docChgLst>
+  <pc:docChgLst>
+    <pc:chgData name="Gerth Stølting Brodal" userId="04ef4784-6591-4f86-a140-f5c3b108582a" providerId="ADAL" clId="{1BB2CD8F-D7FA-4E10-A866-6EDCDFAFCE53}"/>
+    <pc:docChg chg="custSel modSld">
+      <pc:chgData name="Gerth Stølting Brodal" userId="04ef4784-6591-4f86-a140-f5c3b108582a" providerId="ADAL" clId="{1BB2CD8F-D7FA-4E10-A866-6EDCDFAFCE53}" dt="2023-04-25T10:29:56.870" v="141" actId="20577"/>
+      <pc:docMkLst>
+        <pc:docMk/>
+      </pc:docMkLst>
+      <pc:sldChg chg="modSp mod modNotesTx">
+        <pc:chgData name="Gerth Stølting Brodal" userId="04ef4784-6591-4f86-a140-f5c3b108582a" providerId="ADAL" clId="{1BB2CD8F-D7FA-4E10-A866-6EDCDFAFCE53}" dt="2023-04-25T09:37:30.248" v="63" actId="20577"/>
+        <pc:sldMkLst>
+          <pc:docMk/>
+          <pc:sldMk cId="2218329389" sldId="704"/>
+        </pc:sldMkLst>
+        <pc:spChg chg="mod">
+          <ac:chgData name="Gerth Stølting Brodal" userId="04ef4784-6591-4f86-a140-f5c3b108582a" providerId="ADAL" clId="{1BB2CD8F-D7FA-4E10-A866-6EDCDFAFCE53}" dt="2023-04-25T09:35:39.209" v="16" actId="20577"/>
+          <ac:spMkLst>
+            <pc:docMk/>
+            <pc:sldMk cId="2218329389" sldId="704"/>
+            <ac:spMk id="2" creationId="{00000000-0000-0000-0000-000000000000}"/>
+          </ac:spMkLst>
+        </pc:spChg>
+      </pc:sldChg>
+      <pc:sldChg chg="modSp mod">
+        <pc:chgData name="Gerth Stølting Brodal" userId="04ef4784-6591-4f86-a140-f5c3b108582a" providerId="ADAL" clId="{1BB2CD8F-D7FA-4E10-A866-6EDCDFAFCE53}" dt="2023-04-25T09:55:44.197" v="70" actId="6549"/>
+        <pc:sldMkLst>
+          <pc:docMk/>
+          <pc:sldMk cId="2563246782" sldId="709"/>
+        </pc:sldMkLst>
+        <pc:graphicFrameChg chg="mod modGraphic">
+          <ac:chgData name="Gerth Stølting Brodal" userId="04ef4784-6591-4f86-a140-f5c3b108582a" providerId="ADAL" clId="{1BB2CD8F-D7FA-4E10-A866-6EDCDFAFCE53}" dt="2023-04-25T09:55:44.197" v="70" actId="6549"/>
+          <ac:graphicFrameMkLst>
+            <pc:docMk/>
+            <pc:sldMk cId="2563246782" sldId="709"/>
+            <ac:graphicFrameMk id="7" creationId="{00000000-0000-0000-0000-000000000000}"/>
+          </ac:graphicFrameMkLst>
+        </pc:graphicFrameChg>
+      </pc:sldChg>
+      <pc:sldChg chg="modSp mod">
+        <pc:chgData name="Gerth Stølting Brodal" userId="04ef4784-6591-4f86-a140-f5c3b108582a" providerId="ADAL" clId="{1BB2CD8F-D7FA-4E10-A866-6EDCDFAFCE53}" dt="2023-04-25T10:29:56.870" v="141" actId="20577"/>
+        <pc:sldMkLst>
+          <pc:docMk/>
+          <pc:sldMk cId="2888817038" sldId="711"/>
+        </pc:sldMkLst>
+        <pc:graphicFrameChg chg="modGraphic">
+          <ac:chgData name="Gerth Stølting Brodal" userId="04ef4784-6591-4f86-a140-f5c3b108582a" providerId="ADAL" clId="{1BB2CD8F-D7FA-4E10-A866-6EDCDFAFCE53}" dt="2023-04-25T10:29:56.870" v="141" actId="20577"/>
+          <ac:graphicFrameMkLst>
+            <pc:docMk/>
+            <pc:sldMk cId="2888817038" sldId="711"/>
+            <ac:graphicFrameMk id="4" creationId="{00000000-0000-0000-0000-000000000000}"/>
+          </ac:graphicFrameMkLst>
+        </pc:graphicFrameChg>
+      </pc:sldChg>
+      <pc:sldChg chg="modNotesTx">
+        <pc:chgData name="Gerth Stølting Brodal" userId="04ef4784-6591-4f86-a140-f5c3b108582a" providerId="ADAL" clId="{1BB2CD8F-D7FA-4E10-A866-6EDCDFAFCE53}" dt="2023-04-25T10:28:58.340" v="140" actId="113"/>
+        <pc:sldMkLst>
+          <pc:docMk/>
+          <pc:sldMk cId="3046591914" sldId="714"/>
+        </pc:sldMkLst>
       </pc:sldChg>
     </pc:docChg>
   </pc:docChgLst>
@@ -242,7 +311,7 @@
           <a:p>
             <a:fld id="{FB1A172F-81D4-4DC4-9113-1DBD56EC3646}" type="datetimeFigureOut">
               <a:rPr lang="en-US" smtClean="0"/>
-              <a:t>5/4/2021</a:t>
+              <a:t>4/25/2023</a:t>
             </a:fld>
             <a:endParaRPr lang="en-US"/>
           </a:p>
@@ -619,6 +688,190 @@
 </p:notes>
 </file>
 
+<file path=ppt/notesSlides/notesSlide10.xml><?xml version="1.0" encoding="utf-8"?>
+<p:notes xmlns:a="http://schemas.openxmlformats.org/drawingml/2006/main" xmlns:r="http://schemas.openxmlformats.org/officeDocument/2006/relationships" xmlns:p="http://schemas.openxmlformats.org/presentationml/2006/main">
+  <p:cSld>
+    <p:spTree>
+      <p:nvGrpSpPr>
+        <p:cNvPr id="1" name=""/>
+        <p:cNvGrpSpPr/>
+        <p:nvPr/>
+      </p:nvGrpSpPr>
+      <p:grpSpPr>
+        <a:xfrm>
+          <a:off x="0" y="0"/>
+          <a:ext cx="0" cy="0"/>
+          <a:chOff x="0" y="0"/>
+          <a:chExt cx="0" cy="0"/>
+        </a:xfrm>
+      </p:grpSpPr>
+      <p:sp>
+        <p:nvSpPr>
+          <p:cNvPr id="2" name="Slide Image Placeholder 1"/>
+          <p:cNvSpPr>
+            <a:spLocks noGrp="1" noRot="1" noChangeAspect="1"/>
+          </p:cNvSpPr>
+          <p:nvPr>
+            <p:ph type="sldImg"/>
+          </p:nvPr>
+        </p:nvSpPr>
+        <p:spPr/>
+      </p:sp>
+      <p:sp>
+        <p:nvSpPr>
+          <p:cNvPr id="3" name="Notes Placeholder 2"/>
+          <p:cNvSpPr>
+            <a:spLocks noGrp="1"/>
+          </p:cNvSpPr>
+          <p:nvPr>
+            <p:ph type="body" idx="1"/>
+          </p:nvPr>
+        </p:nvSpPr>
+        <p:spPr/>
+        <p:txBody>
+          <a:bodyPr/>
+          <a:lstStyle/>
+          <a:p>
+            <a:r>
+              <a:rPr lang="en-US" dirty="0" err="1"/>
+              <a:t>Datareader</a:t>
+            </a:r>
+            <a:r>
+              <a:rPr lang="en-US" dirty="0"/>
+              <a:t> objects have a</a:t>
+            </a:r>
+            <a:r>
+              <a:rPr lang="en-US" baseline="0" dirty="0"/>
+              <a:t> .plot method to plot using </a:t>
+            </a:r>
+            <a:r>
+              <a:rPr lang="en-US" baseline="0" dirty="0" err="1"/>
+              <a:t>pyplot</a:t>
+            </a:r>
+            <a:endParaRPr lang="en-US" dirty="0"/>
+          </a:p>
+        </p:txBody>
+      </p:sp>
+      <p:sp>
+        <p:nvSpPr>
+          <p:cNvPr id="4" name="Slide Number Placeholder 3"/>
+          <p:cNvSpPr>
+            <a:spLocks noGrp="1"/>
+          </p:cNvSpPr>
+          <p:nvPr>
+            <p:ph type="sldNum" sz="quarter" idx="10"/>
+          </p:nvPr>
+        </p:nvSpPr>
+        <p:spPr/>
+        <p:txBody>
+          <a:bodyPr/>
+          <a:lstStyle/>
+          <a:p>
+            <a:fld id="{CD563DD8-32AB-41BE-B1C6-8EAC45222ACE}" type="slidenum">
+              <a:rPr lang="en-US" smtClean="0"/>
+              <a:t>16</a:t>
+            </a:fld>
+            <a:endParaRPr lang="en-US"/>
+          </a:p>
+        </p:txBody>
+      </p:sp>
+    </p:spTree>
+    <p:extLst>
+      <p:ext uri="{BB962C8B-B14F-4D97-AF65-F5344CB8AC3E}">
+        <p14:creationId xmlns:p14="http://schemas.microsoft.com/office/powerpoint/2010/main" val="1529871308"/>
+      </p:ext>
+    </p:extLst>
+  </p:cSld>
+  <p:clrMapOvr>
+    <a:masterClrMapping/>
+  </p:clrMapOvr>
+</p:notes>
+</file>
+
+<file path=ppt/notesSlides/notesSlide11.xml><?xml version="1.0" encoding="utf-8"?>
+<p:notes xmlns:a="http://schemas.openxmlformats.org/drawingml/2006/main" xmlns:r="http://schemas.openxmlformats.org/officeDocument/2006/relationships" xmlns:p="http://schemas.openxmlformats.org/presentationml/2006/main">
+  <p:cSld>
+    <p:spTree>
+      <p:nvGrpSpPr>
+        <p:cNvPr id="1" name=""/>
+        <p:cNvGrpSpPr/>
+        <p:nvPr/>
+      </p:nvGrpSpPr>
+      <p:grpSpPr>
+        <a:xfrm>
+          <a:off x="0" y="0"/>
+          <a:ext cx="0" cy="0"/>
+          <a:chOff x="0" y="0"/>
+          <a:chExt cx="0" cy="0"/>
+        </a:xfrm>
+      </p:grpSpPr>
+      <p:sp>
+        <p:nvSpPr>
+          <p:cNvPr id="2" name="Slide Image Placeholder 1"/>
+          <p:cNvSpPr>
+            <a:spLocks noGrp="1" noRot="1" noChangeAspect="1"/>
+          </p:cNvSpPr>
+          <p:nvPr>
+            <p:ph type="sldImg"/>
+          </p:nvPr>
+        </p:nvSpPr>
+        <p:spPr/>
+      </p:sp>
+      <p:sp>
+        <p:nvSpPr>
+          <p:cNvPr id="3" name="Notes Placeholder 2"/>
+          <p:cNvSpPr>
+            <a:spLocks noGrp="1"/>
+          </p:cNvSpPr>
+          <p:nvPr>
+            <p:ph type="body" idx="1"/>
+          </p:nvPr>
+        </p:nvSpPr>
+        <p:spPr/>
+        <p:txBody>
+          <a:bodyPr/>
+          <a:lstStyle/>
+          <a:p>
+            <a:endParaRPr lang="da-DK" dirty="0"/>
+          </a:p>
+        </p:txBody>
+      </p:sp>
+      <p:sp>
+        <p:nvSpPr>
+          <p:cNvPr id="4" name="Slide Number Placeholder 3"/>
+          <p:cNvSpPr>
+            <a:spLocks noGrp="1"/>
+          </p:cNvSpPr>
+          <p:nvPr>
+            <p:ph type="sldNum" sz="quarter" idx="5"/>
+          </p:nvPr>
+        </p:nvSpPr>
+        <p:spPr/>
+        <p:txBody>
+          <a:bodyPr/>
+          <a:lstStyle/>
+          <a:p>
+            <a:fld id="{CD563DD8-32AB-41BE-B1C6-8EAC45222ACE}" type="slidenum">
+              <a:rPr lang="en-US" smtClean="0"/>
+              <a:t>17</a:t>
+            </a:fld>
+            <a:endParaRPr lang="en-US"/>
+          </a:p>
+        </p:txBody>
+      </p:sp>
+    </p:spTree>
+    <p:extLst>
+      <p:ext uri="{BB962C8B-B14F-4D97-AF65-F5344CB8AC3E}">
+        <p14:creationId xmlns:p14="http://schemas.microsoft.com/office/powerpoint/2010/main" val="1543694466"/>
+      </p:ext>
+    </p:extLst>
+  </p:cSld>
+  <p:clrMapOvr>
+    <a:masterClrMapping/>
+  </p:clrMapOvr>
+</p:notes>
+</file>
+
 <file path=ppt/notesSlides/notesSlide2.xml><?xml version="1.0" encoding="utf-8"?>
 <p:notes xmlns:a="http://schemas.openxmlformats.org/drawingml/2006/main" xmlns:r="http://schemas.openxmlformats.org/officeDocument/2006/relationships" xmlns:p="http://schemas.openxmlformats.org/presentationml/2006/main">
   <p:cSld>
@@ -664,74 +917,10 @@
           <a:lstStyle/>
           <a:p>
             <a:r>
-              <a:rPr lang="da-DK" dirty="0" err="1"/>
-              <a:t>SQLlite</a:t>
-            </a:r>
-            <a:r>
-              <a:rPr lang="da-DK" baseline="0" dirty="0"/>
-              <a:t> is +200.000 lines of C </a:t>
-            </a:r>
-            <a:r>
-              <a:rPr lang="da-DK" baseline="0" dirty="0" err="1"/>
-              <a:t>code</a:t>
-            </a:r>
-            <a:endParaRPr lang="en-US" dirty="0"/>
-          </a:p>
-          <a:p>
-            <a:endParaRPr lang="en-US" dirty="0"/>
-          </a:p>
-          <a:p>
-            <a:r>
               <a:rPr lang="en-US" dirty="0"/>
-              <a:t>To get a list of tables:</a:t>
-            </a:r>
-          </a:p>
-          <a:p>
-            <a:endParaRPr lang="en-US" dirty="0"/>
-          </a:p>
-          <a:p>
-            <a:r>
-              <a:rPr lang="en-US" dirty="0"/>
-              <a:t>SELECT name FROM </a:t>
-            </a:r>
-            <a:r>
-              <a:rPr lang="en-US" dirty="0" err="1"/>
-              <a:t>sqlite_master</a:t>
-            </a:r>
-            <a:r>
-              <a:rPr lang="en-US" dirty="0"/>
-              <a:t> WHERE type='table‘</a:t>
-            </a:r>
-          </a:p>
-          <a:p>
-            <a:endParaRPr lang="en-US" dirty="0"/>
-          </a:p>
-          <a:p>
-            <a:r>
-              <a:rPr lang="en-US" dirty="0"/>
-              <a:t>a </a:t>
-            </a:r>
-            <a:r>
-              <a:rPr lang="en-US" b="1" dirty="0"/>
-              <a:t>cursor</a:t>
-            </a:r>
-            <a:r>
-              <a:rPr lang="en-US" dirty="0"/>
-              <a:t> has</a:t>
-            </a:r>
-            <a:r>
-              <a:rPr lang="en-US" baseline="0" dirty="0"/>
-              <a:t> an </a:t>
-            </a:r>
-            <a:r>
-              <a:rPr lang="en-US" b="1" baseline="0" dirty="0"/>
-              <a:t>execute </a:t>
-            </a:r>
-            <a:r>
-              <a:rPr lang="en-US" baseline="0" dirty="0"/>
-              <a:t>method to execute SQL code</a:t>
-            </a:r>
-            <a:endParaRPr lang="en-US" dirty="0"/>
+              <a:t>"WHERE clause" used to filter records</a:t>
+            </a:r>
+            <a:endParaRPr lang="da-DK" dirty="0"/>
           </a:p>
         </p:txBody>
       </p:sp>
@@ -742,7 +931,7 @@
             <a:spLocks noGrp="1"/>
           </p:cNvSpPr>
           <p:nvPr>
-            <p:ph type="sldNum" sz="quarter" idx="10"/>
+            <p:ph type="sldNum" sz="quarter" idx="5"/>
           </p:nvPr>
         </p:nvSpPr>
         <p:spPr/>
@@ -752,7 +941,7 @@
           <a:p>
             <a:fld id="{CD563DD8-32AB-41BE-B1C6-8EAC45222ACE}" type="slidenum">
               <a:rPr lang="en-US" smtClean="0"/>
-              <a:t>5</a:t>
+              <a:t>4</a:t>
             </a:fld>
             <a:endParaRPr lang="en-US"/>
           </a:p>
@@ -761,7 +950,7 @@
     </p:spTree>
     <p:extLst>
       <p:ext uri="{BB962C8B-B14F-4D97-AF65-F5344CB8AC3E}">
-        <p14:creationId xmlns:p14="http://schemas.microsoft.com/office/powerpoint/2010/main" val="2346053261"/>
+        <p14:creationId xmlns:p14="http://schemas.microsoft.com/office/powerpoint/2010/main" val="4101345981"/>
       </p:ext>
     </p:extLst>
   </p:cSld>
@@ -815,224 +1004,74 @@
           <a:bodyPr/>
           <a:lstStyle/>
           <a:p>
-            <a:pPr marL="171450" indent="-171450">
-              <a:buFont typeface="Arial" panose="020B0604020202020204" pitchFamily="34" charset="0"/>
-              <a:buChar char="•"/>
-            </a:pPr>
-            <a:r>
-              <a:rPr lang="en-US" dirty="0"/>
-              <a:t>* = all columns</a:t>
-            </a:r>
+            <a:r>
+              <a:rPr lang="da-DK" dirty="0" err="1"/>
+              <a:t>SQLlite</a:t>
+            </a:r>
+            <a:r>
+              <a:rPr lang="da-DK" baseline="0" dirty="0"/>
+              <a:t> is +200.000 lines of C </a:t>
+            </a:r>
+            <a:r>
+              <a:rPr lang="da-DK" baseline="0" dirty="0" err="1"/>
+              <a:t>code</a:t>
+            </a:r>
+            <a:endParaRPr lang="en-US" dirty="0"/>
           </a:p>
           <a:p>
-            <a:pPr marL="171450" indent="-171450">
-              <a:buFont typeface="Arial" panose="020B0604020202020204" pitchFamily="34" charset="0"/>
-              <a:buChar char="•"/>
-            </a:pPr>
-            <a:r>
-              <a:rPr lang="en-US" dirty="0"/>
-              <a:t>ORDER  BY comma separately list of criteria, DESC can</a:t>
-            </a:r>
-            <a:r>
-              <a:rPr lang="en-US" baseline="0" dirty="0"/>
-              <a:t> be appended force decreasing order (optional)</a:t>
-            </a:r>
+            <a:endParaRPr lang="en-US" dirty="0"/>
           </a:p>
           <a:p>
-            <a:pPr marL="171450" indent="-171450">
-              <a:buFont typeface="Arial" panose="020B0604020202020204" pitchFamily="34" charset="0"/>
-              <a:buChar char="•"/>
-            </a:pPr>
-            <a:r>
-              <a:rPr lang="en-US" baseline="0" dirty="0"/>
-              <a:t>SELECT returns an iterator</a:t>
+            <a:r>
+              <a:rPr lang="en-US" dirty="0"/>
+              <a:t>To get a list of tables:</a:t>
             </a:r>
           </a:p>
           <a:p>
-            <a:pPr marL="171450" indent="-171450">
-              <a:buFont typeface="Arial" panose="020B0604020202020204" pitchFamily="34" charset="0"/>
-              <a:buChar char="•"/>
-            </a:pPr>
-            <a:r>
-              <a:rPr lang="da-DK" baseline="0" dirty="0"/>
-              <a:t>2</a:t>
-            </a:r>
-            <a:r>
-              <a:rPr lang="da-DK" baseline="30000" dirty="0"/>
-              <a:t>nd</a:t>
-            </a:r>
-            <a:r>
-              <a:rPr lang="da-DK" baseline="0" dirty="0"/>
-              <a:t> and 3</a:t>
-            </a:r>
-            <a:r>
-              <a:rPr lang="da-DK" baseline="30000" dirty="0"/>
-              <a:t>rd</a:t>
-            </a:r>
-            <a:r>
-              <a:rPr lang="da-DK" baseline="0" dirty="0"/>
-              <a:t> </a:t>
-            </a:r>
-            <a:r>
-              <a:rPr lang="da-DK" baseline="0" dirty="0" err="1"/>
-              <a:t>examples</a:t>
-            </a:r>
-            <a:r>
-              <a:rPr lang="da-DK" baseline="0" dirty="0"/>
-              <a:t> </a:t>
-            </a:r>
-            <a:r>
-              <a:rPr lang="da-DK" baseline="0" dirty="0" err="1"/>
-              <a:t>are</a:t>
-            </a:r>
-            <a:r>
-              <a:rPr lang="da-DK" baseline="0" dirty="0"/>
-              <a:t> </a:t>
-            </a:r>
-            <a:r>
-              <a:rPr lang="da-DK" baseline="0" dirty="0" err="1"/>
-              <a:t>both</a:t>
-            </a:r>
-            <a:r>
-              <a:rPr lang="da-DK" baseline="0" dirty="0"/>
-              <a:t> </a:t>
-            </a:r>
-            <a:r>
-              <a:rPr lang="da-DK" baseline="0" dirty="0" err="1"/>
-              <a:t>examples</a:t>
-            </a:r>
-            <a:r>
-              <a:rPr lang="da-DK" baseline="0" dirty="0"/>
-              <a:t> of JOIN (</a:t>
-            </a:r>
-            <a:r>
-              <a:rPr lang="da-DK" baseline="0" dirty="0" err="1"/>
-              <a:t>SQLite</a:t>
-            </a:r>
-            <a:r>
-              <a:rPr lang="da-DK" baseline="0" dirty="0"/>
-              <a:t> supports </a:t>
-            </a:r>
-            <a:r>
-              <a:rPr lang="da-DK" baseline="0" dirty="0" err="1"/>
-              <a:t>different</a:t>
-            </a:r>
-            <a:r>
-              <a:rPr lang="da-DK" baseline="0" dirty="0"/>
-              <a:t> kinds of SQL)</a:t>
-            </a:r>
-            <a:endParaRPr lang="en-US" baseline="0" dirty="0"/>
+            <a:endParaRPr lang="en-US" dirty="0"/>
           </a:p>
           <a:p>
-            <a:pPr marL="0" indent="0">
-              <a:buFont typeface="Arial" panose="020B0604020202020204" pitchFamily="34" charset="0"/>
-              <a:buNone/>
-            </a:pPr>
-            <a:endParaRPr lang="da-DK" baseline="0" dirty="0"/>
+            <a:r>
+              <a:rPr lang="en-US" dirty="0"/>
+              <a:t>SELECT name FROM </a:t>
+            </a:r>
+            <a:r>
+              <a:rPr lang="en-US" dirty="0" err="1"/>
+              <a:t>sqlite_master</a:t>
+            </a:r>
+            <a:r>
+              <a:rPr lang="en-US" dirty="0"/>
+              <a:t> WHERE type='table‘</a:t>
+            </a:r>
           </a:p>
           <a:p>
-            <a:pPr marL="171450" indent="-171450">
-              <a:buFont typeface="Arial" panose="020B0604020202020204" pitchFamily="34" charset="0"/>
-              <a:buChar char="•"/>
-            </a:pPr>
-            <a:r>
-              <a:rPr lang="da-DK" baseline="0" dirty="0"/>
-              <a:t>* is </a:t>
-            </a:r>
-            <a:r>
-              <a:rPr lang="da-DK" baseline="0" dirty="0" err="1"/>
-              <a:t>good</a:t>
-            </a:r>
-            <a:r>
-              <a:rPr lang="da-DK" baseline="0" dirty="0"/>
-              <a:t> for </a:t>
-            </a:r>
-            <a:r>
-              <a:rPr lang="da-DK" baseline="0" dirty="0" err="1"/>
-              <a:t>testing</a:t>
-            </a:r>
-            <a:r>
-              <a:rPr lang="da-DK" baseline="0" dirty="0"/>
-              <a:t>, but </a:t>
-            </a:r>
-            <a:r>
-              <a:rPr lang="da-DK" baseline="0" dirty="0" err="1"/>
-              <a:t>returns</a:t>
-            </a:r>
-            <a:r>
-              <a:rPr lang="da-DK" baseline="0" dirty="0"/>
-              <a:t> ALL columns. </a:t>
-            </a:r>
-            <a:r>
-              <a:rPr lang="da-DK" baseline="0" dirty="0" err="1"/>
-              <a:t>What</a:t>
-            </a:r>
-            <a:r>
-              <a:rPr lang="da-DK" baseline="0" dirty="0"/>
-              <a:t> </a:t>
-            </a:r>
-            <a:r>
-              <a:rPr lang="da-DK" baseline="0" dirty="0" err="1"/>
-              <a:t>happens</a:t>
-            </a:r>
-            <a:r>
-              <a:rPr lang="da-DK" baseline="0" dirty="0"/>
-              <a:t> if </a:t>
-            </a:r>
-            <a:r>
-              <a:rPr lang="da-DK" baseline="0" dirty="0" err="1"/>
-              <a:t>somebody</a:t>
-            </a:r>
-            <a:r>
-              <a:rPr lang="da-DK" baseline="0" dirty="0"/>
-              <a:t> </a:t>
-            </a:r>
-            <a:r>
-              <a:rPr lang="da-DK" baseline="0" dirty="0" err="1"/>
-              <a:t>adds</a:t>
-            </a:r>
-            <a:r>
-              <a:rPr lang="da-DK" baseline="0" dirty="0"/>
-              <a:t> new columns to the database? </a:t>
-            </a:r>
-            <a:r>
-              <a:rPr lang="da-DK" baseline="0" dirty="0" err="1"/>
-              <a:t>Does</a:t>
-            </a:r>
-            <a:r>
-              <a:rPr lang="da-DK" baseline="0" dirty="0"/>
-              <a:t> </a:t>
-            </a:r>
-            <a:r>
-              <a:rPr lang="da-DK" baseline="0" dirty="0" err="1"/>
-              <a:t>your</a:t>
-            </a:r>
-            <a:r>
-              <a:rPr lang="da-DK" baseline="0" dirty="0"/>
-              <a:t> </a:t>
-            </a:r>
-            <a:r>
-              <a:rPr lang="da-DK" baseline="0" dirty="0" err="1"/>
-              <a:t>code</a:t>
-            </a:r>
-            <a:r>
-              <a:rPr lang="da-DK" baseline="0" dirty="0"/>
-              <a:t> handle </a:t>
-            </a:r>
-            <a:r>
-              <a:rPr lang="da-DK" baseline="0" dirty="0" err="1"/>
-              <a:t>this</a:t>
-            </a:r>
-            <a:r>
-              <a:rPr lang="da-DK" baseline="0" dirty="0"/>
-              <a:t>?</a:t>
-            </a:r>
+            <a:endParaRPr lang="en-US" dirty="0"/>
           </a:p>
           <a:p>
-            <a:pPr marL="171450" indent="-171450">
-              <a:buFont typeface="Arial" panose="020B0604020202020204" pitchFamily="34" charset="0"/>
-              <a:buChar char="•"/>
-            </a:pPr>
+            <a:r>
+              <a:rPr lang="en-US" dirty="0"/>
+              <a:t>a </a:t>
+            </a:r>
+            <a:r>
+              <a:rPr lang="en-US" b="1" dirty="0"/>
+              <a:t>cursor</a:t>
+            </a:r>
+            <a:r>
+              <a:rPr lang="en-US" dirty="0"/>
+              <a:t> has</a:t>
+            </a:r>
+            <a:r>
+              <a:rPr lang="en-US" baseline="0" dirty="0"/>
+              <a:t> an </a:t>
+            </a:r>
+            <a:r>
+              <a:rPr lang="en-US" b="1" baseline="0" dirty="0"/>
+              <a:t>execute </a:t>
+            </a:r>
+            <a:r>
+              <a:rPr lang="en-US" baseline="0" dirty="0"/>
+              <a:t>method to execute SQL code</a:t>
+            </a:r>
             <a:endParaRPr lang="en-US" dirty="0"/>
           </a:p>
         </p:txBody>
@@ -1054,7 +1093,7 @@
           <a:p>
             <a:fld id="{CD563DD8-32AB-41BE-B1C6-8EAC45222ACE}" type="slidenum">
               <a:rPr lang="en-US" smtClean="0"/>
-              <a:t>6</a:t>
+              <a:t>5</a:t>
             </a:fld>
             <a:endParaRPr lang="en-US"/>
           </a:p>
@@ -1063,7 +1102,7 @@
     </p:spTree>
     <p:extLst>
       <p:ext uri="{BB962C8B-B14F-4D97-AF65-F5344CB8AC3E}">
-        <p14:creationId xmlns:p14="http://schemas.microsoft.com/office/powerpoint/2010/main" val="3896610601"/>
+        <p14:creationId xmlns:p14="http://schemas.microsoft.com/office/powerpoint/2010/main" val="2346053261"/>
       </p:ext>
     </p:extLst>
   </p:cSld>
@@ -1117,31 +1156,224 @@
           <a:bodyPr/>
           <a:lstStyle/>
           <a:p>
+            <a:pPr marL="171450" indent="-171450">
+              <a:buFont typeface="Arial" panose="020B0604020202020204" pitchFamily="34" charset="0"/>
+              <a:buChar char="•"/>
+            </a:pPr>
             <a:r>
               <a:rPr lang="en-US" dirty="0"/>
-              <a:t>In SQL ‘-</a:t>
-            </a:r>
-            <a:r>
-              <a:rPr lang="en-US" baseline="0" dirty="0"/>
-              <a:t>-’ starts a comment until end of line</a:t>
+              <a:t>* = all columns</a:t>
             </a:r>
           </a:p>
           <a:p>
+            <a:pPr marL="171450" indent="-171450">
+              <a:buFont typeface="Arial" panose="020B0604020202020204" pitchFamily="34" charset="0"/>
+              <a:buChar char="•"/>
+            </a:pPr>
+            <a:r>
+              <a:rPr lang="en-US" dirty="0"/>
+              <a:t>ORDER  BY comma separately list of criteria, DESC can</a:t>
+            </a:r>
+            <a:r>
+              <a:rPr lang="en-US" baseline="0" dirty="0"/>
+              <a:t> be appended force decreasing order (optional)</a:t>
+            </a:r>
+          </a:p>
+          <a:p>
+            <a:pPr marL="171450" indent="-171450">
+              <a:buFont typeface="Arial" panose="020B0604020202020204" pitchFamily="34" charset="0"/>
+              <a:buChar char="•"/>
+            </a:pPr>
+            <a:r>
+              <a:rPr lang="en-US" baseline="0" dirty="0"/>
+              <a:t>SELECT returns an iterator</a:t>
+            </a:r>
+          </a:p>
+          <a:p>
+            <a:pPr marL="171450" indent="-171450">
+              <a:buFont typeface="Arial" panose="020B0604020202020204" pitchFamily="34" charset="0"/>
+              <a:buChar char="•"/>
+            </a:pPr>
+            <a:r>
+              <a:rPr lang="da-DK" baseline="0" dirty="0"/>
+              <a:t>2</a:t>
+            </a:r>
+            <a:r>
+              <a:rPr lang="da-DK" baseline="30000" dirty="0"/>
+              <a:t>nd</a:t>
+            </a:r>
+            <a:r>
+              <a:rPr lang="da-DK" baseline="0" dirty="0"/>
+              <a:t> and 3</a:t>
+            </a:r>
+            <a:r>
+              <a:rPr lang="da-DK" baseline="30000" dirty="0"/>
+              <a:t>rd</a:t>
+            </a:r>
+            <a:r>
+              <a:rPr lang="da-DK" baseline="0" dirty="0"/>
+              <a:t> </a:t>
+            </a:r>
+            <a:r>
+              <a:rPr lang="da-DK" baseline="0" dirty="0" err="1"/>
+              <a:t>examples</a:t>
+            </a:r>
+            <a:r>
+              <a:rPr lang="da-DK" baseline="0" dirty="0"/>
+              <a:t> </a:t>
+            </a:r>
+            <a:r>
+              <a:rPr lang="da-DK" baseline="0" dirty="0" err="1"/>
+              <a:t>are</a:t>
+            </a:r>
+            <a:r>
+              <a:rPr lang="da-DK" baseline="0" dirty="0"/>
+              <a:t> </a:t>
+            </a:r>
+            <a:r>
+              <a:rPr lang="da-DK" baseline="0" dirty="0" err="1"/>
+              <a:t>both</a:t>
+            </a:r>
+            <a:r>
+              <a:rPr lang="da-DK" baseline="0" dirty="0"/>
+              <a:t> </a:t>
+            </a:r>
+            <a:r>
+              <a:rPr lang="da-DK" baseline="0" dirty="0" err="1"/>
+              <a:t>examples</a:t>
+            </a:r>
+            <a:r>
+              <a:rPr lang="da-DK" baseline="0" dirty="0"/>
+              <a:t> of JOIN (</a:t>
+            </a:r>
+            <a:r>
+              <a:rPr lang="da-DK" baseline="0" dirty="0" err="1"/>
+              <a:t>SQLite</a:t>
+            </a:r>
+            <a:r>
+              <a:rPr lang="da-DK" baseline="0" dirty="0"/>
+              <a:t> supports </a:t>
+            </a:r>
+            <a:r>
+              <a:rPr lang="da-DK" baseline="0" dirty="0" err="1"/>
+              <a:t>different</a:t>
+            </a:r>
+            <a:r>
+              <a:rPr lang="da-DK" baseline="0" dirty="0"/>
+              <a:t> kinds of SQL)</a:t>
+            </a:r>
             <a:endParaRPr lang="en-US" baseline="0" dirty="0"/>
           </a:p>
           <a:p>
-            <a:r>
-              <a:rPr lang="en-US" baseline="0" dirty="0"/>
-              <a:t>Run, insert some names, interrupt: Comment out CREATE TABLE on 2</a:t>
-            </a:r>
-            <a:r>
-              <a:rPr lang="en-US" baseline="30000" dirty="0"/>
-              <a:t>nd</a:t>
-            </a:r>
-            <a:r>
-              <a:rPr lang="en-US" baseline="0" dirty="0"/>
-              <a:t> &amp; return =&gt; data saved on disk between runs</a:t>
-            </a:r>
+            <a:pPr marL="0" indent="0">
+              <a:buFont typeface="Arial" panose="020B0604020202020204" pitchFamily="34" charset="0"/>
+              <a:buNone/>
+            </a:pPr>
+            <a:endParaRPr lang="da-DK" baseline="0" dirty="0"/>
+          </a:p>
+          <a:p>
+            <a:pPr marL="171450" indent="-171450">
+              <a:buFont typeface="Arial" panose="020B0604020202020204" pitchFamily="34" charset="0"/>
+              <a:buChar char="•"/>
+            </a:pPr>
+            <a:r>
+              <a:rPr lang="da-DK" baseline="0" dirty="0"/>
+              <a:t>* is </a:t>
+            </a:r>
+            <a:r>
+              <a:rPr lang="da-DK" baseline="0" dirty="0" err="1"/>
+              <a:t>good</a:t>
+            </a:r>
+            <a:r>
+              <a:rPr lang="da-DK" baseline="0" dirty="0"/>
+              <a:t> for </a:t>
+            </a:r>
+            <a:r>
+              <a:rPr lang="da-DK" baseline="0" dirty="0" err="1"/>
+              <a:t>testing</a:t>
+            </a:r>
+            <a:r>
+              <a:rPr lang="da-DK" baseline="0" dirty="0"/>
+              <a:t>, but </a:t>
+            </a:r>
+            <a:r>
+              <a:rPr lang="da-DK" baseline="0" dirty="0" err="1"/>
+              <a:t>returns</a:t>
+            </a:r>
+            <a:r>
+              <a:rPr lang="da-DK" baseline="0" dirty="0"/>
+              <a:t> ALL columns. </a:t>
+            </a:r>
+            <a:r>
+              <a:rPr lang="da-DK" baseline="0" dirty="0" err="1"/>
+              <a:t>What</a:t>
+            </a:r>
+            <a:r>
+              <a:rPr lang="da-DK" baseline="0" dirty="0"/>
+              <a:t> </a:t>
+            </a:r>
+            <a:r>
+              <a:rPr lang="da-DK" baseline="0" dirty="0" err="1"/>
+              <a:t>happens</a:t>
+            </a:r>
+            <a:r>
+              <a:rPr lang="da-DK" baseline="0" dirty="0"/>
+              <a:t> if </a:t>
+            </a:r>
+            <a:r>
+              <a:rPr lang="da-DK" baseline="0" dirty="0" err="1"/>
+              <a:t>somebody</a:t>
+            </a:r>
+            <a:r>
+              <a:rPr lang="da-DK" baseline="0" dirty="0"/>
+              <a:t> </a:t>
+            </a:r>
+            <a:r>
+              <a:rPr lang="da-DK" baseline="0" dirty="0" err="1"/>
+              <a:t>adds</a:t>
+            </a:r>
+            <a:r>
+              <a:rPr lang="da-DK" baseline="0" dirty="0"/>
+              <a:t> new columns to the database? </a:t>
+            </a:r>
+            <a:r>
+              <a:rPr lang="da-DK" baseline="0" dirty="0" err="1"/>
+              <a:t>Does</a:t>
+            </a:r>
+            <a:r>
+              <a:rPr lang="da-DK" baseline="0" dirty="0"/>
+              <a:t> </a:t>
+            </a:r>
+            <a:r>
+              <a:rPr lang="da-DK" baseline="0" dirty="0" err="1"/>
+              <a:t>your</a:t>
+            </a:r>
+            <a:r>
+              <a:rPr lang="da-DK" baseline="0" dirty="0"/>
+              <a:t> </a:t>
+            </a:r>
+            <a:r>
+              <a:rPr lang="da-DK" baseline="0" dirty="0" err="1"/>
+              <a:t>code</a:t>
+            </a:r>
+            <a:r>
+              <a:rPr lang="da-DK" baseline="0" dirty="0"/>
+              <a:t> handle </a:t>
+            </a:r>
+            <a:r>
+              <a:rPr lang="da-DK" baseline="0" dirty="0" err="1"/>
+              <a:t>this</a:t>
+            </a:r>
+            <a:r>
+              <a:rPr lang="da-DK" baseline="0" dirty="0"/>
+              <a:t>?</a:t>
+            </a:r>
+          </a:p>
+          <a:p>
+            <a:pPr marL="171450" indent="-171450">
+              <a:buFont typeface="Arial" panose="020B0604020202020204" pitchFamily="34" charset="0"/>
+              <a:buChar char="•"/>
+            </a:pPr>
             <a:endParaRPr lang="en-US" dirty="0"/>
           </a:p>
         </p:txBody>
@@ -1163,7 +1395,7 @@
           <a:p>
             <a:fld id="{CD563DD8-32AB-41BE-B1C6-8EAC45222ACE}" type="slidenum">
               <a:rPr lang="en-US" smtClean="0"/>
-              <a:t>7</a:t>
+              <a:t>6</a:t>
             </a:fld>
             <a:endParaRPr lang="en-US"/>
           </a:p>
@@ -1172,7 +1404,7 @@
     </p:spTree>
     <p:extLst>
       <p:ext uri="{BB962C8B-B14F-4D97-AF65-F5344CB8AC3E}">
-        <p14:creationId xmlns:p14="http://schemas.microsoft.com/office/powerpoint/2010/main" val="1823339136"/>
+        <p14:creationId xmlns:p14="http://schemas.microsoft.com/office/powerpoint/2010/main" val="3896610601"/>
       </p:ext>
     </p:extLst>
   </p:cSld>
@@ -1228,21 +1460,29 @@
           <a:p>
             <a:r>
               <a:rPr lang="en-US" dirty="0"/>
-              <a:t>countries, cities, students all &lt;class '</a:t>
-            </a:r>
-            <a:r>
-              <a:rPr lang="en-US" dirty="0" err="1"/>
-              <a:t>pandas.core.frame.DataFrame</a:t>
-            </a:r>
-            <a:r>
-              <a:rPr lang="en-US" dirty="0"/>
-              <a:t>'&gt;</a:t>
+              <a:t>In SQL ‘-</a:t>
+            </a:r>
+            <a:r>
+              <a:rPr lang="en-US" baseline="0" dirty="0"/>
+              <a:t>-’ starts a comment until end of line</a:t>
             </a:r>
           </a:p>
           <a:p>
-            <a:endParaRPr lang="en-US" dirty="0"/>
+            <a:endParaRPr lang="en-US" baseline="0" dirty="0"/>
           </a:p>
           <a:p>
+            <a:r>
+              <a:rPr lang="en-US" baseline="0" dirty="0"/>
+              <a:t>Run, insert some names, interrupt: Comment out CREATE TABLE on 2</a:t>
+            </a:r>
+            <a:r>
+              <a:rPr lang="en-US" baseline="30000" dirty="0"/>
+              <a:t>nd</a:t>
+            </a:r>
+            <a:r>
+              <a:rPr lang="en-US" baseline="0" dirty="0"/>
+              <a:t> &amp; return =&gt; data saved on disk between runs</a:t>
+            </a:r>
             <a:endParaRPr lang="en-US" dirty="0"/>
           </a:p>
         </p:txBody>
@@ -1264,7 +1504,7 @@
           <a:p>
             <a:fld id="{CD563DD8-32AB-41BE-B1C6-8EAC45222ACE}" type="slidenum">
               <a:rPr lang="en-US" smtClean="0"/>
-              <a:t>11</a:t>
+              <a:t>7</a:t>
             </a:fld>
             <a:endParaRPr lang="en-US"/>
           </a:p>
@@ -1273,7 +1513,7 @@
     </p:spTree>
     <p:extLst>
       <p:ext uri="{BB962C8B-B14F-4D97-AF65-F5344CB8AC3E}">
-        <p14:creationId xmlns:p14="http://schemas.microsoft.com/office/powerpoint/2010/main" val="3477334775"/>
+        <p14:creationId xmlns:p14="http://schemas.microsoft.com/office/powerpoint/2010/main" val="1823339136"/>
       </p:ext>
     </p:extLst>
   </p:cSld>
@@ -1329,29 +1569,21 @@
           <a:p>
             <a:r>
               <a:rPr lang="en-US" dirty="0"/>
-              <a:t>read table using SQL query</a:t>
+              <a:t>countries, cities, students all &lt;class '</a:t>
+            </a:r>
+            <a:r>
+              <a:rPr lang="en-US" dirty="0" err="1"/>
+              <a:t>pandas.core.frame.DataFrame</a:t>
+            </a:r>
+            <a:r>
+              <a:rPr lang="en-US" dirty="0"/>
+              <a:t>'&gt;</a:t>
             </a:r>
           </a:p>
           <a:p>
             <a:endParaRPr lang="en-US" dirty="0"/>
           </a:p>
           <a:p>
-            <a:r>
-              <a:rPr lang="en-US" dirty="0"/>
-              <a:t>many</a:t>
-            </a:r>
-            <a:r>
-              <a:rPr lang="en-US" baseline="0" dirty="0"/>
-              <a:t> ways to index into </a:t>
-            </a:r>
-            <a:r>
-              <a:rPr lang="en-US" baseline="0" dirty="0" err="1"/>
-              <a:t>DataFrame’s</a:t>
-            </a:r>
-            <a:r>
-              <a:rPr lang="en-US" baseline="0" dirty="0"/>
-              <a:t> very flexible – but at the same time overwhelming....</a:t>
-            </a:r>
             <a:endParaRPr lang="en-US" dirty="0"/>
           </a:p>
         </p:txBody>
@@ -1373,7 +1605,7 @@
           <a:p>
             <a:fld id="{CD563DD8-32AB-41BE-B1C6-8EAC45222ACE}" type="slidenum">
               <a:rPr lang="en-US" smtClean="0"/>
-              <a:t>12</a:t>
+              <a:t>11</a:t>
             </a:fld>
             <a:endParaRPr lang="en-US"/>
           </a:p>
@@ -1382,7 +1614,7 @@
     </p:spTree>
     <p:extLst>
       <p:ext uri="{BB962C8B-B14F-4D97-AF65-F5344CB8AC3E}">
-        <p14:creationId xmlns:p14="http://schemas.microsoft.com/office/powerpoint/2010/main" val="1797067243"/>
+        <p14:creationId xmlns:p14="http://schemas.microsoft.com/office/powerpoint/2010/main" val="3477334775"/>
       </p:ext>
     </p:extLst>
   </p:cSld>
@@ -1438,44 +1670,29 @@
           <a:p>
             <a:r>
               <a:rPr lang="en-US" dirty="0"/>
-              <a:t>From Pandas </a:t>
-            </a:r>
-            <a:r>
-              <a:rPr lang="en-US" dirty="0" err="1"/>
-              <a:t>Datareader</a:t>
-            </a:r>
-            <a:r>
-              <a:rPr lang="en-US" baseline="0" dirty="0"/>
-              <a:t> webpage 26/4-2019</a:t>
+              <a:t>read table using SQL query</a:t>
             </a:r>
           </a:p>
           <a:p>
-            <a:endParaRPr lang="en-US" baseline="0" dirty="0"/>
+            <a:endParaRPr lang="en-US" dirty="0"/>
           </a:p>
           <a:p>
-            <a:pPr marL="0" marR="0" lvl="0" indent="0" algn="l" defTabSz="914400" rtl="0" eaLnBrk="1" fontAlgn="auto" latinLnBrk="0" hangingPunct="1">
-              <a:lnSpc>
-                <a:spcPct val="100000"/>
-              </a:lnSpc>
-              <a:spcBef>
-                <a:spcPts val="0"/>
-              </a:spcBef>
-              <a:spcAft>
-                <a:spcPts val="0"/>
-              </a:spcAft>
-              <a:buClrTx/>
-              <a:buSzTx/>
-              <a:buFontTx/>
-              <a:buNone/>
-              <a:tabLst/>
-              <a:defRPr/>
-            </a:pPr>
-            <a:r>
-              <a:rPr lang="en-US" b="1" dirty="0"/>
-              <a:t>As of v0.6.0 Google finance is still functioning for historical price data, although there are frequent reports of failures. Failure is frequently encountered when bulk downloading historical price data.</a:t>
-            </a:r>
-          </a:p>
-          <a:p>
+            <a:r>
+              <a:rPr lang="en-US" dirty="0"/>
+              <a:t>many</a:t>
+            </a:r>
+            <a:r>
+              <a:rPr lang="en-US" baseline="0" dirty="0"/>
+              <a:t> ways to index into </a:t>
+            </a:r>
+            <a:r>
+              <a:rPr lang="en-US" baseline="0" dirty="0" err="1"/>
+              <a:t>DataFrame’s</a:t>
+            </a:r>
+            <a:r>
+              <a:rPr lang="en-US" baseline="0" dirty="0"/>
+              <a:t> very flexible – but at the same time overwhelming....</a:t>
+            </a:r>
             <a:endParaRPr lang="en-US" dirty="0"/>
           </a:p>
         </p:txBody>
@@ -1497,7 +1714,7 @@
           <a:p>
             <a:fld id="{CD563DD8-32AB-41BE-B1C6-8EAC45222ACE}" type="slidenum">
               <a:rPr lang="en-US" smtClean="0"/>
-              <a:t>15</a:t>
+              <a:t>12</a:t>
             </a:fld>
             <a:endParaRPr lang="en-US"/>
           </a:p>
@@ -1506,7 +1723,7 @@
     </p:spTree>
     <p:extLst>
       <p:ext uri="{BB962C8B-B14F-4D97-AF65-F5344CB8AC3E}">
-        <p14:creationId xmlns:p14="http://schemas.microsoft.com/office/powerpoint/2010/main" val="3440814069"/>
+        <p14:creationId xmlns:p14="http://schemas.microsoft.com/office/powerpoint/2010/main" val="1797067243"/>
       </p:ext>
     </p:extLst>
   </p:cSld>
@@ -1561,21 +1778,137 @@
           <a:lstStyle/>
           <a:p>
             <a:r>
+              <a:rPr lang="en-US" dirty="0"/>
+              <a:t>Note loc slice by labeled rows is </a:t>
+            </a:r>
+            <a:r>
+              <a:rPr lang="en-US" b="1" dirty="0"/>
+              <a:t>inclusive in last row name</a:t>
+            </a:r>
+            <a:endParaRPr lang="da-DK" b="1" dirty="0"/>
+          </a:p>
+        </p:txBody>
+      </p:sp>
+      <p:sp>
+        <p:nvSpPr>
+          <p:cNvPr id="4" name="Slide Number Placeholder 3"/>
+          <p:cNvSpPr>
+            <a:spLocks noGrp="1"/>
+          </p:cNvSpPr>
+          <p:nvPr>
+            <p:ph type="sldNum" sz="quarter" idx="5"/>
+          </p:nvPr>
+        </p:nvSpPr>
+        <p:spPr/>
+        <p:txBody>
+          <a:bodyPr/>
+          <a:lstStyle/>
+          <a:p>
+            <a:fld id="{CD563DD8-32AB-41BE-B1C6-8EAC45222ACE}" type="slidenum">
+              <a:rPr lang="en-US" smtClean="0"/>
+              <a:t>13</a:t>
+            </a:fld>
+            <a:endParaRPr lang="en-US"/>
+          </a:p>
+        </p:txBody>
+      </p:sp>
+    </p:spTree>
+    <p:extLst>
+      <p:ext uri="{BB962C8B-B14F-4D97-AF65-F5344CB8AC3E}">
+        <p14:creationId xmlns:p14="http://schemas.microsoft.com/office/powerpoint/2010/main" val="2775692849"/>
+      </p:ext>
+    </p:extLst>
+  </p:cSld>
+  <p:clrMapOvr>
+    <a:masterClrMapping/>
+  </p:clrMapOvr>
+</p:notes>
+</file>
+
+<file path=ppt/notesSlides/notesSlide9.xml><?xml version="1.0" encoding="utf-8"?>
+<p:notes xmlns:a="http://schemas.openxmlformats.org/drawingml/2006/main" xmlns:r="http://schemas.openxmlformats.org/officeDocument/2006/relationships" xmlns:p="http://schemas.openxmlformats.org/presentationml/2006/main">
+  <p:cSld>
+    <p:spTree>
+      <p:nvGrpSpPr>
+        <p:cNvPr id="1" name=""/>
+        <p:cNvGrpSpPr/>
+        <p:nvPr/>
+      </p:nvGrpSpPr>
+      <p:grpSpPr>
+        <a:xfrm>
+          <a:off x="0" y="0"/>
+          <a:ext cx="0" cy="0"/>
+          <a:chOff x="0" y="0"/>
+          <a:chExt cx="0" cy="0"/>
+        </a:xfrm>
+      </p:grpSpPr>
+      <p:sp>
+        <p:nvSpPr>
+          <p:cNvPr id="2" name="Slide Image Placeholder 1"/>
+          <p:cNvSpPr>
+            <a:spLocks noGrp="1" noRot="1" noChangeAspect="1"/>
+          </p:cNvSpPr>
+          <p:nvPr>
+            <p:ph type="sldImg"/>
+          </p:nvPr>
+        </p:nvSpPr>
+        <p:spPr/>
+      </p:sp>
+      <p:sp>
+        <p:nvSpPr>
+          <p:cNvPr id="3" name="Notes Placeholder 2"/>
+          <p:cNvSpPr>
+            <a:spLocks noGrp="1"/>
+          </p:cNvSpPr>
+          <p:nvPr>
+            <p:ph type="body" idx="1"/>
+          </p:nvPr>
+        </p:nvSpPr>
+        <p:spPr/>
+        <p:txBody>
+          <a:bodyPr/>
+          <a:lstStyle/>
+          <a:p>
+            <a:r>
+              <a:rPr lang="en-US" dirty="0"/>
+              <a:t>From Pandas </a:t>
+            </a:r>
+            <a:r>
               <a:rPr lang="en-US" dirty="0" err="1"/>
               <a:t>Datareader</a:t>
             </a:r>
             <a:r>
-              <a:rPr lang="en-US" dirty="0"/>
-              <a:t> objects have a</a:t>
-            </a:r>
-            <a:r>
               <a:rPr lang="en-US" baseline="0" dirty="0"/>
-              <a:t> .plot method to plot using </a:t>
-            </a:r>
-            <a:r>
-              <a:rPr lang="en-US" baseline="0" dirty="0" err="1"/>
-              <a:t>pyplot</a:t>
-            </a:r>
+              <a:t> webpage 26/4-2019</a:t>
+            </a:r>
+          </a:p>
+          <a:p>
+            <a:endParaRPr lang="en-US" baseline="0" dirty="0"/>
+          </a:p>
+          <a:p>
+            <a:pPr marL="0" marR="0" lvl="0" indent="0" algn="l" defTabSz="914400" rtl="0" eaLnBrk="1" fontAlgn="auto" latinLnBrk="0" hangingPunct="1">
+              <a:lnSpc>
+                <a:spcPct val="100000"/>
+              </a:lnSpc>
+              <a:spcBef>
+                <a:spcPts val="0"/>
+              </a:spcBef>
+              <a:spcAft>
+                <a:spcPts val="0"/>
+              </a:spcAft>
+              <a:buClrTx/>
+              <a:buSzTx/>
+              <a:buFontTx/>
+              <a:buNone/>
+              <a:tabLst/>
+              <a:defRPr/>
+            </a:pPr>
+            <a:r>
+              <a:rPr lang="en-US" b="1" dirty="0"/>
+              <a:t>As of v0.6.0 Google finance is still functioning for historical price data, although there are frequent reports of failures. Failure is frequently encountered when bulk downloading historical price data.</a:t>
+            </a:r>
+          </a:p>
+          <a:p>
             <a:endParaRPr lang="en-US" dirty="0"/>
           </a:p>
         </p:txBody>
@@ -1597,7 +1930,7 @@
           <a:p>
             <a:fld id="{CD563DD8-32AB-41BE-B1C6-8EAC45222ACE}" type="slidenum">
               <a:rPr lang="en-US" smtClean="0"/>
-              <a:t>16</a:t>
+              <a:t>15</a:t>
             </a:fld>
             <a:endParaRPr lang="en-US"/>
           </a:p>
@@ -1606,7 +1939,7 @@
     </p:spTree>
     <p:extLst>
       <p:ext uri="{BB962C8B-B14F-4D97-AF65-F5344CB8AC3E}">
-        <p14:creationId xmlns:p14="http://schemas.microsoft.com/office/powerpoint/2010/main" val="1529871308"/>
+        <p14:creationId xmlns:p14="http://schemas.microsoft.com/office/powerpoint/2010/main" val="3440814069"/>
       </p:ext>
     </p:extLst>
   </p:cSld>
@@ -1753,7 +2086,7 @@
           <a:p>
             <a:fld id="{0560A9CD-0304-4E0B-9E82-E7E0115DE05B}" type="datetimeFigureOut">
               <a:rPr lang="en-US" smtClean="0"/>
-              <a:t>5/4/2021</a:t>
+              <a:t>4/25/2023</a:t>
             </a:fld>
             <a:endParaRPr lang="en-US"/>
           </a:p>
@@ -1921,7 +2254,7 @@
           <a:p>
             <a:fld id="{0560A9CD-0304-4E0B-9E82-E7E0115DE05B}" type="datetimeFigureOut">
               <a:rPr lang="en-US" smtClean="0"/>
-              <a:t>5/4/2021</a:t>
+              <a:t>4/25/2023</a:t>
             </a:fld>
             <a:endParaRPr lang="en-US"/>
           </a:p>
@@ -2099,7 +2432,7 @@
           <a:p>
             <a:fld id="{0560A9CD-0304-4E0B-9E82-E7E0115DE05B}" type="datetimeFigureOut">
               <a:rPr lang="en-US" smtClean="0"/>
-              <a:t>5/4/2021</a:t>
+              <a:t>4/25/2023</a:t>
             </a:fld>
             <a:endParaRPr lang="en-US"/>
           </a:p>
@@ -2282,7 +2615,7 @@
           <a:p>
             <a:fld id="{0560A9CD-0304-4E0B-9E82-E7E0115DE05B}" type="datetimeFigureOut">
               <a:rPr lang="en-US" smtClean="0"/>
-              <a:t>5/4/2021</a:t>
+              <a:t>4/25/2023</a:t>
             </a:fld>
             <a:endParaRPr lang="en-US"/>
           </a:p>
@@ -2527,7 +2860,7 @@
           <a:p>
             <a:fld id="{0560A9CD-0304-4E0B-9E82-E7E0115DE05B}" type="datetimeFigureOut">
               <a:rPr lang="en-US" smtClean="0"/>
-              <a:t>5/4/2021</a:t>
+              <a:t>4/25/2023</a:t>
             </a:fld>
             <a:endParaRPr lang="en-US"/>
           </a:p>
@@ -2756,7 +3089,7 @@
           <a:p>
             <a:fld id="{0560A9CD-0304-4E0B-9E82-E7E0115DE05B}" type="datetimeFigureOut">
               <a:rPr lang="en-US" smtClean="0"/>
-              <a:t>5/4/2021</a:t>
+              <a:t>4/25/2023</a:t>
             </a:fld>
             <a:endParaRPr lang="en-US"/>
           </a:p>
@@ -3120,7 +3453,7 @@
           <a:p>
             <a:fld id="{0560A9CD-0304-4E0B-9E82-E7E0115DE05B}" type="datetimeFigureOut">
               <a:rPr lang="en-US" smtClean="0"/>
-              <a:t>5/4/2021</a:t>
+              <a:t>4/25/2023</a:t>
             </a:fld>
             <a:endParaRPr lang="en-US"/>
           </a:p>
@@ -3237,7 +3570,7 @@
           <a:p>
             <a:fld id="{0560A9CD-0304-4E0B-9E82-E7E0115DE05B}" type="datetimeFigureOut">
               <a:rPr lang="en-US" smtClean="0"/>
-              <a:t>5/4/2021</a:t>
+              <a:t>4/25/2023</a:t>
             </a:fld>
             <a:endParaRPr lang="en-US"/>
           </a:p>
@@ -3332,7 +3665,7 @@
           <a:p>
             <a:fld id="{0560A9CD-0304-4E0B-9E82-E7E0115DE05B}" type="datetimeFigureOut">
               <a:rPr lang="en-US" smtClean="0"/>
-              <a:t>5/4/2021</a:t>
+              <a:t>4/25/2023</a:t>
             </a:fld>
             <a:endParaRPr lang="en-US"/>
           </a:p>
@@ -3607,7 +3940,7 @@
           <a:p>
             <a:fld id="{0560A9CD-0304-4E0B-9E82-E7E0115DE05B}" type="datetimeFigureOut">
               <a:rPr lang="en-US" smtClean="0"/>
-              <a:t>5/4/2021</a:t>
+              <a:t>4/25/2023</a:t>
             </a:fld>
             <a:endParaRPr lang="en-US"/>
           </a:p>
@@ -3859,7 +4192,7 @@
           <a:p>
             <a:fld id="{0560A9CD-0304-4E0B-9E82-E7E0115DE05B}" type="datetimeFigureOut">
               <a:rPr lang="en-US" smtClean="0"/>
-              <a:t>5/4/2021</a:t>
+              <a:t>4/25/2023</a:t>
             </a:fld>
             <a:endParaRPr lang="en-US"/>
           </a:p>
@@ -4070,7 +4403,7 @@
           <a:p>
             <a:fld id="{0560A9CD-0304-4E0B-9E82-E7E0115DE05B}" type="datetimeFigureOut">
               <a:rPr lang="en-US" smtClean="0"/>
-              <a:t>5/4/2021</a:t>
+              <a:t>4/25/2023</a:t>
             </a:fld>
             <a:endParaRPr lang="en-US"/>
           </a:p>
@@ -5111,14 +5444,14 @@
           <p:nvPr>
             <p:extLst>
               <p:ext uri="{D42A27DB-BD31-4B8C-83A1-F6EECF244321}">
-                <p14:modId xmlns:p14="http://schemas.microsoft.com/office/powerpoint/2010/main" val="3108240436"/>
+                <p14:modId xmlns:p14="http://schemas.microsoft.com/office/powerpoint/2010/main" val="3401570287"/>
               </p:ext>
             </p:extLst>
           </p:nvPr>
         </p:nvGraphicFramePr>
         <p:xfrm>
           <a:off x="1823117" y="2750838"/>
-          <a:ext cx="8372793" cy="3688080"/>
+          <a:ext cx="8372793" cy="3931920"/>
         </p:xfrm>
         <a:graphic>
           <a:graphicData uri="http://schemas.openxmlformats.org/drawingml/2006/table">
@@ -5315,6 +5648,39 @@
                           <a:cs typeface="Courier New" panose="02070309020205020404" pitchFamily="49" charset="0"/>
                         </a:rPr>
                         <a:t>('SELECT * FROM city', connection)</a:t>
+                      </a:r>
+                    </a:p>
+                    <a:p>
+                      <a:r>
+                        <a:rPr lang="en-US" sz="1600" b="1" dirty="0">
+                          <a:latin typeface="Courier New" panose="02070309020205020404" pitchFamily="49" charset="0"/>
+                          <a:cs typeface="Courier New" panose="02070309020205020404" pitchFamily="49" charset="0"/>
+                        </a:rPr>
+                        <a:t>students = </a:t>
+                      </a:r>
+                      <a:r>
+                        <a:rPr lang="en-US" sz="1600" b="1" dirty="0" err="1">
+                          <a:latin typeface="Courier New" panose="02070309020205020404" pitchFamily="49" charset="0"/>
+                          <a:cs typeface="Courier New" panose="02070309020205020404" pitchFamily="49" charset="0"/>
+                        </a:rPr>
+                        <a:t>pd.</a:t>
+                      </a:r>
+                      <a:r>
+                        <a:rPr lang="en-US" sz="1600" b="1" dirty="0" err="1">
+                          <a:solidFill>
+                            <a:srgbClr val="C00000"/>
+                          </a:solidFill>
+                          <a:latin typeface="Courier New" panose="02070309020205020404" pitchFamily="49" charset="0"/>
+                          <a:cs typeface="Courier New" panose="02070309020205020404" pitchFamily="49" charset="0"/>
+                        </a:rPr>
+                        <a:t>read_csv</a:t>
+                      </a:r>
+                      <a:r>
+                        <a:rPr lang="en-US" sz="1600" b="1" dirty="0">
+                          <a:latin typeface="Courier New" panose="02070309020205020404" pitchFamily="49" charset="0"/>
+                          <a:cs typeface="Courier New" panose="02070309020205020404" pitchFamily="49" charset="0"/>
+                        </a:rPr>
+                        <a:t>('students.csv')</a:t>
                       </a:r>
                     </a:p>
                     <a:p>
@@ -8671,7 +9037,7 @@
           <p:nvPr>
             <p:extLst>
               <p:ext uri="{D42A27DB-BD31-4B8C-83A1-F6EECF244321}">
-                <p14:modId xmlns:p14="http://schemas.microsoft.com/office/powerpoint/2010/main" val="1455731722"/>
+                <p14:modId xmlns:p14="http://schemas.microsoft.com/office/powerpoint/2010/main" val="1690734896"/>
               </p:ext>
             </p:extLst>
           </p:nvPr>
@@ -9128,19 +9494,7 @@
                           <a:latin typeface="Courier New" panose="02070309020205020404" pitchFamily="49" charset="0"/>
                           <a:cs typeface="Courier New" panose="02070309020205020404" pitchFamily="49" charset="0"/>
                         </a:rPr>
-                        <a:t># note row labels </a:t>
-                      </a:r>
-                      <a:r>
-                        <a:rPr lang="en-US" sz="1800" b="1" baseline="0" dirty="0" err="1">
-                          <a:solidFill>
-                            <a:schemeClr val="bg1">
-                              <a:lumMod val="50000"/>
-                            </a:schemeClr>
-                          </a:solidFill>
-                          <a:latin typeface="Courier New" panose="02070309020205020404" pitchFamily="49" charset="0"/>
-                          <a:cs typeface="Courier New" panose="02070309020205020404" pitchFamily="49" charset="0"/>
-                        </a:rPr>
-                        <a:t>arepermuted</a:t>
+                        <a:t># note row labels are permuted</a:t>
                       </a:r>
                       <a:endParaRPr lang="pt-BR" sz="1800" b="1" baseline="0" dirty="0">
                         <a:solidFill>
@@ -12146,19 +12500,19 @@
           <a:p>
             <a:r>
               <a:rPr lang="en-US" dirty="0">
-                <a:hlinkClick r:id="rId2"/>
+                <a:hlinkClick r:id="rId3"/>
               </a:rPr>
               <a:t>pandas.pydata.org/pandas-docs/stable/</a:t>
             </a:r>
             <a:r>
               <a:rPr lang="en-US" dirty="0" err="1">
-                <a:hlinkClick r:id="rId2"/>
+                <a:hlinkClick r:id="rId3"/>
               </a:rPr>
               <a:t>user_guide</a:t>
             </a:r>
             <a:r>
               <a:rPr lang="en-US" dirty="0">
-                <a:hlinkClick r:id="rId2"/>
+                <a:hlinkClick r:id="rId3"/>
               </a:rPr>
               <a:t>/advanced.html</a:t>
             </a:r>
@@ -16941,12 +17295,12 @@
           <a:lstStyle/>
           <a:p>
             <a:r>
+              <a:rPr lang="da-DK" dirty="0" err="1"/>
+              <a:t>Examples</a:t>
+            </a:r>
+            <a:r>
               <a:rPr lang="da-DK" dirty="0"/>
-              <a:t>SQL </a:t>
-            </a:r>
-            <a:r>
-              <a:rPr lang="da-DK" dirty="0" err="1"/>
-              <a:t>examples</a:t>
+              <a:t> : SQL statements</a:t>
             </a:r>
             <a:endParaRPr lang="en-US" dirty="0"/>
           </a:p>
@@ -18131,7 +18485,7 @@
             <a:pPr algn="r"/>
             <a:r>
               <a:rPr lang="en-US" dirty="0">
-                <a:hlinkClick r:id="rId2"/>
+                <a:hlinkClick r:id="rId3"/>
               </a:rPr>
               <a:t>www.w3schools.com/sql/</a:t>
             </a:r>

--- a/ipsa/slides/pandas.pptx
+++ b/ipsa/slides/pandas.pptx
@@ -168,7 +168,7 @@
   <pc:docChgLst>
     <pc:chgData name="Gerth Stølting Brodal" userId="04ef4784-6591-4f86-a140-f5c3b108582a" providerId="ADAL" clId="{1BB2CD8F-D7FA-4E10-A866-6EDCDFAFCE53}"/>
     <pc:docChg chg="custSel modSld">
-      <pc:chgData name="Gerth Stølting Brodal" userId="04ef4784-6591-4f86-a140-f5c3b108582a" providerId="ADAL" clId="{1BB2CD8F-D7FA-4E10-A866-6EDCDFAFCE53}" dt="2023-04-25T10:29:56.870" v="141" actId="20577"/>
+      <pc:chgData name="Gerth Stølting Brodal" userId="04ef4784-6591-4f86-a140-f5c3b108582a" providerId="ADAL" clId="{1BB2CD8F-D7FA-4E10-A866-6EDCDFAFCE53}" dt="2023-04-30T18:54:47.661" v="294" actId="20577"/>
       <pc:docMkLst>
         <pc:docMk/>
       </pc:docMkLst>
@@ -188,11 +188,19 @@
         </pc:spChg>
       </pc:sldChg>
       <pc:sldChg chg="modSp mod">
-        <pc:chgData name="Gerth Stølting Brodal" userId="04ef4784-6591-4f86-a140-f5c3b108582a" providerId="ADAL" clId="{1BB2CD8F-D7FA-4E10-A866-6EDCDFAFCE53}" dt="2023-04-25T09:55:44.197" v="70" actId="6549"/>
+        <pc:chgData name="Gerth Stølting Brodal" userId="04ef4784-6591-4f86-a140-f5c3b108582a" providerId="ADAL" clId="{1BB2CD8F-D7FA-4E10-A866-6EDCDFAFCE53}" dt="2023-04-30T18:28:23.672" v="143" actId="20577"/>
         <pc:sldMkLst>
           <pc:docMk/>
           <pc:sldMk cId="2563246782" sldId="709"/>
         </pc:sldMkLst>
+        <pc:spChg chg="mod">
+          <ac:chgData name="Gerth Stølting Brodal" userId="04ef4784-6591-4f86-a140-f5c3b108582a" providerId="ADAL" clId="{1BB2CD8F-D7FA-4E10-A866-6EDCDFAFCE53}" dt="2023-04-30T18:28:23.672" v="143" actId="20577"/>
+          <ac:spMkLst>
+            <pc:docMk/>
+            <pc:sldMk cId="2563246782" sldId="709"/>
+            <ac:spMk id="6" creationId="{00000000-0000-0000-0000-000000000000}"/>
+          </ac:spMkLst>
+        </pc:spChg>
         <pc:graphicFrameChg chg="mod modGraphic">
           <ac:chgData name="Gerth Stølting Brodal" userId="04ef4784-6591-4f86-a140-f5c3b108582a" providerId="ADAL" clId="{1BB2CD8F-D7FA-4E10-A866-6EDCDFAFCE53}" dt="2023-04-25T09:55:44.197" v="70" actId="6549"/>
           <ac:graphicFrameMkLst>
@@ -203,13 +211,28 @@
         </pc:graphicFrameChg>
       </pc:sldChg>
       <pc:sldChg chg="modSp mod">
-        <pc:chgData name="Gerth Stølting Brodal" userId="04ef4784-6591-4f86-a140-f5c3b108582a" providerId="ADAL" clId="{1BB2CD8F-D7FA-4E10-A866-6EDCDFAFCE53}" dt="2023-04-25T10:29:56.870" v="141" actId="20577"/>
+        <pc:chgData name="Gerth Stølting Brodal" userId="04ef4784-6591-4f86-a140-f5c3b108582a" providerId="ADAL" clId="{1BB2CD8F-D7FA-4E10-A866-6EDCDFAFCE53}" dt="2023-04-30T18:37:44.157" v="147" actId="6549"/>
+        <pc:sldMkLst>
+          <pc:docMk/>
+          <pc:sldMk cId="3105575450" sldId="710"/>
+        </pc:sldMkLst>
+        <pc:graphicFrameChg chg="modGraphic">
+          <ac:chgData name="Gerth Stølting Brodal" userId="04ef4784-6591-4f86-a140-f5c3b108582a" providerId="ADAL" clId="{1BB2CD8F-D7FA-4E10-A866-6EDCDFAFCE53}" dt="2023-04-30T18:37:44.157" v="147" actId="6549"/>
+          <ac:graphicFrameMkLst>
+            <pc:docMk/>
+            <pc:sldMk cId="3105575450" sldId="710"/>
+            <ac:graphicFrameMk id="5" creationId="{00000000-0000-0000-0000-000000000000}"/>
+          </ac:graphicFrameMkLst>
+        </pc:graphicFrameChg>
+      </pc:sldChg>
+      <pc:sldChg chg="modSp mod modNotesTx">
+        <pc:chgData name="Gerth Stølting Brodal" userId="04ef4784-6591-4f86-a140-f5c3b108582a" providerId="ADAL" clId="{1BB2CD8F-D7FA-4E10-A866-6EDCDFAFCE53}" dt="2023-04-30T18:54:47.661" v="294" actId="20577"/>
         <pc:sldMkLst>
           <pc:docMk/>
           <pc:sldMk cId="2888817038" sldId="711"/>
         </pc:sldMkLst>
-        <pc:graphicFrameChg chg="modGraphic">
-          <ac:chgData name="Gerth Stølting Brodal" userId="04ef4784-6591-4f86-a140-f5c3b108582a" providerId="ADAL" clId="{1BB2CD8F-D7FA-4E10-A866-6EDCDFAFCE53}" dt="2023-04-25T10:29:56.870" v="141" actId="20577"/>
+        <pc:graphicFrameChg chg="mod modGraphic">
+          <ac:chgData name="Gerth Stølting Brodal" userId="04ef4784-6591-4f86-a140-f5c3b108582a" providerId="ADAL" clId="{1BB2CD8F-D7FA-4E10-A866-6EDCDFAFCE53}" dt="2023-04-30T18:53:04.822" v="271" actId="207"/>
           <ac:graphicFrameMkLst>
             <pc:docMk/>
             <pc:sldMk cId="2888817038" sldId="711"/>
@@ -217,12 +240,20 @@
           </ac:graphicFrameMkLst>
         </pc:graphicFrameChg>
       </pc:sldChg>
-      <pc:sldChg chg="modNotesTx">
-        <pc:chgData name="Gerth Stølting Brodal" userId="04ef4784-6591-4f86-a140-f5c3b108582a" providerId="ADAL" clId="{1BB2CD8F-D7FA-4E10-A866-6EDCDFAFCE53}" dt="2023-04-25T10:28:58.340" v="140" actId="113"/>
+      <pc:sldChg chg="modSp mod modNotesTx">
+        <pc:chgData name="Gerth Stølting Brodal" userId="04ef4784-6591-4f86-a140-f5c3b108582a" providerId="ADAL" clId="{1BB2CD8F-D7FA-4E10-A866-6EDCDFAFCE53}" dt="2023-04-30T18:48:06.757" v="253" actId="20577"/>
         <pc:sldMkLst>
           <pc:docMk/>
           <pc:sldMk cId="3046591914" sldId="714"/>
         </pc:sldMkLst>
+        <pc:graphicFrameChg chg="modGraphic">
+          <ac:chgData name="Gerth Stølting Brodal" userId="04ef4784-6591-4f86-a140-f5c3b108582a" providerId="ADAL" clId="{1BB2CD8F-D7FA-4E10-A866-6EDCDFAFCE53}" dt="2023-04-30T18:48:06.757" v="253" actId="20577"/>
+          <ac:graphicFrameMkLst>
+            <pc:docMk/>
+            <pc:sldMk cId="3046591914" sldId="714"/>
+            <ac:graphicFrameMk id="4" creationId="{00000000-0000-0000-0000-000000000000}"/>
+          </ac:graphicFrameMkLst>
+        </pc:graphicFrameChg>
       </pc:sldChg>
     </pc:docChg>
   </pc:docChgLst>
@@ -311,7 +342,7 @@
           <a:p>
             <a:fld id="{FB1A172F-81D4-4DC4-9113-1DBD56EC3646}" type="datetimeFigureOut">
               <a:rPr lang="en-US" smtClean="0"/>
-              <a:t>4/25/2023</a:t>
+              <a:t>4/30/2023</a:t>
             </a:fld>
             <a:endParaRPr lang="en-US"/>
           </a:p>
@@ -733,6 +764,380 @@
           <a:lstStyle/>
           <a:p>
             <a:r>
+              <a:rPr lang="en-US" dirty="0"/>
+              <a:t>Note loc slice by labeled rows is </a:t>
+            </a:r>
+            <a:r>
+              <a:rPr lang="en-US" b="1" dirty="0"/>
+              <a:t>inclusive in last row name</a:t>
+            </a:r>
+          </a:p>
+          <a:p>
+            <a:r>
+              <a:rPr lang="en-US" b="0" dirty="0"/>
+              <a:t>Column names can be selected in arbitrary order</a:t>
+            </a:r>
+            <a:endParaRPr lang="da-DK" b="0" dirty="0"/>
+          </a:p>
+        </p:txBody>
+      </p:sp>
+      <p:sp>
+        <p:nvSpPr>
+          <p:cNvPr id="4" name="Slide Number Placeholder 3"/>
+          <p:cNvSpPr>
+            <a:spLocks noGrp="1"/>
+          </p:cNvSpPr>
+          <p:nvPr>
+            <p:ph type="sldNum" sz="quarter" idx="5"/>
+          </p:nvPr>
+        </p:nvSpPr>
+        <p:spPr/>
+        <p:txBody>
+          <a:bodyPr/>
+          <a:lstStyle/>
+          <a:p>
+            <a:fld id="{CD563DD8-32AB-41BE-B1C6-8EAC45222ACE}" type="slidenum">
+              <a:rPr lang="en-US" smtClean="0"/>
+              <a:t>13</a:t>
+            </a:fld>
+            <a:endParaRPr lang="en-US"/>
+          </a:p>
+        </p:txBody>
+      </p:sp>
+    </p:spTree>
+    <p:extLst>
+      <p:ext uri="{BB962C8B-B14F-4D97-AF65-F5344CB8AC3E}">
+        <p14:creationId xmlns:p14="http://schemas.microsoft.com/office/powerpoint/2010/main" val="2775692849"/>
+      </p:ext>
+    </p:extLst>
+  </p:cSld>
+  <p:clrMapOvr>
+    <a:masterClrMapping/>
+  </p:clrMapOvr>
+</p:notes>
+</file>
+
+<file path=ppt/notesSlides/notesSlide11.xml><?xml version="1.0" encoding="utf-8"?>
+<p:notes xmlns:a="http://schemas.openxmlformats.org/drawingml/2006/main" xmlns:r="http://schemas.openxmlformats.org/officeDocument/2006/relationships" xmlns:p="http://schemas.openxmlformats.org/presentationml/2006/main">
+  <p:cSld>
+    <p:spTree>
+      <p:nvGrpSpPr>
+        <p:cNvPr id="1" name=""/>
+        <p:cNvGrpSpPr/>
+        <p:nvPr/>
+      </p:nvGrpSpPr>
+      <p:grpSpPr>
+        <a:xfrm>
+          <a:off x="0" y="0"/>
+          <a:ext cx="0" cy="0"/>
+          <a:chOff x="0" y="0"/>
+          <a:chExt cx="0" cy="0"/>
+        </a:xfrm>
+      </p:grpSpPr>
+      <p:sp>
+        <p:nvSpPr>
+          <p:cNvPr id="2" name="Slide Image Placeholder 1"/>
+          <p:cNvSpPr>
+            <a:spLocks noGrp="1" noRot="1" noChangeAspect="1"/>
+          </p:cNvSpPr>
+          <p:nvPr>
+            <p:ph type="sldImg"/>
+          </p:nvPr>
+        </p:nvSpPr>
+        <p:spPr/>
+      </p:sp>
+      <p:sp>
+        <p:nvSpPr>
+          <p:cNvPr id="3" name="Notes Placeholder 2"/>
+          <p:cNvSpPr>
+            <a:spLocks noGrp="1"/>
+          </p:cNvSpPr>
+          <p:nvPr>
+            <p:ph type="body" idx="1"/>
+          </p:nvPr>
+        </p:nvSpPr>
+        <p:spPr/>
+        <p:txBody>
+          <a:bodyPr/>
+          <a:lstStyle/>
+          <a:p>
+            <a:pPr marL="0" marR="0" lvl="0" indent="0" algn="l" defTabSz="914400" rtl="0" eaLnBrk="1" fontAlgn="auto" latinLnBrk="0" hangingPunct="1">
+              <a:lnSpc>
+                <a:spcPct val="100000"/>
+              </a:lnSpc>
+              <a:spcBef>
+                <a:spcPts val="0"/>
+              </a:spcBef>
+              <a:spcAft>
+                <a:spcPts val="0"/>
+              </a:spcAft>
+              <a:buClrTx/>
+              <a:buSzTx/>
+              <a:buFontTx/>
+              <a:buNone/>
+              <a:tabLst/>
+              <a:defRPr/>
+            </a:pPr>
+            <a:r>
+              <a:rPr lang="en-US" dirty="0" err="1"/>
+              <a:t>sort_values</a:t>
+            </a:r>
+            <a:r>
+              <a:rPr lang="en-US" dirty="0"/>
+              <a:t> </a:t>
+            </a:r>
+            <a:r>
+              <a:rPr lang="en-US"/>
+              <a:t>: </a:t>
+            </a:r>
+            <a:r>
+              <a:rPr lang="en-US" b="0">
+                <a:solidFill>
+                  <a:srgbClr val="6A9955"/>
+                </a:solidFill>
+                <a:effectLst/>
+                <a:latin typeface="Consolas" panose="020B0609020204030204" pitchFamily="49" charset="0"/>
+              </a:rPr>
+              <a:t>'</a:t>
+            </a:r>
+            <a:r>
+              <a:rPr lang="en-US" b="0" dirty="0" err="1">
+                <a:solidFill>
+                  <a:srgbClr val="6A9955"/>
+                </a:solidFill>
+                <a:effectLst/>
+                <a:latin typeface="Consolas" panose="020B0609020204030204" pitchFamily="49" charset="0"/>
+              </a:rPr>
+              <a:t>inplace</a:t>
+            </a:r>
+            <a:r>
+              <a:rPr lang="en-US" b="0" dirty="0">
+                <a:solidFill>
+                  <a:srgbClr val="6A9955"/>
+                </a:solidFill>
+                <a:effectLst/>
+                <a:latin typeface="Consolas" panose="020B0609020204030204" pitchFamily="49" charset="0"/>
+              </a:rPr>
+              <a:t>' changes existing data frame without creating new</a:t>
+            </a:r>
+            <a:endParaRPr lang="en-US" b="0" dirty="0">
+              <a:solidFill>
+                <a:srgbClr val="D4D4D4"/>
+              </a:solidFill>
+              <a:effectLst/>
+              <a:latin typeface="Consolas" panose="020B0609020204030204" pitchFamily="49" charset="0"/>
+            </a:endParaRPr>
+          </a:p>
+          <a:p>
+            <a:endParaRPr lang="da-DK" dirty="0"/>
+          </a:p>
+        </p:txBody>
+      </p:sp>
+      <p:sp>
+        <p:nvSpPr>
+          <p:cNvPr id="4" name="Slide Number Placeholder 3"/>
+          <p:cNvSpPr>
+            <a:spLocks noGrp="1"/>
+          </p:cNvSpPr>
+          <p:nvPr>
+            <p:ph type="sldNum" sz="quarter" idx="5"/>
+          </p:nvPr>
+        </p:nvSpPr>
+        <p:spPr/>
+        <p:txBody>
+          <a:bodyPr/>
+          <a:lstStyle/>
+          <a:p>
+            <a:fld id="{CD563DD8-32AB-41BE-B1C6-8EAC45222ACE}" type="slidenum">
+              <a:rPr lang="en-US" smtClean="0"/>
+              <a:t>14</a:t>
+            </a:fld>
+            <a:endParaRPr lang="en-US"/>
+          </a:p>
+        </p:txBody>
+      </p:sp>
+    </p:spTree>
+    <p:extLst>
+      <p:ext uri="{BB962C8B-B14F-4D97-AF65-F5344CB8AC3E}">
+        <p14:creationId xmlns:p14="http://schemas.microsoft.com/office/powerpoint/2010/main" val="667397419"/>
+      </p:ext>
+    </p:extLst>
+  </p:cSld>
+  <p:clrMapOvr>
+    <a:masterClrMapping/>
+  </p:clrMapOvr>
+</p:notes>
+</file>
+
+<file path=ppt/notesSlides/notesSlide12.xml><?xml version="1.0" encoding="utf-8"?>
+<p:notes xmlns:a="http://schemas.openxmlformats.org/drawingml/2006/main" xmlns:r="http://schemas.openxmlformats.org/officeDocument/2006/relationships" xmlns:p="http://schemas.openxmlformats.org/presentationml/2006/main">
+  <p:cSld>
+    <p:spTree>
+      <p:nvGrpSpPr>
+        <p:cNvPr id="1" name=""/>
+        <p:cNvGrpSpPr/>
+        <p:nvPr/>
+      </p:nvGrpSpPr>
+      <p:grpSpPr>
+        <a:xfrm>
+          <a:off x="0" y="0"/>
+          <a:ext cx="0" cy="0"/>
+          <a:chOff x="0" y="0"/>
+          <a:chExt cx="0" cy="0"/>
+        </a:xfrm>
+      </p:grpSpPr>
+      <p:sp>
+        <p:nvSpPr>
+          <p:cNvPr id="2" name="Slide Image Placeholder 1"/>
+          <p:cNvSpPr>
+            <a:spLocks noGrp="1" noRot="1" noChangeAspect="1"/>
+          </p:cNvSpPr>
+          <p:nvPr>
+            <p:ph type="sldImg"/>
+          </p:nvPr>
+        </p:nvSpPr>
+        <p:spPr/>
+      </p:sp>
+      <p:sp>
+        <p:nvSpPr>
+          <p:cNvPr id="3" name="Notes Placeholder 2"/>
+          <p:cNvSpPr>
+            <a:spLocks noGrp="1"/>
+          </p:cNvSpPr>
+          <p:nvPr>
+            <p:ph type="body" idx="1"/>
+          </p:nvPr>
+        </p:nvSpPr>
+        <p:spPr/>
+        <p:txBody>
+          <a:bodyPr/>
+          <a:lstStyle/>
+          <a:p>
+            <a:r>
+              <a:rPr lang="en-US" dirty="0"/>
+              <a:t>From Pandas </a:t>
+            </a:r>
+            <a:r>
+              <a:rPr lang="en-US" dirty="0" err="1"/>
+              <a:t>Datareader</a:t>
+            </a:r>
+            <a:r>
+              <a:rPr lang="en-US" baseline="0" dirty="0"/>
+              <a:t> webpage 26/4-2019</a:t>
+            </a:r>
+          </a:p>
+          <a:p>
+            <a:endParaRPr lang="en-US" baseline="0" dirty="0"/>
+          </a:p>
+          <a:p>
+            <a:pPr marL="0" marR="0" lvl="0" indent="0" algn="l" defTabSz="914400" rtl="0" eaLnBrk="1" fontAlgn="auto" latinLnBrk="0" hangingPunct="1">
+              <a:lnSpc>
+                <a:spcPct val="100000"/>
+              </a:lnSpc>
+              <a:spcBef>
+                <a:spcPts val="0"/>
+              </a:spcBef>
+              <a:spcAft>
+                <a:spcPts val="0"/>
+              </a:spcAft>
+              <a:buClrTx/>
+              <a:buSzTx/>
+              <a:buFontTx/>
+              <a:buNone/>
+              <a:tabLst/>
+              <a:defRPr/>
+            </a:pPr>
+            <a:r>
+              <a:rPr lang="en-US" b="1" dirty="0"/>
+              <a:t>As of v0.6.0 Google finance is still functioning for historical price data, although there are frequent reports of failures. Failure is frequently encountered when bulk downloading historical price data.</a:t>
+            </a:r>
+          </a:p>
+          <a:p>
+            <a:endParaRPr lang="en-US" dirty="0"/>
+          </a:p>
+        </p:txBody>
+      </p:sp>
+      <p:sp>
+        <p:nvSpPr>
+          <p:cNvPr id="4" name="Slide Number Placeholder 3"/>
+          <p:cNvSpPr>
+            <a:spLocks noGrp="1"/>
+          </p:cNvSpPr>
+          <p:nvPr>
+            <p:ph type="sldNum" sz="quarter" idx="10"/>
+          </p:nvPr>
+        </p:nvSpPr>
+        <p:spPr/>
+        <p:txBody>
+          <a:bodyPr/>
+          <a:lstStyle/>
+          <a:p>
+            <a:fld id="{CD563DD8-32AB-41BE-B1C6-8EAC45222ACE}" type="slidenum">
+              <a:rPr lang="en-US" smtClean="0"/>
+              <a:t>15</a:t>
+            </a:fld>
+            <a:endParaRPr lang="en-US"/>
+          </a:p>
+        </p:txBody>
+      </p:sp>
+    </p:spTree>
+    <p:extLst>
+      <p:ext uri="{BB962C8B-B14F-4D97-AF65-F5344CB8AC3E}">
+        <p14:creationId xmlns:p14="http://schemas.microsoft.com/office/powerpoint/2010/main" val="3440814069"/>
+      </p:ext>
+    </p:extLst>
+  </p:cSld>
+  <p:clrMapOvr>
+    <a:masterClrMapping/>
+  </p:clrMapOvr>
+</p:notes>
+</file>
+
+<file path=ppt/notesSlides/notesSlide13.xml><?xml version="1.0" encoding="utf-8"?>
+<p:notes xmlns:a="http://schemas.openxmlformats.org/drawingml/2006/main" xmlns:r="http://schemas.openxmlformats.org/officeDocument/2006/relationships" xmlns:p="http://schemas.openxmlformats.org/presentationml/2006/main">
+  <p:cSld>
+    <p:spTree>
+      <p:nvGrpSpPr>
+        <p:cNvPr id="1" name=""/>
+        <p:cNvGrpSpPr/>
+        <p:nvPr/>
+      </p:nvGrpSpPr>
+      <p:grpSpPr>
+        <a:xfrm>
+          <a:off x="0" y="0"/>
+          <a:ext cx="0" cy="0"/>
+          <a:chOff x="0" y="0"/>
+          <a:chExt cx="0" cy="0"/>
+        </a:xfrm>
+      </p:grpSpPr>
+      <p:sp>
+        <p:nvSpPr>
+          <p:cNvPr id="2" name="Slide Image Placeholder 1"/>
+          <p:cNvSpPr>
+            <a:spLocks noGrp="1" noRot="1" noChangeAspect="1"/>
+          </p:cNvSpPr>
+          <p:nvPr>
+            <p:ph type="sldImg"/>
+          </p:nvPr>
+        </p:nvSpPr>
+        <p:spPr/>
+      </p:sp>
+      <p:sp>
+        <p:nvSpPr>
+          <p:cNvPr id="3" name="Notes Placeholder 2"/>
+          <p:cNvSpPr>
+            <a:spLocks noGrp="1"/>
+          </p:cNvSpPr>
+          <p:nvPr>
+            <p:ph type="body" idx="1"/>
+          </p:nvPr>
+        </p:nvSpPr>
+        <p:spPr/>
+        <p:txBody>
+          <a:bodyPr/>
+          <a:lstStyle/>
+          <a:p>
+            <a:r>
               <a:rPr lang="en-US" dirty="0" err="1"/>
               <a:t>Datareader</a:t>
             </a:r>
@@ -788,7 +1193,7 @@
 </p:notes>
 </file>
 
-<file path=ppt/notesSlides/notesSlide11.xml><?xml version="1.0" encoding="utf-8"?>
+<file path=ppt/notesSlides/notesSlide14.xml><?xml version="1.0" encoding="utf-8"?>
 <p:notes xmlns:a="http://schemas.openxmlformats.org/drawingml/2006/main" xmlns:r="http://schemas.openxmlformats.org/officeDocument/2006/relationships" xmlns:p="http://schemas.openxmlformats.org/presentationml/2006/main">
   <p:cSld>
     <p:spTree>
@@ -1567,24 +1972,7 @@
           <a:bodyPr/>
           <a:lstStyle/>
           <a:p>
-            <a:r>
-              <a:rPr lang="en-US" dirty="0"/>
-              <a:t>countries, cities, students all &lt;class '</a:t>
-            </a:r>
-            <a:r>
-              <a:rPr lang="en-US" dirty="0" err="1"/>
-              <a:t>pandas.core.frame.DataFrame</a:t>
-            </a:r>
-            <a:r>
-              <a:rPr lang="en-US" dirty="0"/>
-              <a:t>'&gt;</a:t>
-            </a:r>
-          </a:p>
-          <a:p>
-            <a:endParaRPr lang="en-US" dirty="0"/>
-          </a:p>
-          <a:p>
-            <a:endParaRPr lang="en-US" dirty="0"/>
+            <a:endParaRPr lang="da-DK" dirty="0"/>
           </a:p>
         </p:txBody>
       </p:sp>
@@ -1595,7 +1983,7 @@
             <a:spLocks noGrp="1"/>
           </p:cNvSpPr>
           <p:nvPr>
-            <p:ph type="sldNum" sz="quarter" idx="10"/>
+            <p:ph type="sldNum" sz="quarter" idx="5"/>
           </p:nvPr>
         </p:nvSpPr>
         <p:spPr/>
@@ -1605,7 +1993,7 @@
           <a:p>
             <a:fld id="{CD563DD8-32AB-41BE-B1C6-8EAC45222ACE}" type="slidenum">
               <a:rPr lang="en-US" smtClean="0"/>
-              <a:t>11</a:t>
+              <a:t>8</a:t>
             </a:fld>
             <a:endParaRPr lang="en-US"/>
           </a:p>
@@ -1614,7 +2002,7 @@
     </p:spTree>
     <p:extLst>
       <p:ext uri="{BB962C8B-B14F-4D97-AF65-F5344CB8AC3E}">
-        <p14:creationId xmlns:p14="http://schemas.microsoft.com/office/powerpoint/2010/main" val="3477334775"/>
+        <p14:creationId xmlns:p14="http://schemas.microsoft.com/office/powerpoint/2010/main" val="3328597610"/>
       </p:ext>
     </p:extLst>
   </p:cSld>
@@ -1668,32 +2056,7 @@
           <a:bodyPr/>
           <a:lstStyle/>
           <a:p>
-            <a:r>
-              <a:rPr lang="en-US" dirty="0"/>
-              <a:t>read table using SQL query</a:t>
-            </a:r>
-          </a:p>
-          <a:p>
-            <a:endParaRPr lang="en-US" dirty="0"/>
-          </a:p>
-          <a:p>
-            <a:r>
-              <a:rPr lang="en-US" dirty="0"/>
-              <a:t>many</a:t>
-            </a:r>
-            <a:r>
-              <a:rPr lang="en-US" baseline="0" dirty="0"/>
-              <a:t> ways to index into </a:t>
-            </a:r>
-            <a:r>
-              <a:rPr lang="en-US" baseline="0" dirty="0" err="1"/>
-              <a:t>DataFrame’s</a:t>
-            </a:r>
-            <a:r>
-              <a:rPr lang="en-US" baseline="0" dirty="0"/>
-              <a:t> very flexible – but at the same time overwhelming....</a:t>
-            </a:r>
-            <a:endParaRPr lang="en-US" dirty="0"/>
+            <a:endParaRPr lang="da-DK" dirty="0"/>
           </a:p>
         </p:txBody>
       </p:sp>
@@ -1704,7 +2067,7 @@
             <a:spLocks noGrp="1"/>
           </p:cNvSpPr>
           <p:nvPr>
-            <p:ph type="sldNum" sz="quarter" idx="10"/>
+            <p:ph type="sldNum" sz="quarter" idx="5"/>
           </p:nvPr>
         </p:nvSpPr>
         <p:spPr/>
@@ -1714,7 +2077,7 @@
           <a:p>
             <a:fld id="{CD563DD8-32AB-41BE-B1C6-8EAC45222ACE}" type="slidenum">
               <a:rPr lang="en-US" smtClean="0"/>
-              <a:t>12</a:t>
+              <a:t>9</a:t>
             </a:fld>
             <a:endParaRPr lang="en-US"/>
           </a:p>
@@ -1723,7 +2086,7 @@
     </p:spTree>
     <p:extLst>
       <p:ext uri="{BB962C8B-B14F-4D97-AF65-F5344CB8AC3E}">
-        <p14:creationId xmlns:p14="http://schemas.microsoft.com/office/powerpoint/2010/main" val="1797067243"/>
+        <p14:creationId xmlns:p14="http://schemas.microsoft.com/office/powerpoint/2010/main" val="2712831218"/>
       </p:ext>
     </p:extLst>
   </p:cSld>
@@ -1779,13 +2142,22 @@
           <a:p>
             <a:r>
               <a:rPr lang="en-US" dirty="0"/>
-              <a:t>Note loc slice by labeled rows is </a:t>
-            </a:r>
-            <a:r>
-              <a:rPr lang="en-US" b="1" dirty="0"/>
-              <a:t>inclusive in last row name</a:t>
-            </a:r>
-            <a:endParaRPr lang="da-DK" b="1" dirty="0"/>
+              <a:t>countries, cities, students all &lt;class '</a:t>
+            </a:r>
+            <a:r>
+              <a:rPr lang="en-US" dirty="0" err="1"/>
+              <a:t>pandas.core.frame.DataFrame</a:t>
+            </a:r>
+            <a:r>
+              <a:rPr lang="en-US" dirty="0"/>
+              <a:t>'&gt;</a:t>
+            </a:r>
+          </a:p>
+          <a:p>
+            <a:endParaRPr lang="en-US" dirty="0"/>
+          </a:p>
+          <a:p>
+            <a:endParaRPr lang="en-US" dirty="0"/>
           </a:p>
         </p:txBody>
       </p:sp>
@@ -1796,7 +2168,7 @@
             <a:spLocks noGrp="1"/>
           </p:cNvSpPr>
           <p:nvPr>
-            <p:ph type="sldNum" sz="quarter" idx="5"/>
+            <p:ph type="sldNum" sz="quarter" idx="10"/>
           </p:nvPr>
         </p:nvSpPr>
         <p:spPr/>
@@ -1806,7 +2178,7 @@
           <a:p>
             <a:fld id="{CD563DD8-32AB-41BE-B1C6-8EAC45222ACE}" type="slidenum">
               <a:rPr lang="en-US" smtClean="0"/>
-              <a:t>13</a:t>
+              <a:t>11</a:t>
             </a:fld>
             <a:endParaRPr lang="en-US"/>
           </a:p>
@@ -1815,7 +2187,7 @@
     </p:spTree>
     <p:extLst>
       <p:ext uri="{BB962C8B-B14F-4D97-AF65-F5344CB8AC3E}">
-        <p14:creationId xmlns:p14="http://schemas.microsoft.com/office/powerpoint/2010/main" val="2775692849"/>
+        <p14:creationId xmlns:p14="http://schemas.microsoft.com/office/powerpoint/2010/main" val="3477334775"/>
       </p:ext>
     </p:extLst>
   </p:cSld>
@@ -1871,44 +2243,29 @@
           <a:p>
             <a:r>
               <a:rPr lang="en-US" dirty="0"/>
-              <a:t>From Pandas </a:t>
-            </a:r>
-            <a:r>
-              <a:rPr lang="en-US" dirty="0" err="1"/>
-              <a:t>Datareader</a:t>
-            </a:r>
-            <a:r>
-              <a:rPr lang="en-US" baseline="0" dirty="0"/>
-              <a:t> webpage 26/4-2019</a:t>
+              <a:t>read table using SQL query</a:t>
             </a:r>
           </a:p>
           <a:p>
-            <a:endParaRPr lang="en-US" baseline="0" dirty="0"/>
+            <a:endParaRPr lang="en-US" dirty="0"/>
           </a:p>
           <a:p>
-            <a:pPr marL="0" marR="0" lvl="0" indent="0" algn="l" defTabSz="914400" rtl="0" eaLnBrk="1" fontAlgn="auto" latinLnBrk="0" hangingPunct="1">
-              <a:lnSpc>
-                <a:spcPct val="100000"/>
-              </a:lnSpc>
-              <a:spcBef>
-                <a:spcPts val="0"/>
-              </a:spcBef>
-              <a:spcAft>
-                <a:spcPts val="0"/>
-              </a:spcAft>
-              <a:buClrTx/>
-              <a:buSzTx/>
-              <a:buFontTx/>
-              <a:buNone/>
-              <a:tabLst/>
-              <a:defRPr/>
-            </a:pPr>
-            <a:r>
-              <a:rPr lang="en-US" b="1" dirty="0"/>
-              <a:t>As of v0.6.0 Google finance is still functioning for historical price data, although there are frequent reports of failures. Failure is frequently encountered when bulk downloading historical price data.</a:t>
-            </a:r>
-          </a:p>
-          <a:p>
+            <a:r>
+              <a:rPr lang="en-US" dirty="0"/>
+              <a:t>many</a:t>
+            </a:r>
+            <a:r>
+              <a:rPr lang="en-US" baseline="0" dirty="0"/>
+              <a:t> ways to index into </a:t>
+            </a:r>
+            <a:r>
+              <a:rPr lang="en-US" baseline="0" dirty="0" err="1"/>
+              <a:t>DataFrame’s</a:t>
+            </a:r>
+            <a:r>
+              <a:rPr lang="en-US" baseline="0" dirty="0"/>
+              <a:t> very flexible – but at the same time overwhelming....</a:t>
+            </a:r>
             <a:endParaRPr lang="en-US" dirty="0"/>
           </a:p>
         </p:txBody>
@@ -1930,7 +2287,7 @@
           <a:p>
             <a:fld id="{CD563DD8-32AB-41BE-B1C6-8EAC45222ACE}" type="slidenum">
               <a:rPr lang="en-US" smtClean="0"/>
-              <a:t>15</a:t>
+              <a:t>12</a:t>
             </a:fld>
             <a:endParaRPr lang="en-US"/>
           </a:p>
@@ -1939,7 +2296,7 @@
     </p:spTree>
     <p:extLst>
       <p:ext uri="{BB962C8B-B14F-4D97-AF65-F5344CB8AC3E}">
-        <p14:creationId xmlns:p14="http://schemas.microsoft.com/office/powerpoint/2010/main" val="3440814069"/>
+        <p14:creationId xmlns:p14="http://schemas.microsoft.com/office/powerpoint/2010/main" val="1797067243"/>
       </p:ext>
     </p:extLst>
   </p:cSld>
@@ -2086,7 +2443,7 @@
           <a:p>
             <a:fld id="{0560A9CD-0304-4E0B-9E82-E7E0115DE05B}" type="datetimeFigureOut">
               <a:rPr lang="en-US" smtClean="0"/>
-              <a:t>4/25/2023</a:t>
+              <a:t>4/30/2023</a:t>
             </a:fld>
             <a:endParaRPr lang="en-US"/>
           </a:p>
@@ -2254,7 +2611,7 @@
           <a:p>
             <a:fld id="{0560A9CD-0304-4E0B-9E82-E7E0115DE05B}" type="datetimeFigureOut">
               <a:rPr lang="en-US" smtClean="0"/>
-              <a:t>4/25/2023</a:t>
+              <a:t>4/30/2023</a:t>
             </a:fld>
             <a:endParaRPr lang="en-US"/>
           </a:p>
@@ -2432,7 +2789,7 @@
           <a:p>
             <a:fld id="{0560A9CD-0304-4E0B-9E82-E7E0115DE05B}" type="datetimeFigureOut">
               <a:rPr lang="en-US" smtClean="0"/>
-              <a:t>4/25/2023</a:t>
+              <a:t>4/30/2023</a:t>
             </a:fld>
             <a:endParaRPr lang="en-US"/>
           </a:p>
@@ -2615,7 +2972,7 @@
           <a:p>
             <a:fld id="{0560A9CD-0304-4E0B-9E82-E7E0115DE05B}" type="datetimeFigureOut">
               <a:rPr lang="en-US" smtClean="0"/>
-              <a:t>4/25/2023</a:t>
+              <a:t>4/30/2023</a:t>
             </a:fld>
             <a:endParaRPr lang="en-US"/>
           </a:p>
@@ -2860,7 +3217,7 @@
           <a:p>
             <a:fld id="{0560A9CD-0304-4E0B-9E82-E7E0115DE05B}" type="datetimeFigureOut">
               <a:rPr lang="en-US" smtClean="0"/>
-              <a:t>4/25/2023</a:t>
+              <a:t>4/30/2023</a:t>
             </a:fld>
             <a:endParaRPr lang="en-US"/>
           </a:p>
@@ -3089,7 +3446,7 @@
           <a:p>
             <a:fld id="{0560A9CD-0304-4E0B-9E82-E7E0115DE05B}" type="datetimeFigureOut">
               <a:rPr lang="en-US" smtClean="0"/>
-              <a:t>4/25/2023</a:t>
+              <a:t>4/30/2023</a:t>
             </a:fld>
             <a:endParaRPr lang="en-US"/>
           </a:p>
@@ -3453,7 +3810,7 @@
           <a:p>
             <a:fld id="{0560A9CD-0304-4E0B-9E82-E7E0115DE05B}" type="datetimeFigureOut">
               <a:rPr lang="en-US" smtClean="0"/>
-              <a:t>4/25/2023</a:t>
+              <a:t>4/30/2023</a:t>
             </a:fld>
             <a:endParaRPr lang="en-US"/>
           </a:p>
@@ -3570,7 +3927,7 @@
           <a:p>
             <a:fld id="{0560A9CD-0304-4E0B-9E82-E7E0115DE05B}" type="datetimeFigureOut">
               <a:rPr lang="en-US" smtClean="0"/>
-              <a:t>4/25/2023</a:t>
+              <a:t>4/30/2023</a:t>
             </a:fld>
             <a:endParaRPr lang="en-US"/>
           </a:p>
@@ -3665,7 +4022,7 @@
           <a:p>
             <a:fld id="{0560A9CD-0304-4E0B-9E82-E7E0115DE05B}" type="datetimeFigureOut">
               <a:rPr lang="en-US" smtClean="0"/>
-              <a:t>4/25/2023</a:t>
+              <a:t>4/30/2023</a:t>
             </a:fld>
             <a:endParaRPr lang="en-US"/>
           </a:p>
@@ -3940,7 +4297,7 @@
           <a:p>
             <a:fld id="{0560A9CD-0304-4E0B-9E82-E7E0115DE05B}" type="datetimeFigureOut">
               <a:rPr lang="en-US" smtClean="0"/>
-              <a:t>4/25/2023</a:t>
+              <a:t>4/30/2023</a:t>
             </a:fld>
             <a:endParaRPr lang="en-US"/>
           </a:p>
@@ -4192,7 +4549,7 @@
           <a:p>
             <a:fld id="{0560A9CD-0304-4E0B-9E82-E7E0115DE05B}" type="datetimeFigureOut">
               <a:rPr lang="en-US" smtClean="0"/>
-              <a:t>4/25/2023</a:t>
+              <a:t>4/30/2023</a:t>
             </a:fld>
             <a:endParaRPr lang="en-US"/>
           </a:p>
@@ -4403,7 +4760,7 @@
           <a:p>
             <a:fld id="{0560A9CD-0304-4E0B-9E82-E7E0115DE05B}" type="datetimeFigureOut">
               <a:rPr lang="en-US" smtClean="0"/>
-              <a:t>4/25/2023</a:t>
+              <a:t>4/30/2023</a:t>
             </a:fld>
             <a:endParaRPr lang="en-US"/>
           </a:p>
@@ -5386,15 +5743,11 @@
             </a:r>
             <a:r>
               <a:rPr lang="da-DK" dirty="0"/>
-              <a:t> </a:t>
+              <a:t> data formats, </a:t>
             </a:r>
             <a:br>
               <a:rPr lang="da-DK" dirty="0"/>
             </a:br>
-            <a:r>
-              <a:rPr lang="da-DK" dirty="0"/>
-              <a:t>data formats, </a:t>
-            </a:r>
             <a:r>
               <a:rPr lang="da-DK" dirty="0" err="1"/>
               <a:t>e.g</a:t>
@@ -6118,7 +6471,7 @@
           <p:nvPr>
             <p:extLst>
               <p:ext uri="{D42A27DB-BD31-4B8C-83A1-F6EECF244321}">
-                <p14:modId xmlns:p14="http://schemas.microsoft.com/office/powerpoint/2010/main" val="2987880156"/>
+                <p14:modId xmlns:p14="http://schemas.microsoft.com/office/powerpoint/2010/main" val="1080360350"/>
               </p:ext>
             </p:extLst>
           </p:nvPr>
@@ -6623,7 +6976,7 @@
                           <a:latin typeface="Courier New" panose="02070309020205020404" pitchFamily="49" charset="0"/>
                           <a:cs typeface="Courier New" panose="02070309020205020404" pitchFamily="49" charset="0"/>
                         </a:rPr>
-                        <a:t>pd.DataFrame([[1,2], [3, 4], [5,6]], columns=['x', 'y'])   </a:t>
+                        <a:t>pd.DataFrame([[1, 2], [3, 4], [5, 6]], columns=['x', 'y'])  </a:t>
                       </a:r>
                       <a:r>
                         <a:rPr lang="pt-BR" sz="1800" b="1" baseline="0" dirty="0">
@@ -6652,7 +7005,7 @@
                           <a:latin typeface="Courier New" panose="02070309020205020404" pitchFamily="49" charset="0"/>
                           <a:cs typeface="Courier New" panose="02070309020205020404" pitchFamily="49" charset="0"/>
                         </a:rPr>
-                        <a:t>pd.DataFrame(np.random.random((3,2)), columns=['x', 'y'])  </a:t>
+                        <a:t>pd.DataFrame(np.random.random((3, 2)), columns=['x', 'y'])  </a:t>
                       </a:r>
                       <a:r>
                         <a:rPr lang="pt-BR" sz="1800" b="1" baseline="0" dirty="0">
@@ -7853,7 +8206,7 @@
           <p:nvPr>
             <p:extLst>
               <p:ext uri="{D42A27DB-BD31-4B8C-83A1-F6EECF244321}">
-                <p14:modId xmlns:p14="http://schemas.microsoft.com/office/powerpoint/2010/main" val="2580215384"/>
+                <p14:modId xmlns:p14="http://schemas.microsoft.com/office/powerpoint/2010/main" val="1338638542"/>
               </p:ext>
             </p:extLst>
           </p:nvPr>
@@ -8010,7 +8363,7 @@
                           <a:latin typeface="Courier New" panose="02070309020205020404" pitchFamily="49" charset="0"/>
                           <a:cs typeface="Courier New" panose="02070309020205020404" pitchFamily="49" charset="0"/>
                         </a:rPr>
-                        <a:t>                 </a:t>
+                        <a:t>                  </a:t>
                       </a:r>
                       <a:r>
                         <a:rPr lang="pt-BR" sz="1600" b="1" baseline="0" dirty="0">
@@ -8109,7 +8462,7 @@
                           <a:latin typeface="Courier New" panose="02070309020205020404" pitchFamily="49" charset="0"/>
                           <a:cs typeface="Courier New" panose="02070309020205020404" pitchFamily="49" charset="0"/>
                         </a:rPr>
-                        <a:t>                 columns=['c', 'a', 'd', 'e'])  </a:t>
+                        <a:t>                  columns=['c', 'a', 'd', 'e'])  </a:t>
                       </a:r>
                       <a:r>
                         <a:rPr lang="pt-BR" sz="1600" b="1" baseline="0" dirty="0">
@@ -8527,7 +8880,31 @@
                           <a:latin typeface="Courier New" panose="02070309020205020404" pitchFamily="49" charset="0"/>
                           <a:cs typeface="Courier New" panose="02070309020205020404" pitchFamily="49" charset="0"/>
                         </a:rPr>
-                        <a:t> # single row</a:t>
+                        <a:t> # single row (a one-dimensional </a:t>
+                      </a:r>
+                      <a:r>
+                        <a:rPr lang="en-US" sz="1600" b="1" baseline="0" dirty="0" err="1">
+                          <a:solidFill>
+                            <a:schemeClr val="bg1">
+                              <a:lumMod val="50000"/>
+                            </a:schemeClr>
+                          </a:solidFill>
+                          <a:latin typeface="Courier New" panose="02070309020205020404" pitchFamily="49" charset="0"/>
+                          <a:cs typeface="Courier New" panose="02070309020205020404" pitchFamily="49" charset="0"/>
+                        </a:rPr>
+                        <a:t>pd.Series</a:t>
+                      </a:r>
+                      <a:r>
+                        <a:rPr lang="en-US" sz="1600" b="1" baseline="0" dirty="0">
+                          <a:solidFill>
+                            <a:schemeClr val="bg1">
+                              <a:lumMod val="50000"/>
+                            </a:schemeClr>
+                          </a:solidFill>
+                          <a:latin typeface="Courier New" panose="02070309020205020404" pitchFamily="49" charset="0"/>
+                          <a:cs typeface="Courier New" panose="02070309020205020404" pitchFamily="49" charset="0"/>
+                        </a:rPr>
+                        <a:t>)</a:t>
                       </a:r>
                     </a:p>
                     <a:p>
@@ -9037,14 +9414,14 @@
           <p:nvPr>
             <p:extLst>
               <p:ext uri="{D42A27DB-BD31-4B8C-83A1-F6EECF244321}">
-                <p14:modId xmlns:p14="http://schemas.microsoft.com/office/powerpoint/2010/main" val="1690734896"/>
+                <p14:modId xmlns:p14="http://schemas.microsoft.com/office/powerpoint/2010/main" val="2422183006"/>
               </p:ext>
             </p:extLst>
           </p:nvPr>
         </p:nvGraphicFramePr>
         <p:xfrm>
-          <a:off x="611822" y="1436688"/>
-          <a:ext cx="10968355" cy="5029200"/>
+          <a:off x="338772" y="1436688"/>
+          <a:ext cx="11514455" cy="5029200"/>
         </p:xfrm>
         <a:graphic>
           <a:graphicData uri="http://schemas.openxmlformats.org/drawingml/2006/table">
@@ -9053,7 +9430,7 @@
                 <a:tableStyleId>{5C22544A-7EE6-4342-B048-85BDC9FD1C3A}</a:tableStyleId>
               </a:tblPr>
               <a:tblGrid>
-                <a:gridCol w="10968355">
+                <a:gridCol w="11514455">
                   <a:extLst>
                     <a:ext uri="{9D8B030D-6E8A-4147-A177-3AD203B41FA5}">
                       <a16:colId xmlns:a16="http://schemas.microsoft.com/office/drawing/2014/main" val="1873682825"/>
@@ -9245,7 +9622,19 @@
                           <a:latin typeface="Courier New" panose="02070309020205020404" pitchFamily="49" charset="0"/>
                           <a:cs typeface="Courier New" panose="02070309020205020404" pitchFamily="49" charset="0"/>
                         </a:rPr>
-                        <a:t>M2['%pop in capital'] = M2.capital_population / M2.country_population</a:t>
+                        <a:t>M2['%pop in capital'] = M2.capital_population / M2.country_population  </a:t>
+                      </a:r>
+                      <a:r>
+                        <a:rPr lang="pt-BR" sz="1800" b="1" dirty="0">
+                          <a:solidFill>
+                            <a:schemeClr val="bg1">
+                              <a:lumMod val="50000"/>
+                            </a:schemeClr>
+                          </a:solidFill>
+                          <a:latin typeface="Courier New" panose="02070309020205020404" pitchFamily="49" charset="0"/>
+                          <a:cs typeface="Courier New" panose="02070309020205020404" pitchFamily="49" charset="0"/>
+                        </a:rPr>
+                        <a:t># add column</a:t>
                       </a:r>
                     </a:p>
                     <a:p>
@@ -23012,7 +23401,7 @@
           </p:nvPr>
         </p:nvPicPr>
         <p:blipFill>
-          <a:blip r:embed="rId2">
+          <a:blip r:embed="rId3">
             <a:extLst>
               <a:ext uri="{28A0092B-C50C-407E-A947-70E740481C1C}">
                 <a14:useLocalDpi xmlns:a14="http://schemas.microsoft.com/office/drawing/2010/main" val="0"/>
@@ -23054,7 +23443,7 @@
             <a:pPr algn="r"/>
             <a:r>
               <a:rPr lang="en-US" dirty="0">
-                <a:hlinkClick r:id="rId3"/>
+                <a:hlinkClick r:id="rId4"/>
               </a:rPr>
               <a:t>xkcd.com/327/</a:t>
             </a:r>
@@ -23126,7 +23515,7 @@
           </p:nvPr>
         </p:nvPicPr>
         <p:blipFill>
-          <a:blip r:embed="rId2">
+          <a:blip r:embed="rId3">
             <a:extLst>
               <a:ext uri="{28A0092B-C50C-407E-A947-70E740481C1C}">
                 <a14:useLocalDpi xmlns:a14="http://schemas.microsoft.com/office/drawing/2010/main" val="0"/>
@@ -23462,7 +23851,7 @@
             <a:pPr algn="r"/>
             <a:r>
               <a:rPr lang="en-US" dirty="0">
-                <a:hlinkClick r:id="rId3"/>
+                <a:hlinkClick r:id="rId4"/>
               </a:rPr>
               <a:t>pandas.pydata.org</a:t>
             </a:r>

--- a/ipsa/slides/pandas.pptx
+++ b/ipsa/slides/pandas.pptx
@@ -167,8 +167,8 @@
   </pc:docChgLst>
   <pc:docChgLst>
     <pc:chgData name="Gerth Stølting Brodal" userId="04ef4784-6591-4f86-a140-f5c3b108582a" providerId="ADAL" clId="{1BB2CD8F-D7FA-4E10-A866-6EDCDFAFCE53}"/>
-    <pc:docChg chg="custSel modSld">
-      <pc:chgData name="Gerth Stølting Brodal" userId="04ef4784-6591-4f86-a140-f5c3b108582a" providerId="ADAL" clId="{1BB2CD8F-D7FA-4E10-A866-6EDCDFAFCE53}" dt="2023-04-30T18:54:47.661" v="294" actId="20577"/>
+    <pc:docChg chg="undo custSel modSld">
+      <pc:chgData name="Gerth Stølting Brodal" userId="04ef4784-6591-4f86-a140-f5c3b108582a" providerId="ADAL" clId="{1BB2CD8F-D7FA-4E10-A866-6EDCDFAFCE53}" dt="2023-05-01T07:13:04.173" v="322" actId="113"/>
       <pc:docMkLst>
         <pc:docMk/>
       </pc:docMkLst>
@@ -187,8 +187,8 @@
           </ac:spMkLst>
         </pc:spChg>
       </pc:sldChg>
-      <pc:sldChg chg="modSp mod">
-        <pc:chgData name="Gerth Stølting Brodal" userId="04ef4784-6591-4f86-a140-f5c3b108582a" providerId="ADAL" clId="{1BB2CD8F-D7FA-4E10-A866-6EDCDFAFCE53}" dt="2023-04-30T18:28:23.672" v="143" actId="20577"/>
+      <pc:sldChg chg="modSp mod modNotesTx">
+        <pc:chgData name="Gerth Stølting Brodal" userId="04ef4784-6591-4f86-a140-f5c3b108582a" providerId="ADAL" clId="{1BB2CD8F-D7FA-4E10-A866-6EDCDFAFCE53}" dt="2023-05-01T07:13:04.173" v="322" actId="113"/>
         <pc:sldMkLst>
           <pc:docMk/>
           <pc:sldMk cId="2563246782" sldId="709"/>
@@ -342,7 +342,7 @@
           <a:p>
             <a:fld id="{FB1A172F-81D4-4DC4-9113-1DBD56EC3646}" type="datetimeFigureOut">
               <a:rPr lang="en-US" smtClean="0"/>
-              <a:t>4/30/2023</a:t>
+              <a:t>5/1/2023</a:t>
             </a:fld>
             <a:endParaRPr lang="en-US"/>
           </a:p>
@@ -2157,6 +2157,60 @@
             <a:endParaRPr lang="en-US" dirty="0"/>
           </a:p>
           <a:p>
+            <a:pPr marL="0" marR="0" lvl="0" indent="0" algn="l" defTabSz="914400" rtl="0" eaLnBrk="1" fontAlgn="auto" latinLnBrk="0" hangingPunct="1">
+              <a:lnSpc>
+                <a:spcPct val="100000"/>
+              </a:lnSpc>
+              <a:spcBef>
+                <a:spcPts val="0"/>
+              </a:spcBef>
+              <a:spcAft>
+                <a:spcPts val="0"/>
+              </a:spcAft>
+              <a:buClrTx/>
+              <a:buSzTx/>
+              <a:buFontTx/>
+              <a:buNone/>
+              <a:tabLst/>
+              <a:defRPr/>
+            </a:pPr>
+            <a:r>
+              <a:rPr lang="da-DK" b="0" dirty="0" err="1"/>
+              <a:t>Also</a:t>
+            </a:r>
+            <a:r>
+              <a:rPr lang="da-DK" b="0" dirty="0"/>
+              <a:t> </a:t>
+            </a:r>
+            <a:r>
+              <a:rPr lang="da-DK" b="1" dirty="0" err="1"/>
+              <a:t>to_excel</a:t>
+            </a:r>
+            <a:r>
+              <a:rPr lang="da-DK" b="1" dirty="0"/>
+              <a:t> &amp; </a:t>
+            </a:r>
+            <a:r>
+              <a:rPr lang="da-DK" b="1" dirty="0" err="1"/>
+              <a:t>read_excel</a:t>
+            </a:r>
+            <a:r>
+              <a:rPr lang="da-DK" b="0" dirty="0"/>
+              <a:t> </a:t>
+            </a:r>
+            <a:r>
+              <a:rPr lang="da-DK" b="0" dirty="0" err="1"/>
+              <a:t>methods</a:t>
+            </a:r>
+            <a:endParaRPr lang="da-DK" b="0" dirty="0"/>
+          </a:p>
+          <a:p>
+            <a:endParaRPr lang="en-US" dirty="0"/>
+          </a:p>
+          <a:p>
+            <a:endParaRPr lang="en-US" dirty="0"/>
+          </a:p>
+          <a:p>
             <a:endParaRPr lang="en-US" dirty="0"/>
           </a:p>
         </p:txBody>
@@ -2443,7 +2497,7 @@
           <a:p>
             <a:fld id="{0560A9CD-0304-4E0B-9E82-E7E0115DE05B}" type="datetimeFigureOut">
               <a:rPr lang="en-US" smtClean="0"/>
-              <a:t>4/30/2023</a:t>
+              <a:t>5/1/2023</a:t>
             </a:fld>
             <a:endParaRPr lang="en-US"/>
           </a:p>
@@ -2611,7 +2665,7 @@
           <a:p>
             <a:fld id="{0560A9CD-0304-4E0B-9E82-E7E0115DE05B}" type="datetimeFigureOut">
               <a:rPr lang="en-US" smtClean="0"/>
-              <a:t>4/30/2023</a:t>
+              <a:t>5/1/2023</a:t>
             </a:fld>
             <a:endParaRPr lang="en-US"/>
           </a:p>
@@ -2789,7 +2843,7 @@
           <a:p>
             <a:fld id="{0560A9CD-0304-4E0B-9E82-E7E0115DE05B}" type="datetimeFigureOut">
               <a:rPr lang="en-US" smtClean="0"/>
-              <a:t>4/30/2023</a:t>
+              <a:t>5/1/2023</a:t>
             </a:fld>
             <a:endParaRPr lang="en-US"/>
           </a:p>
@@ -2972,7 +3026,7 @@
           <a:p>
             <a:fld id="{0560A9CD-0304-4E0B-9E82-E7E0115DE05B}" type="datetimeFigureOut">
               <a:rPr lang="en-US" smtClean="0"/>
-              <a:t>4/30/2023</a:t>
+              <a:t>5/1/2023</a:t>
             </a:fld>
             <a:endParaRPr lang="en-US"/>
           </a:p>
@@ -3217,7 +3271,7 @@
           <a:p>
             <a:fld id="{0560A9CD-0304-4E0B-9E82-E7E0115DE05B}" type="datetimeFigureOut">
               <a:rPr lang="en-US" smtClean="0"/>
-              <a:t>4/30/2023</a:t>
+              <a:t>5/1/2023</a:t>
             </a:fld>
             <a:endParaRPr lang="en-US"/>
           </a:p>
@@ -3446,7 +3500,7 @@
           <a:p>
             <a:fld id="{0560A9CD-0304-4E0B-9E82-E7E0115DE05B}" type="datetimeFigureOut">
               <a:rPr lang="en-US" smtClean="0"/>
-              <a:t>4/30/2023</a:t>
+              <a:t>5/1/2023</a:t>
             </a:fld>
             <a:endParaRPr lang="en-US"/>
           </a:p>
@@ -3810,7 +3864,7 @@
           <a:p>
             <a:fld id="{0560A9CD-0304-4E0B-9E82-E7E0115DE05B}" type="datetimeFigureOut">
               <a:rPr lang="en-US" smtClean="0"/>
-              <a:t>4/30/2023</a:t>
+              <a:t>5/1/2023</a:t>
             </a:fld>
             <a:endParaRPr lang="en-US"/>
           </a:p>
@@ -3927,7 +3981,7 @@
           <a:p>
             <a:fld id="{0560A9CD-0304-4E0B-9E82-E7E0115DE05B}" type="datetimeFigureOut">
               <a:rPr lang="en-US" smtClean="0"/>
-              <a:t>4/30/2023</a:t>
+              <a:t>5/1/2023</a:t>
             </a:fld>
             <a:endParaRPr lang="en-US"/>
           </a:p>
@@ -4022,7 +4076,7 @@
           <a:p>
             <a:fld id="{0560A9CD-0304-4E0B-9E82-E7E0115DE05B}" type="datetimeFigureOut">
               <a:rPr lang="en-US" smtClean="0"/>
-              <a:t>4/30/2023</a:t>
+              <a:t>5/1/2023</a:t>
             </a:fld>
             <a:endParaRPr lang="en-US"/>
           </a:p>
@@ -4297,7 +4351,7 @@
           <a:p>
             <a:fld id="{0560A9CD-0304-4E0B-9E82-E7E0115DE05B}" type="datetimeFigureOut">
               <a:rPr lang="en-US" smtClean="0"/>
-              <a:t>4/30/2023</a:t>
+              <a:t>5/1/2023</a:t>
             </a:fld>
             <a:endParaRPr lang="en-US"/>
           </a:p>
@@ -4549,7 +4603,7 @@
           <a:p>
             <a:fld id="{0560A9CD-0304-4E0B-9E82-E7E0115DE05B}" type="datetimeFigureOut">
               <a:rPr lang="en-US" smtClean="0"/>
-              <a:t>4/30/2023</a:t>
+              <a:t>5/1/2023</a:t>
             </a:fld>
             <a:endParaRPr lang="en-US"/>
           </a:p>
@@ -4760,7 +4814,7 @@
           <a:p>
             <a:fld id="{0560A9CD-0304-4E0B-9E82-E7E0115DE05B}" type="datetimeFigureOut">
               <a:rPr lang="en-US" smtClean="0"/>
-              <a:t>4/30/2023</a:t>
+              <a:t>5/1/2023</a:t>
             </a:fld>
             <a:endParaRPr lang="en-US"/>
           </a:p>

--- a/ipsa/slides/pandas.pptx
+++ b/ipsa/slides/pandas.pptx
@@ -134,13 +134,82 @@
 <file path=ppt/revisionInfo.xml><?xml version="1.0" encoding="utf-8"?>
 <p1510:revInfo xmlns:a="http://schemas.openxmlformats.org/drawingml/2006/main" xmlns:r="http://schemas.openxmlformats.org/officeDocument/2006/relationships" xmlns:p1510="http://schemas.microsoft.com/office/powerpoint/2015/10/main">
   <p1510:revLst>
-    <p1510:client id="{1BB2CD8F-D7FA-4E10-A866-6EDCDFAFCE53}" v="3" dt="2023-04-25T09:55:27.851"/>
+    <p1510:client id="{0F1D07A7-7ECE-4FDC-A8AE-477E2DA1B472}" v="4" dt="2024-04-24T07:43:58.850"/>
   </p1510:revLst>
 </p1510:revInfo>
 </file>
 
 <file path=ppt/changesInfos/changesInfo1.xml><?xml version="1.0" encoding="utf-8"?>
 <pc:chgInfo xmlns:a="http://schemas.openxmlformats.org/drawingml/2006/main" xmlns:r="http://schemas.openxmlformats.org/officeDocument/2006/relationships" xmlns:ac="http://schemas.microsoft.com/office/drawing/2013/main/command" xmlns:pc="http://schemas.microsoft.com/office/powerpoint/2013/main/command">
+  <pc:docChgLst>
+    <pc:chgData name="Gerth Stølting Brodal" userId="04ef4784-6591-4f86-a140-f5c3b108582a" providerId="ADAL" clId="{0F1D07A7-7ECE-4FDC-A8AE-477E2DA1B472}"/>
+    <pc:docChg chg="undo custSel modSld">
+      <pc:chgData name="Gerth Stølting Brodal" userId="04ef4784-6591-4f86-a140-f5c3b108582a" providerId="ADAL" clId="{0F1D07A7-7ECE-4FDC-A8AE-477E2DA1B472}" dt="2024-04-24T07:46:13.619" v="218" actId="3064"/>
+      <pc:docMkLst>
+        <pc:docMk/>
+      </pc:docMkLst>
+      <pc:sldChg chg="modSp mod">
+        <pc:chgData name="Gerth Stølting Brodal" userId="04ef4784-6591-4f86-a140-f5c3b108582a" providerId="ADAL" clId="{0F1D07A7-7ECE-4FDC-A8AE-477E2DA1B472}" dt="2024-04-24T07:14:05.663" v="34" actId="113"/>
+        <pc:sldMkLst>
+          <pc:docMk/>
+          <pc:sldMk cId="1106615606" sldId="703"/>
+        </pc:sldMkLst>
+        <pc:spChg chg="mod">
+          <ac:chgData name="Gerth Stølting Brodal" userId="04ef4784-6591-4f86-a140-f5c3b108582a" providerId="ADAL" clId="{0F1D07A7-7ECE-4FDC-A8AE-477E2DA1B472}" dt="2024-04-24T07:14:05.663" v="34" actId="113"/>
+          <ac:spMkLst>
+            <pc:docMk/>
+            <pc:sldMk cId="1106615606" sldId="703"/>
+            <ac:spMk id="3" creationId="{00000000-0000-0000-0000-000000000000}"/>
+          </ac:spMkLst>
+        </pc:spChg>
+        <pc:spChg chg="mod">
+          <ac:chgData name="Gerth Stølting Brodal" userId="04ef4784-6591-4f86-a140-f5c3b108582a" providerId="ADAL" clId="{0F1D07A7-7ECE-4FDC-A8AE-477E2DA1B472}" dt="2024-04-24T07:09:06.027" v="33" actId="14100"/>
+          <ac:spMkLst>
+            <pc:docMk/>
+            <pc:sldMk cId="1106615606" sldId="703"/>
+            <ac:spMk id="7" creationId="{00000000-0000-0000-0000-000000000000}"/>
+          </ac:spMkLst>
+        </pc:spChg>
+      </pc:sldChg>
+      <pc:sldChg chg="modSp mod">
+        <pc:chgData name="Gerth Stølting Brodal" userId="04ef4784-6591-4f86-a140-f5c3b108582a" providerId="ADAL" clId="{0F1D07A7-7ECE-4FDC-A8AE-477E2DA1B472}" dt="2024-04-24T07:18:01.102" v="36" actId="20577"/>
+        <pc:sldMkLst>
+          <pc:docMk/>
+          <pc:sldMk cId="2218329389" sldId="704"/>
+        </pc:sldMkLst>
+        <pc:spChg chg="mod">
+          <ac:chgData name="Gerth Stølting Brodal" userId="04ef4784-6591-4f86-a140-f5c3b108582a" providerId="ADAL" clId="{0F1D07A7-7ECE-4FDC-A8AE-477E2DA1B472}" dt="2024-04-24T07:18:01.102" v="36" actId="20577"/>
+          <ac:spMkLst>
+            <pc:docMk/>
+            <pc:sldMk cId="2218329389" sldId="704"/>
+            <ac:spMk id="3" creationId="{00000000-0000-0000-0000-000000000000}"/>
+          </ac:spMkLst>
+        </pc:spChg>
+      </pc:sldChg>
+      <pc:sldChg chg="addSp modSp mod modNotesTx">
+        <pc:chgData name="Gerth Stølting Brodal" userId="04ef4784-6591-4f86-a140-f5c3b108582a" providerId="ADAL" clId="{0F1D07A7-7ECE-4FDC-A8AE-477E2DA1B472}" dt="2024-04-24T07:46:13.619" v="218" actId="3064"/>
+        <pc:sldMkLst>
+          <pc:docMk/>
+          <pc:sldMk cId="481026778" sldId="712"/>
+        </pc:sldMkLst>
+        <pc:spChg chg="add mod">
+          <ac:chgData name="Gerth Stølting Brodal" userId="04ef4784-6591-4f86-a140-f5c3b108582a" providerId="ADAL" clId="{0F1D07A7-7ECE-4FDC-A8AE-477E2DA1B472}" dt="2024-04-24T07:46:13.619" v="218" actId="3064"/>
+          <ac:spMkLst>
+            <pc:docMk/>
+            <pc:sldMk cId="481026778" sldId="712"/>
+            <ac:spMk id="3" creationId="{3B970628-4B29-E02B-5D54-D015E47C3776}"/>
+          </ac:spMkLst>
+        </pc:spChg>
+      </pc:sldChg>
+      <pc:sldChg chg="modNotesTx">
+        <pc:chgData name="Gerth Stølting Brodal" userId="04ef4784-6591-4f86-a140-f5c3b108582a" providerId="ADAL" clId="{0F1D07A7-7ECE-4FDC-A8AE-477E2DA1B472}" dt="2024-04-24T07:26:24.240" v="77" actId="20577"/>
+        <pc:sldMkLst>
+          <pc:docMk/>
+          <pc:sldMk cId="520497509" sldId="713"/>
+        </pc:sldMkLst>
+      </pc:sldChg>
+    </pc:docChg>
+  </pc:docChgLst>
   <pc:docChgLst>
     <pc:chgData name="Gerth Stølting Brodal" userId="04ef4784-6591-4f86-a140-f5c3b108582a" providerId="ADAL" clId="{9597CAD0-5B7F-477D-B63F-123429BDAB7A}"/>
     <pc:docChg chg="modSld">
@@ -342,7 +411,7 @@
           <a:p>
             <a:fld id="{FB1A172F-81D4-4DC4-9113-1DBD56EC3646}" type="datetimeFigureOut">
               <a:rPr lang="en-US" smtClean="0"/>
-              <a:t>5/1/2023</a:t>
+              <a:t>4/24/2024</a:t>
             </a:fld>
             <a:endParaRPr lang="en-US"/>
           </a:p>
@@ -1138,6 +1207,153 @@
           <a:lstStyle/>
           <a:p>
             <a:r>
+              <a:rPr lang="en-US" dirty="0"/>
+              <a:t>April 2024: In Python 3.12 module "</a:t>
+            </a:r>
+            <a:r>
+              <a:rPr lang="da-DK" b="0" i="0" dirty="0" err="1">
+                <a:solidFill>
+                  <a:srgbClr val="D4D4D4"/>
+                </a:solidFill>
+                <a:effectLst/>
+                <a:latin typeface="Consolas" panose="020B0609020204030204" pitchFamily="49" charset="0"/>
+              </a:rPr>
+              <a:t>distutils</a:t>
+            </a:r>
+            <a:r>
+              <a:rPr lang="da-DK" b="0" i="0" dirty="0">
+                <a:solidFill>
+                  <a:srgbClr val="D4D4D4"/>
+                </a:solidFill>
+                <a:effectLst/>
+                <a:latin typeface="Consolas" panose="020B0609020204030204" pitchFamily="49" charset="0"/>
+              </a:rPr>
+              <a:t>" </a:t>
+            </a:r>
+            <a:r>
+              <a:rPr lang="da-DK" b="0" i="0" dirty="0" err="1">
+                <a:solidFill>
+                  <a:srgbClr val="D4D4D4"/>
+                </a:solidFill>
+                <a:effectLst/>
+                <a:latin typeface="Consolas" panose="020B0609020204030204" pitchFamily="49" charset="0"/>
+              </a:rPr>
+              <a:t>was</a:t>
+            </a:r>
+            <a:r>
+              <a:rPr lang="da-DK" b="0" i="0" dirty="0">
+                <a:solidFill>
+                  <a:srgbClr val="D4D4D4"/>
+                </a:solidFill>
+                <a:effectLst/>
+                <a:latin typeface="Consolas" panose="020B0609020204030204" pitchFamily="49" charset="0"/>
+              </a:rPr>
+              <a:t> removed, </a:t>
+            </a:r>
+            <a:r>
+              <a:rPr lang="da-DK" b="0" i="0" dirty="0" err="1">
+                <a:solidFill>
+                  <a:srgbClr val="D4D4D4"/>
+                </a:solidFill>
+                <a:effectLst/>
+                <a:latin typeface="Consolas" panose="020B0609020204030204" pitchFamily="49" charset="0"/>
+              </a:rPr>
+              <a:t>making</a:t>
+            </a:r>
+            <a:r>
+              <a:rPr lang="da-DK" b="0" i="0" dirty="0">
+                <a:solidFill>
+                  <a:srgbClr val="D4D4D4"/>
+                </a:solidFill>
+                <a:effectLst/>
+                <a:latin typeface="Consolas" panose="020B0609020204030204" pitchFamily="49" charset="0"/>
+              </a:rPr>
+              <a:t> </a:t>
+            </a:r>
+            <a:r>
+              <a:rPr lang="da-DK" b="0" i="0" dirty="0" err="1">
+                <a:solidFill>
+                  <a:srgbClr val="D4D4D4"/>
+                </a:solidFill>
+                <a:effectLst/>
+                <a:latin typeface="Consolas" panose="020B0609020204030204" pitchFamily="49" charset="0"/>
+              </a:rPr>
+              <a:t>datareader</a:t>
+            </a:r>
+            <a:r>
+              <a:rPr lang="da-DK" b="0" i="0" dirty="0">
+                <a:solidFill>
+                  <a:srgbClr val="D4D4D4"/>
+                </a:solidFill>
+                <a:effectLst/>
+                <a:latin typeface="Consolas" panose="020B0609020204030204" pitchFamily="49" charset="0"/>
+              </a:rPr>
+              <a:t> to break (</a:t>
+            </a:r>
+            <a:r>
+              <a:rPr lang="da-DK" b="0" i="0" dirty="0" err="1">
+                <a:solidFill>
+                  <a:srgbClr val="D4D4D4"/>
+                </a:solidFill>
+                <a:effectLst/>
+                <a:latin typeface="Consolas" panose="020B0609020204030204" pitchFamily="49" charset="0"/>
+              </a:rPr>
+              <a:t>will</a:t>
+            </a:r>
+            <a:r>
+              <a:rPr lang="da-DK" b="0" i="0" dirty="0">
+                <a:solidFill>
+                  <a:srgbClr val="D4D4D4"/>
+                </a:solidFill>
+                <a:effectLst/>
+                <a:latin typeface="Consolas" panose="020B0609020204030204" pitchFamily="49" charset="0"/>
+              </a:rPr>
+              <a:t> it </a:t>
+            </a:r>
+            <a:r>
+              <a:rPr lang="da-DK" b="0" i="0" dirty="0" err="1">
+                <a:solidFill>
+                  <a:srgbClr val="D4D4D4"/>
+                </a:solidFill>
+                <a:effectLst/>
+                <a:latin typeface="Consolas" panose="020B0609020204030204" pitchFamily="49" charset="0"/>
+              </a:rPr>
+              <a:t>be</a:t>
+            </a:r>
+            <a:r>
+              <a:rPr lang="da-DK" b="0" i="0" dirty="0">
+                <a:solidFill>
+                  <a:srgbClr val="D4D4D4"/>
+                </a:solidFill>
+                <a:effectLst/>
+                <a:latin typeface="Consolas" panose="020B0609020204030204" pitchFamily="49" charset="0"/>
+              </a:rPr>
+              <a:t> </a:t>
+            </a:r>
+            <a:r>
+              <a:rPr lang="da-DK" b="0" i="0" dirty="0" err="1">
+                <a:solidFill>
+                  <a:srgbClr val="D4D4D4"/>
+                </a:solidFill>
+                <a:effectLst/>
+                <a:latin typeface="Consolas" panose="020B0609020204030204" pitchFamily="49" charset="0"/>
+              </a:rPr>
+              <a:t>fixed</a:t>
+            </a:r>
+            <a:r>
+              <a:rPr lang="da-DK" b="0" i="0" dirty="0">
+                <a:solidFill>
+                  <a:srgbClr val="D4D4D4"/>
+                </a:solidFill>
+                <a:effectLst/>
+                <a:latin typeface="Consolas" panose="020B0609020204030204" pitchFamily="49" charset="0"/>
+              </a:rPr>
+              <a:t>?)</a:t>
+            </a:r>
+            <a:endParaRPr lang="en-US" dirty="0"/>
+          </a:p>
+          <a:p>
+            <a:r>
               <a:rPr lang="en-US" dirty="0" err="1"/>
               <a:t>Datareader</a:t>
             </a:r>
@@ -1723,23 +1939,31 @@
             </a:r>
             <a:r>
               <a:rPr lang="da-DK" baseline="0" dirty="0"/>
-              <a:t> if </a:t>
-            </a:r>
-            <a:r>
-              <a:rPr lang="da-DK" baseline="0" dirty="0" err="1"/>
+              <a:t> </a:t>
+            </a:r>
+            <a:r>
+              <a:rPr lang="da-DK" b="1" baseline="0" dirty="0"/>
+              <a:t>if </a:t>
+            </a:r>
+            <a:r>
+              <a:rPr lang="da-DK" b="1" baseline="0" dirty="0" err="1"/>
               <a:t>somebody</a:t>
             </a:r>
             <a:r>
+              <a:rPr lang="da-DK" b="1" baseline="0" dirty="0"/>
+              <a:t> </a:t>
+            </a:r>
+            <a:r>
+              <a:rPr lang="da-DK" b="1" baseline="0" dirty="0" err="1"/>
+              <a:t>adds</a:t>
+            </a:r>
+            <a:r>
+              <a:rPr lang="da-DK" b="1" baseline="0" dirty="0"/>
+              <a:t> new columns </a:t>
+            </a:r>
+            <a:r>
               <a:rPr lang="da-DK" baseline="0" dirty="0"/>
-              <a:t> </a:t>
-            </a:r>
-            <a:r>
-              <a:rPr lang="da-DK" baseline="0" dirty="0" err="1"/>
-              <a:t>adds</a:t>
-            </a:r>
-            <a:r>
-              <a:rPr lang="da-DK" baseline="0" dirty="0"/>
-              <a:t> new columns to the database? </a:t>
+              <a:t>to the database? </a:t>
             </a:r>
             <a:r>
               <a:rPr lang="da-DK" baseline="0" dirty="0" err="1"/>
@@ -1779,7 +2003,10 @@
               <a:buFont typeface="Arial" panose="020B0604020202020204" pitchFamily="34" charset="0"/>
               <a:buChar char="•"/>
             </a:pPr>
-            <a:endParaRPr lang="en-US" dirty="0"/>
+            <a:r>
+              <a:rPr lang="en-US" dirty="0"/>
+              <a:t>Iceland missing, because no big cities</a:t>
+            </a:r>
           </a:p>
         </p:txBody>
       </p:sp>
@@ -2497,7 +2724,7 @@
           <a:p>
             <a:fld id="{0560A9CD-0304-4E0B-9E82-E7E0115DE05B}" type="datetimeFigureOut">
               <a:rPr lang="en-US" smtClean="0"/>
-              <a:t>5/1/2023</a:t>
+              <a:t>4/24/2024</a:t>
             </a:fld>
             <a:endParaRPr lang="en-US"/>
           </a:p>
@@ -2665,7 +2892,7 @@
           <a:p>
             <a:fld id="{0560A9CD-0304-4E0B-9E82-E7E0115DE05B}" type="datetimeFigureOut">
               <a:rPr lang="en-US" smtClean="0"/>
-              <a:t>5/1/2023</a:t>
+              <a:t>4/24/2024</a:t>
             </a:fld>
             <a:endParaRPr lang="en-US"/>
           </a:p>
@@ -2843,7 +3070,7 @@
           <a:p>
             <a:fld id="{0560A9CD-0304-4E0B-9E82-E7E0115DE05B}" type="datetimeFigureOut">
               <a:rPr lang="en-US" smtClean="0"/>
-              <a:t>5/1/2023</a:t>
+              <a:t>4/24/2024</a:t>
             </a:fld>
             <a:endParaRPr lang="en-US"/>
           </a:p>
@@ -3026,7 +3253,7 @@
           <a:p>
             <a:fld id="{0560A9CD-0304-4E0B-9E82-E7E0115DE05B}" type="datetimeFigureOut">
               <a:rPr lang="en-US" smtClean="0"/>
-              <a:t>5/1/2023</a:t>
+              <a:t>4/24/2024</a:t>
             </a:fld>
             <a:endParaRPr lang="en-US"/>
           </a:p>
@@ -3271,7 +3498,7 @@
           <a:p>
             <a:fld id="{0560A9CD-0304-4E0B-9E82-E7E0115DE05B}" type="datetimeFigureOut">
               <a:rPr lang="en-US" smtClean="0"/>
-              <a:t>5/1/2023</a:t>
+              <a:t>4/24/2024</a:t>
             </a:fld>
             <a:endParaRPr lang="en-US"/>
           </a:p>
@@ -3500,7 +3727,7 @@
           <a:p>
             <a:fld id="{0560A9CD-0304-4E0B-9E82-E7E0115DE05B}" type="datetimeFigureOut">
               <a:rPr lang="en-US" smtClean="0"/>
-              <a:t>5/1/2023</a:t>
+              <a:t>4/24/2024</a:t>
             </a:fld>
             <a:endParaRPr lang="en-US"/>
           </a:p>
@@ -3864,7 +4091,7 @@
           <a:p>
             <a:fld id="{0560A9CD-0304-4E0B-9E82-E7E0115DE05B}" type="datetimeFigureOut">
               <a:rPr lang="en-US" smtClean="0"/>
-              <a:t>5/1/2023</a:t>
+              <a:t>4/24/2024</a:t>
             </a:fld>
             <a:endParaRPr lang="en-US"/>
           </a:p>
@@ -3981,7 +4208,7 @@
           <a:p>
             <a:fld id="{0560A9CD-0304-4E0B-9E82-E7E0115DE05B}" type="datetimeFigureOut">
               <a:rPr lang="en-US" smtClean="0"/>
-              <a:t>5/1/2023</a:t>
+              <a:t>4/24/2024</a:t>
             </a:fld>
             <a:endParaRPr lang="en-US"/>
           </a:p>
@@ -4076,7 +4303,7 @@
           <a:p>
             <a:fld id="{0560A9CD-0304-4E0B-9E82-E7E0115DE05B}" type="datetimeFigureOut">
               <a:rPr lang="en-US" smtClean="0"/>
-              <a:t>5/1/2023</a:t>
+              <a:t>4/24/2024</a:t>
             </a:fld>
             <a:endParaRPr lang="en-US"/>
           </a:p>
@@ -4351,7 +4578,7 @@
           <a:p>
             <a:fld id="{0560A9CD-0304-4E0B-9E82-E7E0115DE05B}" type="datetimeFigureOut">
               <a:rPr lang="en-US" smtClean="0"/>
-              <a:t>5/1/2023</a:t>
+              <a:t>4/24/2024</a:t>
             </a:fld>
             <a:endParaRPr lang="en-US"/>
           </a:p>
@@ -4603,7 +4830,7 @@
           <a:p>
             <a:fld id="{0560A9CD-0304-4E0B-9E82-E7E0115DE05B}" type="datetimeFigureOut">
               <a:rPr lang="en-US" smtClean="0"/>
-              <a:t>5/1/2023</a:t>
+              <a:t>4/24/2024</a:t>
             </a:fld>
             <a:endParaRPr lang="en-US"/>
           </a:p>
@@ -4814,7 +5041,7 @@
           <a:p>
             <a:fld id="{0560A9CD-0304-4E0B-9E82-E7E0115DE05B}" type="datetimeFigureOut">
               <a:rPr lang="en-US" smtClean="0"/>
-              <a:t>5/1/2023</a:t>
+              <a:t>4/24/2024</a:t>
             </a:fld>
             <a:endParaRPr lang="en-US"/>
           </a:p>
@@ -11304,6 +11531,53 @@
           </a:p>
         </p:txBody>
       </p:sp>
+      <p:sp>
+        <p:nvSpPr>
+          <p:cNvPr id="3" name="TextBox 2">
+            <a:extLst>
+              <a:ext uri="{FF2B5EF4-FFF2-40B4-BE49-F238E27FC236}">
+                <a16:creationId xmlns:a16="http://schemas.microsoft.com/office/drawing/2014/main" id="{3B970628-4B29-E02B-5D54-D015E47C3776}"/>
+              </a:ext>
+            </a:extLst>
+          </p:cNvPr>
+          <p:cNvSpPr txBox="1"/>
+          <p:nvPr/>
+        </p:nvSpPr>
+        <p:spPr>
+          <a:xfrm>
+            <a:off x="9698673" y="196333"/>
+            <a:ext cx="2365953" cy="495108"/>
+          </a:xfrm>
+          <a:prstGeom prst="rect">
+            <a:avLst/>
+          </a:prstGeom>
+          <a:noFill/>
+        </p:spPr>
+        <p:txBody>
+          <a:bodyPr wrap="square" lIns="72000" tIns="108000" bIns="108000" rtlCol="0">
+            <a:spAutoFit/>
+          </a:bodyPr>
+          <a:lstStyle/>
+          <a:p>
+            <a:r>
+              <a:rPr lang="da-DK" dirty="0" err="1">
+                <a:highlight>
+                  <a:srgbClr val="FFFF00"/>
+                </a:highlight>
+              </a:rPr>
+              <a:t>Requires</a:t>
+            </a:r>
+            <a:r>
+              <a:rPr lang="da-DK" dirty="0">
+                <a:highlight>
+                  <a:srgbClr val="FFFF00"/>
+                </a:highlight>
+              </a:rPr>
+              <a:t> Python ≤ 3.11</a:t>
+            </a:r>
+          </a:p>
+        </p:txBody>
+      </p:sp>
     </p:spTree>
     <p:extLst>
       <p:ext uri="{BB962C8B-B14F-4D97-AF65-F5344CB8AC3E}">
@@ -16440,7 +16714,15 @@
             </a:r>
             <a:r>
               <a:rPr lang="en-US" dirty="0"/>
-              <a:t>very lightweight version storing a database in a single file,</a:t>
+              <a:t>very lightweight version storing a database in a </a:t>
+            </a:r>
+            <a:r>
+              <a:rPr lang="en-US" b="1" dirty="0"/>
+              <a:t>single file</a:t>
+            </a:r>
+            <a:r>
+              <a:rPr lang="en-US" dirty="0"/>
+              <a:t>,</a:t>
             </a:r>
             <a:br>
               <a:rPr lang="en-US" dirty="0"/>
@@ -16499,8 +16781,8 @@
         </p:nvSpPr>
         <p:spPr>
           <a:xfrm>
-            <a:off x="7712739" y="6103678"/>
-            <a:ext cx="4479261" cy="646331"/>
+            <a:off x="8343900" y="6103678"/>
+            <a:ext cx="3848100" cy="646331"/>
           </a:xfrm>
           <a:prstGeom prst="rect">
             <a:avLst/>
@@ -16520,7 +16802,13 @@
               <a:rPr lang="en-US" dirty="0">
                 <a:hlinkClick r:id="rId3"/>
               </a:rPr>
-              <a:t>Database Systems</a:t>
+              <a:t>Database</a:t>
+            </a:r>
+            <a:r>
+              <a:rPr lang="en-US" dirty="0">
+                <a:hlinkClick r:id="rId3"/>
+              </a:rPr>
+              <a:t>s</a:t>
             </a:r>
             <a:r>
               <a:rPr lang="en-US" dirty="0"/>
@@ -17866,7 +18154,7 @@
             </a:r>
             <a:r>
               <a:rPr lang="en-US" dirty="0"/>
-              <a:t> &lt; 500000</a:t>
+              <a:t> &lt; 700000</a:t>
             </a:r>
             <a:br>
               <a:rPr lang="en-US" dirty="0"/>

--- a/ipsa/slides/pandas.pptx
+++ b/ipsa/slides/pandas.pptx
@@ -144,7 +144,7 @@
   <pc:docChgLst>
     <pc:chgData name="Gerth Stølting Brodal" userId="04ef4784-6591-4f86-a140-f5c3b108582a" providerId="ADAL" clId="{0F1D07A7-7ECE-4FDC-A8AE-477E2DA1B472}"/>
     <pc:docChg chg="undo custSel modSld">
-      <pc:chgData name="Gerth Stølting Brodal" userId="04ef4784-6591-4f86-a140-f5c3b108582a" providerId="ADAL" clId="{0F1D07A7-7ECE-4FDC-A8AE-477E2DA1B472}" dt="2024-04-24T07:46:13.619" v="218" actId="3064"/>
+      <pc:chgData name="Gerth Stølting Brodal" userId="04ef4784-6591-4f86-a140-f5c3b108582a" providerId="ADAL" clId="{0F1D07A7-7ECE-4FDC-A8AE-477E2DA1B472}" dt="2024-04-25T13:59:44.565" v="520" actId="20577"/>
       <pc:docMkLst>
         <pc:docMk/>
       </pc:docMkLst>
@@ -186,20 +186,52 @@
           </ac:spMkLst>
         </pc:spChg>
       </pc:sldChg>
-      <pc:sldChg chg="addSp modSp mod modNotesTx">
-        <pc:chgData name="Gerth Stølting Brodal" userId="04ef4784-6591-4f86-a140-f5c3b108582a" providerId="ADAL" clId="{0F1D07A7-7ECE-4FDC-A8AE-477E2DA1B472}" dt="2024-04-24T07:46:13.619" v="218" actId="3064"/>
+      <pc:sldChg chg="addSp delSp modSp mod modNotesTx">
+        <pc:chgData name="Gerth Stølting Brodal" userId="04ef4784-6591-4f86-a140-f5c3b108582a" providerId="ADAL" clId="{0F1D07A7-7ECE-4FDC-A8AE-477E2DA1B472}" dt="2024-04-25T13:59:44.565" v="520" actId="20577"/>
         <pc:sldMkLst>
           <pc:docMk/>
           <pc:sldMk cId="481026778" sldId="712"/>
         </pc:sldMkLst>
-        <pc:spChg chg="add mod">
-          <ac:chgData name="Gerth Stølting Brodal" userId="04ef4784-6591-4f86-a140-f5c3b108582a" providerId="ADAL" clId="{0F1D07A7-7ECE-4FDC-A8AE-477E2DA1B472}" dt="2024-04-24T07:46:13.619" v="218" actId="3064"/>
+        <pc:spChg chg="add del mod">
+          <ac:chgData name="Gerth Stølting Brodal" userId="04ef4784-6591-4f86-a140-f5c3b108582a" providerId="ADAL" clId="{0F1D07A7-7ECE-4FDC-A8AE-477E2DA1B472}" dt="2024-04-25T13:47:45.861" v="432"/>
           <ac:spMkLst>
             <pc:docMk/>
             <pc:sldMk cId="481026778" sldId="712"/>
             <ac:spMk id="3" creationId="{3B970628-4B29-E02B-5D54-D015E47C3776}"/>
           </ac:spMkLst>
         </pc:spChg>
+        <pc:spChg chg="mod">
+          <ac:chgData name="Gerth Stølting Brodal" userId="04ef4784-6591-4f86-a140-f5c3b108582a" providerId="ADAL" clId="{0F1D07A7-7ECE-4FDC-A8AE-477E2DA1B472}" dt="2024-04-25T13:48:26.479" v="467" actId="1035"/>
+          <ac:spMkLst>
+            <pc:docMk/>
+            <pc:sldMk cId="481026778" sldId="712"/>
+            <ac:spMk id="9" creationId="{00000000-0000-0000-0000-000000000000}"/>
+          </ac:spMkLst>
+        </pc:spChg>
+        <pc:picChg chg="del">
+          <ac:chgData name="Gerth Stølting Brodal" userId="04ef4784-6591-4f86-a140-f5c3b108582a" providerId="ADAL" clId="{0F1D07A7-7ECE-4FDC-A8AE-477E2DA1B472}" dt="2024-04-25T13:38:29.564" v="281" actId="478"/>
+          <ac:picMkLst>
+            <pc:docMk/>
+            <pc:sldMk cId="481026778" sldId="712"/>
+            <ac:picMk id="4" creationId="{00000000-0000-0000-0000-000000000000}"/>
+          </ac:picMkLst>
+        </pc:picChg>
+        <pc:picChg chg="add del mod">
+          <ac:chgData name="Gerth Stølting Brodal" userId="04ef4784-6591-4f86-a140-f5c3b108582a" providerId="ADAL" clId="{0F1D07A7-7ECE-4FDC-A8AE-477E2DA1B472}" dt="2024-04-25T13:38:36.142" v="284" actId="478"/>
+          <ac:picMkLst>
+            <pc:docMk/>
+            <pc:sldMk cId="481026778" sldId="712"/>
+            <ac:picMk id="7" creationId="{B49F5BFF-4C8F-E8B3-D1C8-D7DD7A343B40}"/>
+          </ac:picMkLst>
+        </pc:picChg>
+        <pc:picChg chg="add mod ord modCrop">
+          <ac:chgData name="Gerth Stølting Brodal" userId="04ef4784-6591-4f86-a140-f5c3b108582a" providerId="ADAL" clId="{0F1D07A7-7ECE-4FDC-A8AE-477E2DA1B472}" dt="2024-04-25T13:47:51.149" v="433" actId="1036"/>
+          <ac:picMkLst>
+            <pc:docMk/>
+            <pc:sldMk cId="481026778" sldId="712"/>
+            <ac:picMk id="12" creationId="{F1436066-3A6F-7077-602B-9458C16BC9E7}"/>
+          </ac:picMkLst>
+        </pc:picChg>
       </pc:sldChg>
       <pc:sldChg chg="modNotesTx">
         <pc:chgData name="Gerth Stølting Brodal" userId="04ef4784-6591-4f86-a140-f5c3b108582a" providerId="ADAL" clId="{0F1D07A7-7ECE-4FDC-A8AE-477E2DA1B472}" dt="2024-04-24T07:26:24.240" v="77" actId="20577"/>
@@ -411,7 +443,7 @@
           <a:p>
             <a:fld id="{FB1A172F-81D4-4DC4-9113-1DBD56EC3646}" type="datetimeFigureOut">
               <a:rPr lang="en-US" smtClean="0"/>
-              <a:t>4/24/2024</a:t>
+              <a:t>4/25/2024</a:t>
             </a:fld>
             <a:endParaRPr lang="en-US"/>
           </a:p>
@@ -1208,7 +1240,21 @@
           <a:p>
             <a:r>
               <a:rPr lang="en-US" dirty="0"/>
-              <a:t>April 2024: In Python 3.12 module "</a:t>
+              <a:t>Depends on "</a:t>
+            </a:r>
+            <a:r>
+              <a:rPr lang="en-US" dirty="0" err="1"/>
+              <a:t>distutils</a:t>
+            </a:r>
+            <a:r>
+              <a:rPr lang="en-US" dirty="0"/>
+              <a:t>" module.</a:t>
+            </a:r>
+          </a:p>
+          <a:p>
+            <a:r>
+              <a:rPr lang="en-US" dirty="0"/>
+              <a:t>In Python 3.12 module "</a:t>
             </a:r>
             <a:r>
               <a:rPr lang="da-DK" b="0" i="0" dirty="0" err="1">
@@ -1258,7 +1304,7 @@
                 <a:effectLst/>
                 <a:latin typeface="Consolas" panose="020B0609020204030204" pitchFamily="49" charset="0"/>
               </a:rPr>
-              <a:t>making</a:t>
+              <a:t>instead</a:t>
             </a:r>
             <a:r>
               <a:rPr lang="da-DK" b="0" i="0" dirty="0">
@@ -1278,7 +1324,7 @@
                 <a:effectLst/>
                 <a:latin typeface="Consolas" panose="020B0609020204030204" pitchFamily="49" charset="0"/>
               </a:rPr>
-              <a:t>datareader</a:t>
+              <a:t>use</a:t>
             </a:r>
             <a:r>
               <a:rPr lang="da-DK" b="0" i="0" dirty="0">
@@ -1288,7 +1334,7 @@
                 <a:effectLst/>
                 <a:latin typeface="Consolas" panose="020B0609020204030204" pitchFamily="49" charset="0"/>
               </a:rPr>
-              <a:t> to break (</a:t>
+              <a:t> "</a:t>
             </a:r>
             <a:r>
               <a:rPr lang="da-DK" b="0" i="0" dirty="0" err="1">
@@ -1298,7 +1344,7 @@
                 <a:effectLst/>
                 <a:latin typeface="Consolas" panose="020B0609020204030204" pitchFamily="49" charset="0"/>
               </a:rPr>
-              <a:t>will</a:t>
+              <a:t>setuptools</a:t>
             </a:r>
             <a:r>
               <a:rPr lang="da-DK" b="0" i="0" dirty="0">
@@ -1308,7 +1354,7 @@
                 <a:effectLst/>
                 <a:latin typeface="Consolas" panose="020B0609020204030204" pitchFamily="49" charset="0"/>
               </a:rPr>
-              <a:t> it </a:t>
+              <a:t>" </a:t>
             </a:r>
             <a:r>
               <a:rPr lang="da-DK" b="0" i="0" dirty="0" err="1">
@@ -1318,7 +1364,27 @@
                 <a:effectLst/>
                 <a:latin typeface="Consolas" panose="020B0609020204030204" pitchFamily="49" charset="0"/>
               </a:rPr>
-              <a:t>be</a:t>
+              <a:t>module</a:t>
+            </a:r>
+            <a:r>
+              <a:rPr lang="da-DK" b="0" i="0" dirty="0">
+                <a:solidFill>
+                  <a:srgbClr val="D4D4D4"/>
+                </a:solidFill>
+                <a:effectLst/>
+                <a:latin typeface="Consolas" panose="020B0609020204030204" pitchFamily="49" charset="0"/>
+              </a:rPr>
+              <a:t>, </a:t>
+            </a:r>
+            <a:r>
+              <a:rPr lang="da-DK" b="0" i="0" dirty="0" err="1">
+                <a:solidFill>
+                  <a:srgbClr val="D4D4D4"/>
+                </a:solidFill>
+                <a:effectLst/>
+                <a:latin typeface="Consolas" panose="020B0609020204030204" pitchFamily="49" charset="0"/>
+              </a:rPr>
+              <a:t>that</a:t>
             </a:r>
             <a:r>
               <a:rPr lang="da-DK" b="0" i="0" dirty="0">
@@ -1338,7 +1404,7 @@
                 <a:effectLst/>
                 <a:latin typeface="Consolas" panose="020B0609020204030204" pitchFamily="49" charset="0"/>
               </a:rPr>
-              <a:t>fixed</a:t>
+              <a:t>fills</a:t>
             </a:r>
             <a:r>
               <a:rPr lang="da-DK" b="0" i="0" dirty="0">
@@ -1348,7 +1414,27 @@
                 <a:effectLst/>
                 <a:latin typeface="Consolas" panose="020B0609020204030204" pitchFamily="49" charset="0"/>
               </a:rPr>
-              <a:t>?)</a:t>
+              <a:t> in for </a:t>
+            </a:r>
+            <a:r>
+              <a:rPr lang="da-DK" b="0" i="0" dirty="0" err="1">
+                <a:solidFill>
+                  <a:srgbClr val="D4D4D4"/>
+                </a:solidFill>
+                <a:effectLst/>
+                <a:latin typeface="Consolas" panose="020B0609020204030204" pitchFamily="49" charset="0"/>
+              </a:rPr>
+              <a:t>distutils</a:t>
+            </a:r>
+            <a:r>
+              <a:rPr lang="da-DK" b="0" i="0">
+                <a:solidFill>
+                  <a:srgbClr val="D4D4D4"/>
+                </a:solidFill>
+                <a:effectLst/>
+                <a:latin typeface="Consolas" panose="020B0609020204030204" pitchFamily="49" charset="0"/>
+              </a:rPr>
+              <a:t>.</a:t>
             </a:r>
             <a:endParaRPr lang="en-US" dirty="0"/>
           </a:p>
@@ -2724,7 +2810,7 @@
           <a:p>
             <a:fld id="{0560A9CD-0304-4E0B-9E82-E7E0115DE05B}" type="datetimeFigureOut">
               <a:rPr lang="en-US" smtClean="0"/>
-              <a:t>4/24/2024</a:t>
+              <a:t>4/25/2024</a:t>
             </a:fld>
             <a:endParaRPr lang="en-US"/>
           </a:p>
@@ -2892,7 +2978,7 @@
           <a:p>
             <a:fld id="{0560A9CD-0304-4E0B-9E82-E7E0115DE05B}" type="datetimeFigureOut">
               <a:rPr lang="en-US" smtClean="0"/>
-              <a:t>4/24/2024</a:t>
+              <a:t>4/25/2024</a:t>
             </a:fld>
             <a:endParaRPr lang="en-US"/>
           </a:p>
@@ -3070,7 +3156,7 @@
           <a:p>
             <a:fld id="{0560A9CD-0304-4E0B-9E82-E7E0115DE05B}" type="datetimeFigureOut">
               <a:rPr lang="en-US" smtClean="0"/>
-              <a:t>4/24/2024</a:t>
+              <a:t>4/25/2024</a:t>
             </a:fld>
             <a:endParaRPr lang="en-US"/>
           </a:p>
@@ -3253,7 +3339,7 @@
           <a:p>
             <a:fld id="{0560A9CD-0304-4E0B-9E82-E7E0115DE05B}" type="datetimeFigureOut">
               <a:rPr lang="en-US" smtClean="0"/>
-              <a:t>4/24/2024</a:t>
+              <a:t>4/25/2024</a:t>
             </a:fld>
             <a:endParaRPr lang="en-US"/>
           </a:p>
@@ -3498,7 +3584,7 @@
           <a:p>
             <a:fld id="{0560A9CD-0304-4E0B-9E82-E7E0115DE05B}" type="datetimeFigureOut">
               <a:rPr lang="en-US" smtClean="0"/>
-              <a:t>4/24/2024</a:t>
+              <a:t>4/25/2024</a:t>
             </a:fld>
             <a:endParaRPr lang="en-US"/>
           </a:p>
@@ -3727,7 +3813,7 @@
           <a:p>
             <a:fld id="{0560A9CD-0304-4E0B-9E82-E7E0115DE05B}" type="datetimeFigureOut">
               <a:rPr lang="en-US" smtClean="0"/>
-              <a:t>4/24/2024</a:t>
+              <a:t>4/25/2024</a:t>
             </a:fld>
             <a:endParaRPr lang="en-US"/>
           </a:p>
@@ -4091,7 +4177,7 @@
           <a:p>
             <a:fld id="{0560A9CD-0304-4E0B-9E82-E7E0115DE05B}" type="datetimeFigureOut">
               <a:rPr lang="en-US" smtClean="0"/>
-              <a:t>4/24/2024</a:t>
+              <a:t>4/25/2024</a:t>
             </a:fld>
             <a:endParaRPr lang="en-US"/>
           </a:p>
@@ -4208,7 +4294,7 @@
           <a:p>
             <a:fld id="{0560A9CD-0304-4E0B-9E82-E7E0115DE05B}" type="datetimeFigureOut">
               <a:rPr lang="en-US" smtClean="0"/>
-              <a:t>4/24/2024</a:t>
+              <a:t>4/25/2024</a:t>
             </a:fld>
             <a:endParaRPr lang="en-US"/>
           </a:p>
@@ -4303,7 +4389,7 @@
           <a:p>
             <a:fld id="{0560A9CD-0304-4E0B-9E82-E7E0115DE05B}" type="datetimeFigureOut">
               <a:rPr lang="en-US" smtClean="0"/>
-              <a:t>4/24/2024</a:t>
+              <a:t>4/25/2024</a:t>
             </a:fld>
             <a:endParaRPr lang="en-US"/>
           </a:p>
@@ -4578,7 +4664,7 @@
           <a:p>
             <a:fld id="{0560A9CD-0304-4E0B-9E82-E7E0115DE05B}" type="datetimeFigureOut">
               <a:rPr lang="en-US" smtClean="0"/>
-              <a:t>4/24/2024</a:t>
+              <a:t>4/25/2024</a:t>
             </a:fld>
             <a:endParaRPr lang="en-US"/>
           </a:p>
@@ -4830,7 +4916,7 @@
           <a:p>
             <a:fld id="{0560A9CD-0304-4E0B-9E82-E7E0115DE05B}" type="datetimeFigureOut">
               <a:rPr lang="en-US" smtClean="0"/>
-              <a:t>4/24/2024</a:t>
+              <a:t>4/25/2024</a:t>
             </a:fld>
             <a:endParaRPr lang="en-US"/>
           </a:p>
@@ -5041,7 +5127,7 @@
           <a:p>
             <a:fld id="{0560A9CD-0304-4E0B-9E82-E7E0115DE05B}" type="datetimeFigureOut">
               <a:rPr lang="en-US" smtClean="0"/>
-              <a:t>4/24/2024</a:t>
+              <a:t>4/25/2024</a:t>
             </a:fld>
             <a:endParaRPr lang="en-US"/>
           </a:p>
@@ -10894,22 +10980,27 @@
       </p:grpSpPr>
       <p:pic>
         <p:nvPicPr>
-          <p:cNvPr id="4" name="Picture 3"/>
+          <p:cNvPr id="12" name="Picture 11">
+            <a:extLst>
+              <a:ext uri="{FF2B5EF4-FFF2-40B4-BE49-F238E27FC236}">
+                <a16:creationId xmlns:a16="http://schemas.microsoft.com/office/drawing/2014/main" id="{F1436066-3A6F-7077-602B-9458C16BC9E7}"/>
+              </a:ext>
+            </a:extLst>
+          </p:cNvPr>
           <p:cNvPicPr>
             <a:picLocks noChangeAspect="1"/>
           </p:cNvPicPr>
           <p:nvPr/>
         </p:nvPicPr>
-        <p:blipFill>
+        <p:blipFill rotWithShape="1">
           <a:blip r:embed="rId3"/>
-          <a:stretch>
-            <a:fillRect/>
-          </a:stretch>
+          <a:srcRect b="2424"/>
+          <a:stretch/>
         </p:blipFill>
         <p:spPr>
           <a:xfrm>
-            <a:off x="1044665" y="1983473"/>
-            <a:ext cx="10055225" cy="2126483"/>
+            <a:off x="49160" y="2246508"/>
+            <a:ext cx="11848374" cy="1981363"/>
           </a:xfrm>
           <a:prstGeom prst="rect">
             <a:avLst/>
@@ -11482,13 +11573,13 @@
         </p:nvSpPr>
         <p:spPr>
           <a:xfrm>
-            <a:off x="905640" y="901066"/>
+            <a:off x="669664" y="1087878"/>
             <a:ext cx="10515600" cy="1082408"/>
           </a:xfrm>
         </p:spPr>
         <p:txBody>
           <a:bodyPr>
-            <a:normAutofit/>
+            <a:normAutofit fontScale="77500" lnSpcReduction="20000"/>
           </a:bodyPr>
           <a:lstStyle/>
           <a:p>
@@ -11525,55 +11616,27 @@
               </a:rPr>
               <a:t>)</a:t>
             </a:r>
-            <a:endParaRPr lang="pt-BR" dirty="0">
-              <a:cs typeface="Courier New" panose="02070309020205020404" pitchFamily="49" charset="0"/>
-            </a:endParaRPr>
           </a:p>
-        </p:txBody>
-      </p:sp>
-      <p:sp>
-        <p:nvSpPr>
-          <p:cNvPr id="3" name="TextBox 2">
-            <a:extLst>
-              <a:ext uri="{FF2B5EF4-FFF2-40B4-BE49-F238E27FC236}">
-                <a16:creationId xmlns:a16="http://schemas.microsoft.com/office/drawing/2014/main" id="{3B970628-4B29-E02B-5D54-D015E47C3776}"/>
-              </a:ext>
-            </a:extLst>
-          </p:cNvPr>
-          <p:cNvSpPr txBox="1"/>
-          <p:nvPr/>
-        </p:nvSpPr>
-        <p:spPr>
-          <a:xfrm>
-            <a:off x="9698673" y="196333"/>
-            <a:ext cx="2365953" cy="495108"/>
-          </a:xfrm>
-          <a:prstGeom prst="rect">
-            <a:avLst/>
-          </a:prstGeom>
-          <a:noFill/>
-        </p:spPr>
-        <p:txBody>
-          <a:bodyPr wrap="square" lIns="72000" tIns="108000" bIns="108000" rtlCol="0">
-            <a:spAutoFit/>
-          </a:bodyPr>
-          <a:lstStyle/>
           <a:p>
             <a:r>
-              <a:rPr lang="da-DK" dirty="0" err="1">
-                <a:highlight>
-                  <a:srgbClr val="FFFF00"/>
-                </a:highlight>
+              <a:rPr lang="pt-BR" dirty="0">
+                <a:latin typeface="Courier New" panose="02070309020205020404" pitchFamily="49" charset="0"/>
+                <a:cs typeface="Courier New" panose="02070309020205020404" pitchFamily="49" charset="0"/>
               </a:rPr>
-              <a:t>Requires</a:t>
-            </a:r>
-            <a:r>
-              <a:rPr lang="da-DK" dirty="0">
-                <a:highlight>
-                  <a:srgbClr val="FFFF00"/>
-                </a:highlight>
+              <a:t>pip install pandas-datareader</a:t>
+            </a:r>
+            <a:r>
+              <a:rPr lang="pt-BR" dirty="0">
+                <a:cs typeface="Courier New" panose="02070309020205020404" pitchFamily="49" charset="0"/>
               </a:rPr>
-              <a:t> Python ≤ 3.11</a:t>
+              <a:t>  and  </a:t>
+            </a:r>
+            <a:r>
+              <a:rPr lang="pt-BR" dirty="0">
+                <a:latin typeface="Courier New" panose="02070309020205020404" pitchFamily="49" charset="0"/>
+                <a:cs typeface="Courier New" panose="02070309020205020404" pitchFamily="49" charset="0"/>
+              </a:rPr>
+              <a:t>pip install setuptools</a:t>
             </a:r>
           </a:p>
         </p:txBody>
@@ -16802,13 +16865,7 @@
               <a:rPr lang="en-US" dirty="0">
                 <a:hlinkClick r:id="rId3"/>
               </a:rPr>
-              <a:t>Database</a:t>
-            </a:r>
-            <a:r>
-              <a:rPr lang="en-US" dirty="0">
-                <a:hlinkClick r:id="rId3"/>
-              </a:rPr>
-              <a:t>s</a:t>
+              <a:t>Databases</a:t>
             </a:r>
             <a:r>
               <a:rPr lang="en-US" dirty="0"/>

--- a/ipsa/slides/pandas.pptx
+++ b/ipsa/slides/pandas.pptx
@@ -134,7 +134,7 @@
 <file path=ppt/revisionInfo.xml><?xml version="1.0" encoding="utf-8"?>
 <p1510:revInfo xmlns:a="http://schemas.openxmlformats.org/drawingml/2006/main" xmlns:r="http://schemas.openxmlformats.org/officeDocument/2006/relationships" xmlns:p1510="http://schemas.microsoft.com/office/powerpoint/2015/10/main">
   <p1510:revLst>
-    <p1510:client id="{0F1D07A7-7ECE-4FDC-A8AE-477E2DA1B472}" v="4" dt="2024-04-24T07:43:58.850"/>
+    <p1510:client id="{E1C902A5-D111-44EE-AE01-EBDEC8588CC6}" v="39" dt="2025-04-26T12:28:04.976"/>
   </p1510:revLst>
 </p1510:revInfo>
 </file>
@@ -154,22 +154,6 @@
           <pc:docMk/>
           <pc:sldMk cId="1106615606" sldId="703"/>
         </pc:sldMkLst>
-        <pc:spChg chg="mod">
-          <ac:chgData name="Gerth Stølting Brodal" userId="04ef4784-6591-4f86-a140-f5c3b108582a" providerId="ADAL" clId="{0F1D07A7-7ECE-4FDC-A8AE-477E2DA1B472}" dt="2024-04-24T07:14:05.663" v="34" actId="113"/>
-          <ac:spMkLst>
-            <pc:docMk/>
-            <pc:sldMk cId="1106615606" sldId="703"/>
-            <ac:spMk id="3" creationId="{00000000-0000-0000-0000-000000000000}"/>
-          </ac:spMkLst>
-        </pc:spChg>
-        <pc:spChg chg="mod">
-          <ac:chgData name="Gerth Stølting Brodal" userId="04ef4784-6591-4f86-a140-f5c3b108582a" providerId="ADAL" clId="{0F1D07A7-7ECE-4FDC-A8AE-477E2DA1B472}" dt="2024-04-24T07:09:06.027" v="33" actId="14100"/>
-          <ac:spMkLst>
-            <pc:docMk/>
-            <pc:sldMk cId="1106615606" sldId="703"/>
-            <ac:spMk id="7" creationId="{00000000-0000-0000-0000-000000000000}"/>
-          </ac:spMkLst>
-        </pc:spChg>
       </pc:sldChg>
       <pc:sldChg chg="modSp mod">
         <pc:chgData name="Gerth Stølting Brodal" userId="04ef4784-6591-4f86-a140-f5c3b108582a" providerId="ADAL" clId="{0F1D07A7-7ECE-4FDC-A8AE-477E2DA1B472}" dt="2024-04-24T07:18:01.102" v="36" actId="20577"/>
@@ -177,14 +161,6 @@
           <pc:docMk/>
           <pc:sldMk cId="2218329389" sldId="704"/>
         </pc:sldMkLst>
-        <pc:spChg chg="mod">
-          <ac:chgData name="Gerth Stølting Brodal" userId="04ef4784-6591-4f86-a140-f5c3b108582a" providerId="ADAL" clId="{0F1D07A7-7ECE-4FDC-A8AE-477E2DA1B472}" dt="2024-04-24T07:18:01.102" v="36" actId="20577"/>
-          <ac:spMkLst>
-            <pc:docMk/>
-            <pc:sldMk cId="2218329389" sldId="704"/>
-            <ac:spMk id="3" creationId="{00000000-0000-0000-0000-000000000000}"/>
-          </ac:spMkLst>
-        </pc:spChg>
       </pc:sldChg>
       <pc:sldChg chg="addSp delSp modSp mod modNotesTx">
         <pc:chgData name="Gerth Stølting Brodal" userId="04ef4784-6591-4f86-a140-f5c3b108582a" providerId="ADAL" clId="{0F1D07A7-7ECE-4FDC-A8AE-477E2DA1B472}" dt="2024-04-25T13:59:44.565" v="520" actId="20577"/>
@@ -192,52 +168,196 @@
           <pc:docMk/>
           <pc:sldMk cId="481026778" sldId="712"/>
         </pc:sldMkLst>
-        <pc:spChg chg="add del mod">
-          <ac:chgData name="Gerth Stølting Brodal" userId="04ef4784-6591-4f86-a140-f5c3b108582a" providerId="ADAL" clId="{0F1D07A7-7ECE-4FDC-A8AE-477E2DA1B472}" dt="2024-04-25T13:47:45.861" v="432"/>
-          <ac:spMkLst>
-            <pc:docMk/>
-            <pc:sldMk cId="481026778" sldId="712"/>
-            <ac:spMk id="3" creationId="{3B970628-4B29-E02B-5D54-D015E47C3776}"/>
-          </ac:spMkLst>
-        </pc:spChg>
-        <pc:spChg chg="mod">
-          <ac:chgData name="Gerth Stølting Brodal" userId="04ef4784-6591-4f86-a140-f5c3b108582a" providerId="ADAL" clId="{0F1D07A7-7ECE-4FDC-A8AE-477E2DA1B472}" dt="2024-04-25T13:48:26.479" v="467" actId="1035"/>
-          <ac:spMkLst>
-            <pc:docMk/>
-            <pc:sldMk cId="481026778" sldId="712"/>
-            <ac:spMk id="9" creationId="{00000000-0000-0000-0000-000000000000}"/>
-          </ac:spMkLst>
-        </pc:spChg>
-        <pc:picChg chg="del">
-          <ac:chgData name="Gerth Stølting Brodal" userId="04ef4784-6591-4f86-a140-f5c3b108582a" providerId="ADAL" clId="{0F1D07A7-7ECE-4FDC-A8AE-477E2DA1B472}" dt="2024-04-25T13:38:29.564" v="281" actId="478"/>
-          <ac:picMkLst>
-            <pc:docMk/>
-            <pc:sldMk cId="481026778" sldId="712"/>
-            <ac:picMk id="4" creationId="{00000000-0000-0000-0000-000000000000}"/>
-          </ac:picMkLst>
-        </pc:picChg>
-        <pc:picChg chg="add del mod">
-          <ac:chgData name="Gerth Stølting Brodal" userId="04ef4784-6591-4f86-a140-f5c3b108582a" providerId="ADAL" clId="{0F1D07A7-7ECE-4FDC-A8AE-477E2DA1B472}" dt="2024-04-25T13:38:36.142" v="284" actId="478"/>
-          <ac:picMkLst>
-            <pc:docMk/>
-            <pc:sldMk cId="481026778" sldId="712"/>
-            <ac:picMk id="7" creationId="{B49F5BFF-4C8F-E8B3-D1C8-D7DD7A343B40}"/>
-          </ac:picMkLst>
-        </pc:picChg>
-        <pc:picChg chg="add mod ord modCrop">
-          <ac:chgData name="Gerth Stølting Brodal" userId="04ef4784-6591-4f86-a140-f5c3b108582a" providerId="ADAL" clId="{0F1D07A7-7ECE-4FDC-A8AE-477E2DA1B472}" dt="2024-04-25T13:47:51.149" v="433" actId="1036"/>
-          <ac:picMkLst>
-            <pc:docMk/>
-            <pc:sldMk cId="481026778" sldId="712"/>
-            <ac:picMk id="12" creationId="{F1436066-3A6F-7077-602B-9458C16BC9E7}"/>
-          </ac:picMkLst>
-        </pc:picChg>
       </pc:sldChg>
       <pc:sldChg chg="modNotesTx">
         <pc:chgData name="Gerth Stølting Brodal" userId="04ef4784-6591-4f86-a140-f5c3b108582a" providerId="ADAL" clId="{0F1D07A7-7ECE-4FDC-A8AE-477E2DA1B472}" dt="2024-04-24T07:26:24.240" v="77" actId="20577"/>
         <pc:sldMkLst>
           <pc:docMk/>
           <pc:sldMk cId="520497509" sldId="713"/>
+        </pc:sldMkLst>
+      </pc:sldChg>
+    </pc:docChg>
+  </pc:docChgLst>
+  <pc:docChgLst>
+    <pc:chgData name="Gerth Stølting Brodal" userId="04ef4784-6591-4f86-a140-f5c3b108582a" providerId="ADAL" clId="{E1C902A5-D111-44EE-AE01-EBDEC8588CC6}"/>
+    <pc:docChg chg="undo redo custSel modSld">
+      <pc:chgData name="Gerth Stølting Brodal" userId="04ef4784-6591-4f86-a140-f5c3b108582a" providerId="ADAL" clId="{E1C902A5-D111-44EE-AE01-EBDEC8588CC6}" dt="2025-04-26T13:06:29.034" v="803" actId="20577"/>
+      <pc:docMkLst>
+        <pc:docMk/>
+      </pc:docMkLst>
+      <pc:sldChg chg="addSp modSp mod">
+        <pc:chgData name="Gerth Stølting Brodal" userId="04ef4784-6591-4f86-a140-f5c3b108582a" providerId="ADAL" clId="{E1C902A5-D111-44EE-AE01-EBDEC8588CC6}" dt="2025-04-26T10:51:16.817" v="243" actId="1076"/>
+        <pc:sldMkLst>
+          <pc:docMk/>
+          <pc:sldMk cId="958578280" sldId="467"/>
+        </pc:sldMkLst>
+        <pc:picChg chg="add mod">
+          <ac:chgData name="Gerth Stølting Brodal" userId="04ef4784-6591-4f86-a140-f5c3b108582a" providerId="ADAL" clId="{E1C902A5-D111-44EE-AE01-EBDEC8588CC6}" dt="2025-04-26T10:51:16.817" v="243" actId="1076"/>
+          <ac:picMkLst>
+            <pc:docMk/>
+            <pc:sldMk cId="958578280" sldId="467"/>
+            <ac:picMk id="5" creationId="{92DF28D0-DD9E-4BE9-6377-BE9516DEDAA9}"/>
+          </ac:picMkLst>
+        </pc:picChg>
+      </pc:sldChg>
+      <pc:sldChg chg="modSp mod modNotesTx">
+        <pc:chgData name="Gerth Stølting Brodal" userId="04ef4784-6591-4f86-a140-f5c3b108582a" providerId="ADAL" clId="{E1C902A5-D111-44EE-AE01-EBDEC8588CC6}" dt="2025-04-26T10:56:33.122" v="245" actId="20577"/>
+        <pc:sldMkLst>
+          <pc:docMk/>
+          <pc:sldMk cId="1106615606" sldId="703"/>
+        </pc:sldMkLst>
+        <pc:spChg chg="mod">
+          <ac:chgData name="Gerth Stølting Brodal" userId="04ef4784-6591-4f86-a140-f5c3b108582a" providerId="ADAL" clId="{E1C902A5-D111-44EE-AE01-EBDEC8588CC6}" dt="2025-04-26T10:56:33.122" v="245" actId="20577"/>
+          <ac:spMkLst>
+            <pc:docMk/>
+            <pc:sldMk cId="1106615606" sldId="703"/>
+            <ac:spMk id="3" creationId="{00000000-0000-0000-0000-000000000000}"/>
+          </ac:spMkLst>
+        </pc:spChg>
+      </pc:sldChg>
+      <pc:sldChg chg="modSp mod modAnim">
+        <pc:chgData name="Gerth Stølting Brodal" userId="04ef4784-6591-4f86-a140-f5c3b108582a" providerId="ADAL" clId="{E1C902A5-D111-44EE-AE01-EBDEC8588CC6}" dt="2025-04-26T11:28:34.778" v="407" actId="20577"/>
+        <pc:sldMkLst>
+          <pc:docMk/>
+          <pc:sldMk cId="4193988003" sldId="705"/>
+        </pc:sldMkLst>
+        <pc:spChg chg="mod">
+          <ac:chgData name="Gerth Stølting Brodal" userId="04ef4784-6591-4f86-a140-f5c3b108582a" providerId="ADAL" clId="{E1C902A5-D111-44EE-AE01-EBDEC8588CC6}" dt="2025-04-26T11:28:34.778" v="407" actId="20577"/>
+          <ac:spMkLst>
+            <pc:docMk/>
+            <pc:sldMk cId="4193988003" sldId="705"/>
+            <ac:spMk id="7" creationId="{00000000-0000-0000-0000-000000000000}"/>
+          </ac:spMkLst>
+        </pc:spChg>
+        <pc:graphicFrameChg chg="modGraphic">
+          <ac:chgData name="Gerth Stølting Brodal" userId="04ef4784-6591-4f86-a140-f5c3b108582a" providerId="ADAL" clId="{E1C902A5-D111-44EE-AE01-EBDEC8588CC6}" dt="2025-04-26T11:26:29.008" v="365" actId="20577"/>
+          <ac:graphicFrameMkLst>
+            <pc:docMk/>
+            <pc:sldMk cId="4193988003" sldId="705"/>
+            <ac:graphicFrameMk id="4" creationId="{00000000-0000-0000-0000-000000000000}"/>
+          </ac:graphicFrameMkLst>
+        </pc:graphicFrameChg>
+        <pc:picChg chg="mod">
+          <ac:chgData name="Gerth Stølting Brodal" userId="04ef4784-6591-4f86-a140-f5c3b108582a" providerId="ADAL" clId="{E1C902A5-D111-44EE-AE01-EBDEC8588CC6}" dt="2025-04-26T11:28:30.146" v="405" actId="1076"/>
+          <ac:picMkLst>
+            <pc:docMk/>
+            <pc:sldMk cId="4193988003" sldId="705"/>
+            <ac:picMk id="8" creationId="{00000000-0000-0000-0000-000000000000}"/>
+          </ac:picMkLst>
+        </pc:picChg>
+      </pc:sldChg>
+      <pc:sldChg chg="addSp modSp mod">
+        <pc:chgData name="Gerth Stølting Brodal" userId="04ef4784-6591-4f86-a140-f5c3b108582a" providerId="ADAL" clId="{E1C902A5-D111-44EE-AE01-EBDEC8588CC6}" dt="2025-04-26T11:30:52.135" v="425" actId="1036"/>
+        <pc:sldMkLst>
+          <pc:docMk/>
+          <pc:sldMk cId="458227515" sldId="707"/>
+        </pc:sldMkLst>
+        <pc:spChg chg="mod">
+          <ac:chgData name="Gerth Stølting Brodal" userId="04ef4784-6591-4f86-a140-f5c3b108582a" providerId="ADAL" clId="{E1C902A5-D111-44EE-AE01-EBDEC8588CC6}" dt="2025-04-26T11:30:52.135" v="425" actId="1036"/>
+          <ac:spMkLst>
+            <pc:docMk/>
+            <pc:sldMk cId="458227515" sldId="707"/>
+            <ac:spMk id="5" creationId="{00000000-0000-0000-0000-000000000000}"/>
+          </ac:spMkLst>
+        </pc:spChg>
+        <pc:picChg chg="add mod">
+          <ac:chgData name="Gerth Stølting Brodal" userId="04ef4784-6591-4f86-a140-f5c3b108582a" providerId="ADAL" clId="{E1C902A5-D111-44EE-AE01-EBDEC8588CC6}" dt="2025-04-26T11:30:40.252" v="409" actId="1076"/>
+          <ac:picMkLst>
+            <pc:docMk/>
+            <pc:sldMk cId="458227515" sldId="707"/>
+            <ac:picMk id="3" creationId="{3D402D41-E2A3-FAE0-6D53-081FC10CD73E}"/>
+          </ac:picMkLst>
+        </pc:picChg>
+      </pc:sldChg>
+      <pc:sldChg chg="addSp delSp modSp mod modNotesTx">
+        <pc:chgData name="Gerth Stølting Brodal" userId="04ef4784-6591-4f86-a140-f5c3b108582a" providerId="ADAL" clId="{E1C902A5-D111-44EE-AE01-EBDEC8588CC6}" dt="2025-04-26T12:56:42.904" v="603" actId="20577"/>
+        <pc:sldMkLst>
+          <pc:docMk/>
+          <pc:sldMk cId="2563246782" sldId="709"/>
+        </pc:sldMkLst>
+        <pc:spChg chg="mod">
+          <ac:chgData name="Gerth Stølting Brodal" userId="04ef4784-6591-4f86-a140-f5c3b108582a" providerId="ADAL" clId="{E1C902A5-D111-44EE-AE01-EBDEC8588CC6}" dt="2025-04-26T12:56:42.904" v="603" actId="20577"/>
+          <ac:spMkLst>
+            <pc:docMk/>
+            <pc:sldMk cId="2563246782" sldId="709"/>
+            <ac:spMk id="6" creationId="{00000000-0000-0000-0000-000000000000}"/>
+          </ac:spMkLst>
+        </pc:spChg>
+        <pc:graphicFrameChg chg="mod modGraphic">
+          <ac:chgData name="Gerth Stølting Brodal" userId="04ef4784-6591-4f86-a140-f5c3b108582a" providerId="ADAL" clId="{E1C902A5-D111-44EE-AE01-EBDEC8588CC6}" dt="2025-04-26T12:28:36.769" v="548" actId="1038"/>
+          <ac:graphicFrameMkLst>
+            <pc:docMk/>
+            <pc:sldMk cId="2563246782" sldId="709"/>
+            <ac:graphicFrameMk id="7" creationId="{00000000-0000-0000-0000-000000000000}"/>
+          </ac:graphicFrameMkLst>
+        </pc:graphicFrameChg>
+        <pc:picChg chg="add del mod">
+          <ac:chgData name="Gerth Stølting Brodal" userId="04ef4784-6591-4f86-a140-f5c3b108582a" providerId="ADAL" clId="{E1C902A5-D111-44EE-AE01-EBDEC8588CC6}" dt="2025-04-26T12:25:55.525" v="490" actId="478"/>
+          <ac:picMkLst>
+            <pc:docMk/>
+            <pc:sldMk cId="2563246782" sldId="709"/>
+            <ac:picMk id="4" creationId="{5BDB7725-0DA2-7692-6330-E5FEC99EE84D}"/>
+          </ac:picMkLst>
+        </pc:picChg>
+        <pc:picChg chg="add del mod">
+          <ac:chgData name="Gerth Stølting Brodal" userId="04ef4784-6591-4f86-a140-f5c3b108582a" providerId="ADAL" clId="{E1C902A5-D111-44EE-AE01-EBDEC8588CC6}" dt="2025-04-26T12:26:30.550" v="494" actId="478"/>
+          <ac:picMkLst>
+            <pc:docMk/>
+            <pc:sldMk cId="2563246782" sldId="709"/>
+            <ac:picMk id="8" creationId="{E43B1E62-888B-3B0C-40CF-50584C92474C}"/>
+          </ac:picMkLst>
+        </pc:picChg>
+        <pc:picChg chg="add mod">
+          <ac:chgData name="Gerth Stølting Brodal" userId="04ef4784-6591-4f86-a140-f5c3b108582a" providerId="ADAL" clId="{E1C902A5-D111-44EE-AE01-EBDEC8588CC6}" dt="2025-04-26T12:26:35.650" v="495" actId="1076"/>
+          <ac:picMkLst>
+            <pc:docMk/>
+            <pc:sldMk cId="2563246782" sldId="709"/>
+            <ac:picMk id="10" creationId="{89B2F4F6-FC79-185E-3CE0-E94568FA5555}"/>
+          </ac:picMkLst>
+        </pc:picChg>
+      </pc:sldChg>
+      <pc:sldChg chg="modSp mod">
+        <pc:chgData name="Gerth Stølting Brodal" userId="04ef4784-6591-4f86-a140-f5c3b108582a" providerId="ADAL" clId="{E1C902A5-D111-44EE-AE01-EBDEC8588CC6}" dt="2025-04-26T12:58:56.996" v="605" actId="207"/>
+        <pc:sldMkLst>
+          <pc:docMk/>
+          <pc:sldMk cId="3105575450" sldId="710"/>
+        </pc:sldMkLst>
+        <pc:graphicFrameChg chg="modGraphic">
+          <ac:chgData name="Gerth Stølting Brodal" userId="04ef4784-6591-4f86-a140-f5c3b108582a" providerId="ADAL" clId="{E1C902A5-D111-44EE-AE01-EBDEC8588CC6}" dt="2025-04-26T12:58:56.996" v="605" actId="207"/>
+          <ac:graphicFrameMkLst>
+            <pc:docMk/>
+            <pc:sldMk cId="3105575450" sldId="710"/>
+            <ac:graphicFrameMk id="5" creationId="{00000000-0000-0000-0000-000000000000}"/>
+          </ac:graphicFrameMkLst>
+        </pc:graphicFrameChg>
+      </pc:sldChg>
+      <pc:sldChg chg="modSp mod modNotesTx">
+        <pc:chgData name="Gerth Stølting Brodal" userId="04ef4784-6591-4f86-a140-f5c3b108582a" providerId="ADAL" clId="{E1C902A5-D111-44EE-AE01-EBDEC8588CC6}" dt="2025-04-26T11:10:37.990" v="347" actId="207"/>
+        <pc:sldMkLst>
+          <pc:docMk/>
+          <pc:sldMk cId="520497509" sldId="713"/>
+        </pc:sldMkLst>
+        <pc:graphicFrameChg chg="modGraphic">
+          <ac:chgData name="Gerth Stølting Brodal" userId="04ef4784-6591-4f86-a140-f5c3b108582a" providerId="ADAL" clId="{E1C902A5-D111-44EE-AE01-EBDEC8588CC6}" dt="2025-04-26T11:10:37.990" v="347" actId="207"/>
+          <ac:graphicFrameMkLst>
+            <pc:docMk/>
+            <pc:sldMk cId="520497509" sldId="713"/>
+            <ac:graphicFrameMk id="5" creationId="{00000000-0000-0000-0000-000000000000}"/>
+          </ac:graphicFrameMkLst>
+        </pc:graphicFrameChg>
+      </pc:sldChg>
+      <pc:sldChg chg="modNotesTx">
+        <pc:chgData name="Gerth Stølting Brodal" userId="04ef4784-6591-4f86-a140-f5c3b108582a" providerId="ADAL" clId="{E1C902A5-D111-44EE-AE01-EBDEC8588CC6}" dt="2025-04-26T13:06:29.034" v="803" actId="20577"/>
+        <pc:sldMkLst>
+          <pc:docMk/>
+          <pc:sldMk cId="3046591914" sldId="714"/>
+        </pc:sldMkLst>
+      </pc:sldChg>
+      <pc:sldChg chg="modNotesTx">
+        <pc:chgData name="Gerth Stølting Brodal" userId="04ef4784-6591-4f86-a140-f5c3b108582a" providerId="ADAL" clId="{E1C902A5-D111-44EE-AE01-EBDEC8588CC6}" dt="2025-04-26T12:16:48.704" v="487" actId="20577"/>
+        <pc:sldMkLst>
+          <pc:docMk/>
+          <pc:sldMk cId="925773955" sldId="716"/>
         </pc:sldMkLst>
       </pc:sldChg>
     </pc:docChg>
@@ -255,14 +375,6 @@
           <pc:docMk/>
           <pc:sldMk cId="950159874" sldId="700"/>
         </pc:sldMkLst>
-        <pc:graphicFrameChg chg="modGraphic">
-          <ac:chgData name="Gerth Stølting Brodal" userId="04ef4784-6591-4f86-a140-f5c3b108582a" providerId="ADAL" clId="{9597CAD0-5B7F-477D-B63F-123429BDAB7A}" dt="2021-05-04T17:05:31.307" v="8" actId="20577"/>
-          <ac:graphicFrameMkLst>
-            <pc:docMk/>
-            <pc:sldMk cId="950159874" sldId="700"/>
-            <ac:graphicFrameMk id="5" creationId="{00000000-0000-0000-0000-000000000000}"/>
-          </ac:graphicFrameMkLst>
-        </pc:graphicFrameChg>
       </pc:sldChg>
     </pc:docChg>
   </pc:docChgLst>
@@ -279,14 +391,6 @@
           <pc:docMk/>
           <pc:sldMk cId="2218329389" sldId="704"/>
         </pc:sldMkLst>
-        <pc:spChg chg="mod">
-          <ac:chgData name="Gerth Stølting Brodal" userId="04ef4784-6591-4f86-a140-f5c3b108582a" providerId="ADAL" clId="{1BB2CD8F-D7FA-4E10-A866-6EDCDFAFCE53}" dt="2023-04-25T09:35:39.209" v="16" actId="20577"/>
-          <ac:spMkLst>
-            <pc:docMk/>
-            <pc:sldMk cId="2218329389" sldId="704"/>
-            <ac:spMk id="2" creationId="{00000000-0000-0000-0000-000000000000}"/>
-          </ac:spMkLst>
-        </pc:spChg>
       </pc:sldChg>
       <pc:sldChg chg="modSp mod modNotesTx">
         <pc:chgData name="Gerth Stølting Brodal" userId="04ef4784-6591-4f86-a140-f5c3b108582a" providerId="ADAL" clId="{1BB2CD8F-D7FA-4E10-A866-6EDCDFAFCE53}" dt="2023-05-01T07:13:04.173" v="322" actId="113"/>
@@ -294,22 +398,6 @@
           <pc:docMk/>
           <pc:sldMk cId="2563246782" sldId="709"/>
         </pc:sldMkLst>
-        <pc:spChg chg="mod">
-          <ac:chgData name="Gerth Stølting Brodal" userId="04ef4784-6591-4f86-a140-f5c3b108582a" providerId="ADAL" clId="{1BB2CD8F-D7FA-4E10-A866-6EDCDFAFCE53}" dt="2023-04-30T18:28:23.672" v="143" actId="20577"/>
-          <ac:spMkLst>
-            <pc:docMk/>
-            <pc:sldMk cId="2563246782" sldId="709"/>
-            <ac:spMk id="6" creationId="{00000000-0000-0000-0000-000000000000}"/>
-          </ac:spMkLst>
-        </pc:spChg>
-        <pc:graphicFrameChg chg="mod modGraphic">
-          <ac:chgData name="Gerth Stølting Brodal" userId="04ef4784-6591-4f86-a140-f5c3b108582a" providerId="ADAL" clId="{1BB2CD8F-D7FA-4E10-A866-6EDCDFAFCE53}" dt="2023-04-25T09:55:44.197" v="70" actId="6549"/>
-          <ac:graphicFrameMkLst>
-            <pc:docMk/>
-            <pc:sldMk cId="2563246782" sldId="709"/>
-            <ac:graphicFrameMk id="7" creationId="{00000000-0000-0000-0000-000000000000}"/>
-          </ac:graphicFrameMkLst>
-        </pc:graphicFrameChg>
       </pc:sldChg>
       <pc:sldChg chg="modSp mod">
         <pc:chgData name="Gerth Stølting Brodal" userId="04ef4784-6591-4f86-a140-f5c3b108582a" providerId="ADAL" clId="{1BB2CD8F-D7FA-4E10-A866-6EDCDFAFCE53}" dt="2023-04-30T18:37:44.157" v="147" actId="6549"/>
@@ -317,14 +405,6 @@
           <pc:docMk/>
           <pc:sldMk cId="3105575450" sldId="710"/>
         </pc:sldMkLst>
-        <pc:graphicFrameChg chg="modGraphic">
-          <ac:chgData name="Gerth Stølting Brodal" userId="04ef4784-6591-4f86-a140-f5c3b108582a" providerId="ADAL" clId="{1BB2CD8F-D7FA-4E10-A866-6EDCDFAFCE53}" dt="2023-04-30T18:37:44.157" v="147" actId="6549"/>
-          <ac:graphicFrameMkLst>
-            <pc:docMk/>
-            <pc:sldMk cId="3105575450" sldId="710"/>
-            <ac:graphicFrameMk id="5" creationId="{00000000-0000-0000-0000-000000000000}"/>
-          </ac:graphicFrameMkLst>
-        </pc:graphicFrameChg>
       </pc:sldChg>
       <pc:sldChg chg="modSp mod modNotesTx">
         <pc:chgData name="Gerth Stølting Brodal" userId="04ef4784-6591-4f86-a140-f5c3b108582a" providerId="ADAL" clId="{1BB2CD8F-D7FA-4E10-A866-6EDCDFAFCE53}" dt="2023-04-30T18:54:47.661" v="294" actId="20577"/>
@@ -332,14 +412,6 @@
           <pc:docMk/>
           <pc:sldMk cId="2888817038" sldId="711"/>
         </pc:sldMkLst>
-        <pc:graphicFrameChg chg="mod modGraphic">
-          <ac:chgData name="Gerth Stølting Brodal" userId="04ef4784-6591-4f86-a140-f5c3b108582a" providerId="ADAL" clId="{1BB2CD8F-D7FA-4E10-A866-6EDCDFAFCE53}" dt="2023-04-30T18:53:04.822" v="271" actId="207"/>
-          <ac:graphicFrameMkLst>
-            <pc:docMk/>
-            <pc:sldMk cId="2888817038" sldId="711"/>
-            <ac:graphicFrameMk id="4" creationId="{00000000-0000-0000-0000-000000000000}"/>
-          </ac:graphicFrameMkLst>
-        </pc:graphicFrameChg>
       </pc:sldChg>
       <pc:sldChg chg="modSp mod modNotesTx">
         <pc:chgData name="Gerth Stølting Brodal" userId="04ef4784-6591-4f86-a140-f5c3b108582a" providerId="ADAL" clId="{1BB2CD8F-D7FA-4E10-A866-6EDCDFAFCE53}" dt="2023-04-30T18:48:06.757" v="253" actId="20577"/>
@@ -347,14 +419,6 @@
           <pc:docMk/>
           <pc:sldMk cId="3046591914" sldId="714"/>
         </pc:sldMkLst>
-        <pc:graphicFrameChg chg="modGraphic">
-          <ac:chgData name="Gerth Stølting Brodal" userId="04ef4784-6591-4f86-a140-f5c3b108582a" providerId="ADAL" clId="{1BB2CD8F-D7FA-4E10-A866-6EDCDFAFCE53}" dt="2023-04-30T18:48:06.757" v="253" actId="20577"/>
-          <ac:graphicFrameMkLst>
-            <pc:docMk/>
-            <pc:sldMk cId="3046591914" sldId="714"/>
-            <ac:graphicFrameMk id="4" creationId="{00000000-0000-0000-0000-000000000000}"/>
-          </ac:graphicFrameMkLst>
-        </pc:graphicFrameChg>
       </pc:sldChg>
     </pc:docChg>
   </pc:docChgLst>
@@ -443,7 +507,7 @@
           <a:p>
             <a:fld id="{FB1A172F-81D4-4DC4-9113-1DBD56EC3646}" type="datetimeFigureOut">
               <a:rPr lang="en-US" smtClean="0"/>
-              <a:t>4/25/2024</a:t>
+              <a:t>4/26/2025</a:t>
             </a:fld>
             <a:endParaRPr lang="en-US"/>
           </a:p>
@@ -780,7 +844,6 @@
               <a:rPr lang="da-DK" baseline="0" dirty="0"/>
               <a:t> for SQL </a:t>
             </a:r>
-            <a:endParaRPr lang="en-US" dirty="0"/>
           </a:p>
         </p:txBody>
       </p:sp>
@@ -866,6 +929,157 @@
           <a:p>
             <a:r>
               <a:rPr lang="en-US" dirty="0"/>
+              <a:t>read table using SQL query</a:t>
+            </a:r>
+          </a:p>
+          <a:p>
+            <a:endParaRPr lang="en-US" dirty="0"/>
+          </a:p>
+          <a:p>
+            <a:r>
+              <a:rPr lang="en-US" dirty="0"/>
+              <a:t>many</a:t>
+            </a:r>
+            <a:r>
+              <a:rPr lang="en-US" baseline="0" dirty="0"/>
+              <a:t> ways to index into </a:t>
+            </a:r>
+            <a:r>
+              <a:rPr lang="en-US" baseline="0" dirty="0" err="1"/>
+              <a:t>DataFrame’s</a:t>
+            </a:r>
+            <a:r>
+              <a:rPr lang="en-US" baseline="0" dirty="0"/>
+              <a:t> very flexible – but at the same time overwhelming....</a:t>
+            </a:r>
+            <a:endParaRPr lang="en-US" dirty="0"/>
+          </a:p>
+        </p:txBody>
+      </p:sp>
+      <p:sp>
+        <p:nvSpPr>
+          <p:cNvPr id="4" name="Slide Number Placeholder 3"/>
+          <p:cNvSpPr>
+            <a:spLocks noGrp="1"/>
+          </p:cNvSpPr>
+          <p:nvPr>
+            <p:ph type="sldNum" sz="quarter" idx="10"/>
+          </p:nvPr>
+        </p:nvSpPr>
+        <p:spPr/>
+        <p:txBody>
+          <a:bodyPr/>
+          <a:lstStyle/>
+          <a:p>
+            <a:fld id="{CD563DD8-32AB-41BE-B1C6-8EAC45222ACE}" type="slidenum">
+              <a:rPr lang="en-US" smtClean="0"/>
+              <a:t>12</a:t>
+            </a:fld>
+            <a:endParaRPr lang="en-US"/>
+          </a:p>
+        </p:txBody>
+      </p:sp>
+    </p:spTree>
+    <p:extLst>
+      <p:ext uri="{BB962C8B-B14F-4D97-AF65-F5344CB8AC3E}">
+        <p14:creationId xmlns:p14="http://schemas.microsoft.com/office/powerpoint/2010/main" val="1797067243"/>
+      </p:ext>
+    </p:extLst>
+  </p:cSld>
+  <p:clrMapOvr>
+    <a:masterClrMapping/>
+  </p:clrMapOvr>
+</p:notes>
+</file>
+
+<file path=ppt/notesSlides/notesSlide11.xml><?xml version="1.0" encoding="utf-8"?>
+<p:notes xmlns:a="http://schemas.openxmlformats.org/drawingml/2006/main" xmlns:r="http://schemas.openxmlformats.org/officeDocument/2006/relationships" xmlns:p="http://schemas.openxmlformats.org/presentationml/2006/main">
+  <p:cSld>
+    <p:spTree>
+      <p:nvGrpSpPr>
+        <p:cNvPr id="1" name=""/>
+        <p:cNvGrpSpPr/>
+        <p:nvPr/>
+      </p:nvGrpSpPr>
+      <p:grpSpPr>
+        <a:xfrm>
+          <a:off x="0" y="0"/>
+          <a:ext cx="0" cy="0"/>
+          <a:chOff x="0" y="0"/>
+          <a:chExt cx="0" cy="0"/>
+        </a:xfrm>
+      </p:grpSpPr>
+      <p:sp>
+        <p:nvSpPr>
+          <p:cNvPr id="2" name="Slide Image Placeholder 1"/>
+          <p:cNvSpPr>
+            <a:spLocks noGrp="1" noRot="1" noChangeAspect="1"/>
+          </p:cNvSpPr>
+          <p:nvPr>
+            <p:ph type="sldImg"/>
+          </p:nvPr>
+        </p:nvSpPr>
+        <p:spPr/>
+      </p:sp>
+      <p:sp>
+        <p:nvSpPr>
+          <p:cNvPr id="3" name="Notes Placeholder 2"/>
+          <p:cNvSpPr>
+            <a:spLocks noGrp="1"/>
+          </p:cNvSpPr>
+          <p:nvPr>
+            <p:ph type="body" idx="1"/>
+          </p:nvPr>
+        </p:nvSpPr>
+        <p:spPr/>
+        <p:txBody>
+          <a:bodyPr/>
+          <a:lstStyle/>
+          <a:p>
+            <a:r>
+              <a:rPr lang="en-US" dirty="0"/>
+              <a:t>Creating a </a:t>
+            </a:r>
+            <a:r>
+              <a:rPr lang="en-US" dirty="0" err="1"/>
+              <a:t>dataframe</a:t>
+            </a:r>
+            <a:r>
+              <a:rPr lang="en-US" dirty="0"/>
+              <a:t> from </a:t>
+            </a:r>
+            <a:r>
+              <a:rPr lang="en-US" dirty="0" err="1"/>
+              <a:t>numpy</a:t>
+            </a:r>
+            <a:r>
+              <a:rPr lang="en-US" dirty="0"/>
+              <a:t> array without index/columns, creates labels 0,1,2,… both for rows and columns</a:t>
+            </a:r>
+            <a:r>
+              <a:rPr lang="en-US"/>
+              <a:t>; then </a:t>
+            </a:r>
+            <a:r>
+              <a:rPr lang="en-US" dirty="0" err="1"/>
+              <a:t>df</a:t>
+            </a:r>
+            <a:r>
+              <a:rPr lang="en-US" dirty="0"/>
+              <a:t>[1] = column 1, </a:t>
+            </a:r>
+            <a:r>
+              <a:rPr lang="en-US" dirty="0" err="1"/>
+              <a:t>df.loc</a:t>
+            </a:r>
+            <a:r>
+              <a:rPr lang="en-US" dirty="0"/>
+              <a:t>[1] = row 1</a:t>
+            </a:r>
+          </a:p>
+          <a:p>
+            <a:r>
+              <a:rPr lang="en-US" dirty="0"/>
               <a:t>Note loc slice by labeled rows is </a:t>
             </a:r>
             <a:r>
@@ -918,7 +1132,7 @@
 </p:notes>
 </file>
 
-<file path=ppt/notesSlides/notesSlide11.xml><?xml version="1.0" encoding="utf-8"?>
+<file path=ppt/notesSlides/notesSlide12.xml><?xml version="1.0" encoding="utf-8"?>
 <p:notes xmlns:a="http://schemas.openxmlformats.org/drawingml/2006/main" xmlns:r="http://schemas.openxmlformats.org/officeDocument/2006/relationships" xmlns:p="http://schemas.openxmlformats.org/presentationml/2006/main">
   <p:cSld>
     <p:spTree>
@@ -1070,130 +1284,6 @@
 </p:notes>
 </file>
 
-<file path=ppt/notesSlides/notesSlide12.xml><?xml version="1.0" encoding="utf-8"?>
-<p:notes xmlns:a="http://schemas.openxmlformats.org/drawingml/2006/main" xmlns:r="http://schemas.openxmlformats.org/officeDocument/2006/relationships" xmlns:p="http://schemas.openxmlformats.org/presentationml/2006/main">
-  <p:cSld>
-    <p:spTree>
-      <p:nvGrpSpPr>
-        <p:cNvPr id="1" name=""/>
-        <p:cNvGrpSpPr/>
-        <p:nvPr/>
-      </p:nvGrpSpPr>
-      <p:grpSpPr>
-        <a:xfrm>
-          <a:off x="0" y="0"/>
-          <a:ext cx="0" cy="0"/>
-          <a:chOff x="0" y="0"/>
-          <a:chExt cx="0" cy="0"/>
-        </a:xfrm>
-      </p:grpSpPr>
-      <p:sp>
-        <p:nvSpPr>
-          <p:cNvPr id="2" name="Slide Image Placeholder 1"/>
-          <p:cNvSpPr>
-            <a:spLocks noGrp="1" noRot="1" noChangeAspect="1"/>
-          </p:cNvSpPr>
-          <p:nvPr>
-            <p:ph type="sldImg"/>
-          </p:nvPr>
-        </p:nvSpPr>
-        <p:spPr/>
-      </p:sp>
-      <p:sp>
-        <p:nvSpPr>
-          <p:cNvPr id="3" name="Notes Placeholder 2"/>
-          <p:cNvSpPr>
-            <a:spLocks noGrp="1"/>
-          </p:cNvSpPr>
-          <p:nvPr>
-            <p:ph type="body" idx="1"/>
-          </p:nvPr>
-        </p:nvSpPr>
-        <p:spPr/>
-        <p:txBody>
-          <a:bodyPr/>
-          <a:lstStyle/>
-          <a:p>
-            <a:r>
-              <a:rPr lang="en-US" dirty="0"/>
-              <a:t>From Pandas </a:t>
-            </a:r>
-            <a:r>
-              <a:rPr lang="en-US" dirty="0" err="1"/>
-              <a:t>Datareader</a:t>
-            </a:r>
-            <a:r>
-              <a:rPr lang="en-US" baseline="0" dirty="0"/>
-              <a:t> webpage 26/4-2019</a:t>
-            </a:r>
-          </a:p>
-          <a:p>
-            <a:endParaRPr lang="en-US" baseline="0" dirty="0"/>
-          </a:p>
-          <a:p>
-            <a:pPr marL="0" marR="0" lvl="0" indent="0" algn="l" defTabSz="914400" rtl="0" eaLnBrk="1" fontAlgn="auto" latinLnBrk="0" hangingPunct="1">
-              <a:lnSpc>
-                <a:spcPct val="100000"/>
-              </a:lnSpc>
-              <a:spcBef>
-                <a:spcPts val="0"/>
-              </a:spcBef>
-              <a:spcAft>
-                <a:spcPts val="0"/>
-              </a:spcAft>
-              <a:buClrTx/>
-              <a:buSzTx/>
-              <a:buFontTx/>
-              <a:buNone/>
-              <a:tabLst/>
-              <a:defRPr/>
-            </a:pPr>
-            <a:r>
-              <a:rPr lang="en-US" b="1" dirty="0"/>
-              <a:t>As of v0.6.0 Google finance is still functioning for historical price data, although there are frequent reports of failures. Failure is frequently encountered when bulk downloading historical price data.</a:t>
-            </a:r>
-          </a:p>
-          <a:p>
-            <a:endParaRPr lang="en-US" dirty="0"/>
-          </a:p>
-        </p:txBody>
-      </p:sp>
-      <p:sp>
-        <p:nvSpPr>
-          <p:cNvPr id="4" name="Slide Number Placeholder 3"/>
-          <p:cNvSpPr>
-            <a:spLocks noGrp="1"/>
-          </p:cNvSpPr>
-          <p:nvPr>
-            <p:ph type="sldNum" sz="quarter" idx="10"/>
-          </p:nvPr>
-        </p:nvSpPr>
-        <p:spPr/>
-        <p:txBody>
-          <a:bodyPr/>
-          <a:lstStyle/>
-          <a:p>
-            <a:fld id="{CD563DD8-32AB-41BE-B1C6-8EAC45222ACE}" type="slidenum">
-              <a:rPr lang="en-US" smtClean="0"/>
-              <a:t>15</a:t>
-            </a:fld>
-            <a:endParaRPr lang="en-US"/>
-          </a:p>
-        </p:txBody>
-      </p:sp>
-    </p:spTree>
-    <p:extLst>
-      <p:ext uri="{BB962C8B-B14F-4D97-AF65-F5344CB8AC3E}">
-        <p14:creationId xmlns:p14="http://schemas.microsoft.com/office/powerpoint/2010/main" val="3440814069"/>
-      </p:ext>
-    </p:extLst>
-  </p:cSld>
-  <p:clrMapOvr>
-    <a:masterClrMapping/>
-  </p:clrMapOvr>
-</p:notes>
-</file>
-
 <file path=ppt/notesSlides/notesSlide13.xml><?xml version="1.0" encoding="utf-8"?>
 <p:notes xmlns:a="http://schemas.openxmlformats.org/drawingml/2006/main" xmlns:r="http://schemas.openxmlformats.org/officeDocument/2006/relationships" xmlns:p="http://schemas.openxmlformats.org/presentationml/2006/main">
   <p:cSld>
@@ -1240,6 +1330,130 @@
           <a:p>
             <a:r>
               <a:rPr lang="en-US" dirty="0"/>
+              <a:t>From Pandas </a:t>
+            </a:r>
+            <a:r>
+              <a:rPr lang="en-US" dirty="0" err="1"/>
+              <a:t>Datareader</a:t>
+            </a:r>
+            <a:r>
+              <a:rPr lang="en-US" baseline="0" dirty="0"/>
+              <a:t> webpage 26/4-2019</a:t>
+            </a:r>
+          </a:p>
+          <a:p>
+            <a:endParaRPr lang="en-US" baseline="0" dirty="0"/>
+          </a:p>
+          <a:p>
+            <a:pPr marL="0" marR="0" lvl="0" indent="0" algn="l" defTabSz="914400" rtl="0" eaLnBrk="1" fontAlgn="auto" latinLnBrk="0" hangingPunct="1">
+              <a:lnSpc>
+                <a:spcPct val="100000"/>
+              </a:lnSpc>
+              <a:spcBef>
+                <a:spcPts val="0"/>
+              </a:spcBef>
+              <a:spcAft>
+                <a:spcPts val="0"/>
+              </a:spcAft>
+              <a:buClrTx/>
+              <a:buSzTx/>
+              <a:buFontTx/>
+              <a:buNone/>
+              <a:tabLst/>
+              <a:defRPr/>
+            </a:pPr>
+            <a:r>
+              <a:rPr lang="en-US" b="1" dirty="0"/>
+              <a:t>As of v0.6.0 Google finance is still functioning for historical price data, although there are frequent reports of failures. Failure is frequently encountered when bulk downloading historical price data.</a:t>
+            </a:r>
+          </a:p>
+          <a:p>
+            <a:endParaRPr lang="en-US" dirty="0"/>
+          </a:p>
+        </p:txBody>
+      </p:sp>
+      <p:sp>
+        <p:nvSpPr>
+          <p:cNvPr id="4" name="Slide Number Placeholder 3"/>
+          <p:cNvSpPr>
+            <a:spLocks noGrp="1"/>
+          </p:cNvSpPr>
+          <p:nvPr>
+            <p:ph type="sldNum" sz="quarter" idx="10"/>
+          </p:nvPr>
+        </p:nvSpPr>
+        <p:spPr/>
+        <p:txBody>
+          <a:bodyPr/>
+          <a:lstStyle/>
+          <a:p>
+            <a:fld id="{CD563DD8-32AB-41BE-B1C6-8EAC45222ACE}" type="slidenum">
+              <a:rPr lang="en-US" smtClean="0"/>
+              <a:t>15</a:t>
+            </a:fld>
+            <a:endParaRPr lang="en-US"/>
+          </a:p>
+        </p:txBody>
+      </p:sp>
+    </p:spTree>
+    <p:extLst>
+      <p:ext uri="{BB962C8B-B14F-4D97-AF65-F5344CB8AC3E}">
+        <p14:creationId xmlns:p14="http://schemas.microsoft.com/office/powerpoint/2010/main" val="3440814069"/>
+      </p:ext>
+    </p:extLst>
+  </p:cSld>
+  <p:clrMapOvr>
+    <a:masterClrMapping/>
+  </p:clrMapOvr>
+</p:notes>
+</file>
+
+<file path=ppt/notesSlides/notesSlide14.xml><?xml version="1.0" encoding="utf-8"?>
+<p:notes xmlns:a="http://schemas.openxmlformats.org/drawingml/2006/main" xmlns:r="http://schemas.openxmlformats.org/officeDocument/2006/relationships" xmlns:p="http://schemas.openxmlformats.org/presentationml/2006/main">
+  <p:cSld>
+    <p:spTree>
+      <p:nvGrpSpPr>
+        <p:cNvPr id="1" name=""/>
+        <p:cNvGrpSpPr/>
+        <p:nvPr/>
+      </p:nvGrpSpPr>
+      <p:grpSpPr>
+        <a:xfrm>
+          <a:off x="0" y="0"/>
+          <a:ext cx="0" cy="0"/>
+          <a:chOff x="0" y="0"/>
+          <a:chExt cx="0" cy="0"/>
+        </a:xfrm>
+      </p:grpSpPr>
+      <p:sp>
+        <p:nvSpPr>
+          <p:cNvPr id="2" name="Slide Image Placeholder 1"/>
+          <p:cNvSpPr>
+            <a:spLocks noGrp="1" noRot="1" noChangeAspect="1"/>
+          </p:cNvSpPr>
+          <p:nvPr>
+            <p:ph type="sldImg"/>
+          </p:nvPr>
+        </p:nvSpPr>
+        <p:spPr/>
+      </p:sp>
+      <p:sp>
+        <p:nvSpPr>
+          <p:cNvPr id="3" name="Notes Placeholder 2"/>
+          <p:cNvSpPr>
+            <a:spLocks noGrp="1"/>
+          </p:cNvSpPr>
+          <p:nvPr>
+            <p:ph type="body" idx="1"/>
+          </p:nvPr>
+        </p:nvSpPr>
+        <p:spPr/>
+        <p:txBody>
+          <a:bodyPr/>
+          <a:lstStyle/>
+          <a:p>
+            <a:r>
+              <a:rPr lang="en-US" dirty="0"/>
               <a:t>Depends on "</a:t>
             </a:r>
             <a:r>
@@ -1495,7 +1709,7 @@
 </p:notes>
 </file>
 
-<file path=ppt/notesSlides/notesSlide14.xml><?xml version="1.0" encoding="utf-8"?>
+<file path=ppt/notesSlides/notesSlide15.xml><?xml version="1.0" encoding="utf-8"?>
 <p:notes xmlns:a="http://schemas.openxmlformats.org/drawingml/2006/main" xmlns:r="http://schemas.openxmlformats.org/officeDocument/2006/relationships" xmlns:p="http://schemas.openxmlformats.org/presentationml/2006/main">
   <p:cSld>
     <p:spTree>
@@ -2091,7 +2305,7 @@
             </a:pPr>
             <a:r>
               <a:rPr lang="en-US" dirty="0"/>
-              <a:t>Iceland missing, because no big cities</a:t>
+              <a:t>Iceland missing, because no big cities (last example computes percentage of population living in a big city &gt; ½ million)</a:t>
             </a:r>
           </a:p>
         </p:txBody>
@@ -2453,23 +2667,6 @@
           <a:bodyPr/>
           <a:lstStyle/>
           <a:p>
-            <a:r>
-              <a:rPr lang="en-US" dirty="0"/>
-              <a:t>countries, cities, students all &lt;class '</a:t>
-            </a:r>
-            <a:r>
-              <a:rPr lang="en-US" dirty="0" err="1"/>
-              <a:t>pandas.core.frame.DataFrame</a:t>
-            </a:r>
-            <a:r>
-              <a:rPr lang="en-US" dirty="0"/>
-              <a:t>'&gt;</a:t>
-            </a:r>
-          </a:p>
-          <a:p>
-            <a:endParaRPr lang="en-US" dirty="0"/>
-          </a:p>
-          <a:p>
             <a:pPr marL="0" marR="0" lvl="0" indent="0" algn="l" defTabSz="914400" rtl="0" eaLnBrk="1" fontAlgn="auto" latinLnBrk="0" hangingPunct="1">
               <a:lnSpc>
                 <a:spcPct val="100000"/>
@@ -2488,40 +2685,46 @@
               <a:defRPr/>
             </a:pPr>
             <a:r>
-              <a:rPr lang="da-DK" b="0" dirty="0" err="1"/>
-              <a:t>Also</a:t>
-            </a:r>
-            <a:r>
-              <a:rPr lang="da-DK" b="0" dirty="0"/>
-              <a:t> </a:t>
-            </a:r>
-            <a:r>
-              <a:rPr lang="da-DK" b="1" dirty="0" err="1"/>
-              <a:t>to_excel</a:t>
-            </a:r>
-            <a:r>
-              <a:rPr lang="da-DK" b="1" dirty="0"/>
-              <a:t> &amp; </a:t>
-            </a:r>
-            <a:r>
-              <a:rPr lang="da-DK" b="1" dirty="0" err="1"/>
-              <a:t>read_excel</a:t>
-            </a:r>
-            <a:r>
-              <a:rPr lang="da-DK" b="0" dirty="0"/>
-              <a:t> </a:t>
-            </a:r>
-            <a:r>
-              <a:rPr lang="da-DK" b="0" dirty="0" err="1"/>
-              <a:t>methods</a:t>
-            </a:r>
-            <a:endParaRPr lang="da-DK" b="0" dirty="0"/>
-          </a:p>
-          <a:p>
-            <a:endParaRPr lang="en-US" dirty="0"/>
-          </a:p>
-          <a:p>
-            <a:endParaRPr lang="en-US" dirty="0"/>
+              <a:rPr lang="da-DK" dirty="0"/>
+              <a:t>type(students) = </a:t>
+            </a:r>
+            <a:r>
+              <a:rPr lang="en-US" b="0" dirty="0">
+                <a:solidFill>
+                  <a:srgbClr val="008000"/>
+                </a:solidFill>
+                <a:effectLst/>
+                <a:latin typeface="Consolas" panose="020B0609020204030204" pitchFamily="49" charset="0"/>
+              </a:rPr>
+              <a:t>&lt;class '</a:t>
+            </a:r>
+            <a:r>
+              <a:rPr lang="en-US" b="0" dirty="0" err="1">
+                <a:solidFill>
+                  <a:srgbClr val="008000"/>
+                </a:solidFill>
+                <a:effectLst/>
+                <a:latin typeface="Consolas" panose="020B0609020204030204" pitchFamily="49" charset="0"/>
+              </a:rPr>
+              <a:t>pandas.core.frame.DataFrame</a:t>
+            </a:r>
+            <a:r>
+              <a:rPr lang="en-US" b="0" dirty="0">
+                <a:solidFill>
+                  <a:srgbClr val="008000"/>
+                </a:solidFill>
+                <a:effectLst/>
+                <a:latin typeface="Consolas" panose="020B0609020204030204" pitchFamily="49" charset="0"/>
+              </a:rPr>
+              <a:t>'&gt;</a:t>
+            </a:r>
+            <a:endParaRPr lang="en-US" b="0" dirty="0">
+              <a:solidFill>
+                <a:srgbClr val="3B3B3B"/>
+              </a:solidFill>
+              <a:effectLst/>
+              <a:latin typeface="Consolas" panose="020B0609020204030204" pitchFamily="49" charset="0"/>
+            </a:endParaRPr>
           </a:p>
           <a:p>
             <a:endParaRPr lang="en-US" dirty="0"/>
@@ -2535,7 +2738,7 @@
             <a:spLocks noGrp="1"/>
           </p:cNvSpPr>
           <p:nvPr>
-            <p:ph type="sldNum" sz="quarter" idx="10"/>
+            <p:ph type="sldNum" sz="quarter" idx="5"/>
           </p:nvPr>
         </p:nvSpPr>
         <p:spPr/>
@@ -2545,7 +2748,7 @@
           <a:p>
             <a:fld id="{CD563DD8-32AB-41BE-B1C6-8EAC45222ACE}" type="slidenum">
               <a:rPr lang="en-US" smtClean="0"/>
-              <a:t>11</a:t>
+              <a:t>10</a:t>
             </a:fld>
             <a:endParaRPr lang="en-US"/>
           </a:p>
@@ -2554,7 +2757,7 @@
     </p:spTree>
     <p:extLst>
       <p:ext uri="{BB962C8B-B14F-4D97-AF65-F5344CB8AC3E}">
-        <p14:creationId xmlns:p14="http://schemas.microsoft.com/office/powerpoint/2010/main" val="3477334775"/>
+        <p14:creationId xmlns:p14="http://schemas.microsoft.com/office/powerpoint/2010/main" val="2543575945"/>
       </p:ext>
     </p:extLst>
   </p:cSld>
@@ -2610,29 +2813,194 @@
           <a:p>
             <a:r>
               <a:rPr lang="en-US" dirty="0"/>
-              <a:t>read table using SQL query</a:t>
+              <a:t>countries, cities, students all &lt;class '</a:t>
+            </a:r>
+            <a:r>
+              <a:rPr lang="en-US" dirty="0" err="1"/>
+              <a:t>pandas.core.frame.DataFrame</a:t>
+            </a:r>
+            <a:r>
+              <a:rPr lang="en-US" dirty="0"/>
+              <a:t>'&gt;</a:t>
+            </a:r>
+          </a:p>
+          <a:p>
+            <a:pPr marL="0" marR="0" lvl="0" indent="0" algn="l" defTabSz="914400" rtl="0" eaLnBrk="1" fontAlgn="auto" latinLnBrk="0" hangingPunct="1">
+              <a:lnSpc>
+                <a:spcPct val="100000"/>
+              </a:lnSpc>
+              <a:spcBef>
+                <a:spcPts val="0"/>
+              </a:spcBef>
+              <a:spcAft>
+                <a:spcPts val="0"/>
+              </a:spcAft>
+              <a:buClrTx/>
+              <a:buSzTx/>
+              <a:buFontTx/>
+              <a:buNone/>
+              <a:tabLst/>
+              <a:defRPr/>
+            </a:pPr>
+            <a:r>
+              <a:rPr lang="en-US" b="0" dirty="0">
+                <a:solidFill>
+                  <a:srgbClr val="267F99"/>
+                </a:solidFill>
+                <a:effectLst/>
+                <a:latin typeface="Consolas" panose="020B0609020204030204" pitchFamily="49" charset="0"/>
+              </a:rPr>
+              <a:t>(</a:t>
+            </a:r>
+            <a:r>
+              <a:rPr lang="en-US" b="0" dirty="0" err="1">
+                <a:solidFill>
+                  <a:srgbClr val="267F99"/>
+                </a:solidFill>
+                <a:effectLst/>
+                <a:latin typeface="Consolas" panose="020B0609020204030204" pitchFamily="49" charset="0"/>
+              </a:rPr>
+              <a:t>pd</a:t>
+            </a:r>
+            <a:r>
+              <a:rPr lang="en-US" b="0" dirty="0" err="1">
+                <a:solidFill>
+                  <a:srgbClr val="3B3B3B"/>
+                </a:solidFill>
+                <a:effectLst/>
+                <a:latin typeface="Consolas" panose="020B0609020204030204" pitchFamily="49" charset="0"/>
+              </a:rPr>
+              <a:t>.</a:t>
+            </a:r>
+            <a:r>
+              <a:rPr lang="en-US" b="0" dirty="0" err="1">
+                <a:solidFill>
+                  <a:srgbClr val="267F99"/>
+                </a:solidFill>
+                <a:effectLst/>
+                <a:latin typeface="Consolas" panose="020B0609020204030204" pitchFamily="49" charset="0"/>
+              </a:rPr>
+              <a:t>DataFrame</a:t>
+            </a:r>
+            <a:r>
+              <a:rPr lang="en-US" b="0" dirty="0">
+                <a:solidFill>
+                  <a:srgbClr val="3B3B3B"/>
+                </a:solidFill>
+                <a:effectLst/>
+                <a:latin typeface="Consolas" panose="020B0609020204030204" pitchFamily="49" charset="0"/>
+              </a:rPr>
+              <a:t> </a:t>
+            </a:r>
+            <a:r>
+              <a:rPr lang="en-US" b="0" dirty="0">
+                <a:solidFill>
+                  <a:srgbClr val="0000FF"/>
+                </a:solidFill>
+                <a:effectLst/>
+                <a:latin typeface="Consolas" panose="020B0609020204030204" pitchFamily="49" charset="0"/>
+              </a:rPr>
+              <a:t>is</a:t>
+            </a:r>
+            <a:r>
+              <a:rPr lang="en-US" b="0" dirty="0">
+                <a:solidFill>
+                  <a:srgbClr val="3B3B3B"/>
+                </a:solidFill>
+                <a:effectLst/>
+                <a:latin typeface="Consolas" panose="020B0609020204030204" pitchFamily="49" charset="0"/>
+              </a:rPr>
+              <a:t> </a:t>
+            </a:r>
+            <a:r>
+              <a:rPr lang="en-US" b="0" dirty="0" err="1">
+                <a:solidFill>
+                  <a:srgbClr val="267F99"/>
+                </a:solidFill>
+                <a:effectLst/>
+                <a:latin typeface="Consolas" panose="020B0609020204030204" pitchFamily="49" charset="0"/>
+              </a:rPr>
+              <a:t>pd</a:t>
+            </a:r>
+            <a:r>
+              <a:rPr lang="en-US" b="0" dirty="0" err="1">
+                <a:solidFill>
+                  <a:srgbClr val="3B3B3B"/>
+                </a:solidFill>
+                <a:effectLst/>
+                <a:latin typeface="Consolas" panose="020B0609020204030204" pitchFamily="49" charset="0"/>
+              </a:rPr>
+              <a:t>.core.frame.DataFrame</a:t>
+            </a:r>
+            <a:r>
+              <a:rPr lang="en-US" b="0" dirty="0">
+                <a:solidFill>
+                  <a:srgbClr val="3B3B3B"/>
+                </a:solidFill>
+                <a:effectLst/>
+                <a:latin typeface="Consolas" panose="020B0609020204030204" pitchFamily="49" charset="0"/>
+              </a:rPr>
+              <a:t>) == True</a:t>
             </a:r>
           </a:p>
           <a:p>
             <a:endParaRPr lang="en-US" dirty="0"/>
           </a:p>
           <a:p>
-            <a:r>
-              <a:rPr lang="en-US" dirty="0"/>
-              <a:t>many</a:t>
-            </a:r>
-            <a:r>
-              <a:rPr lang="en-US" baseline="0" dirty="0"/>
-              <a:t> ways to index into </a:t>
-            </a:r>
-            <a:r>
-              <a:rPr lang="en-US" baseline="0" dirty="0" err="1"/>
-              <a:t>DataFrame’s</a:t>
-            </a:r>
-            <a:r>
-              <a:rPr lang="en-US" baseline="0" dirty="0"/>
-              <a:t> very flexible – but at the same time overwhelming....</a:t>
-            </a:r>
+            <a:pPr marL="0" marR="0" lvl="0" indent="0" algn="l" defTabSz="914400" rtl="0" eaLnBrk="1" fontAlgn="auto" latinLnBrk="0" hangingPunct="1">
+              <a:lnSpc>
+                <a:spcPct val="100000"/>
+              </a:lnSpc>
+              <a:spcBef>
+                <a:spcPts val="0"/>
+              </a:spcBef>
+              <a:spcAft>
+                <a:spcPts val="0"/>
+              </a:spcAft>
+              <a:buClrTx/>
+              <a:buSzTx/>
+              <a:buFontTx/>
+              <a:buNone/>
+              <a:tabLst/>
+              <a:defRPr/>
+            </a:pPr>
+            <a:r>
+              <a:rPr lang="da-DK" b="0" dirty="0" err="1"/>
+              <a:t>Also</a:t>
+            </a:r>
+            <a:r>
+              <a:rPr lang="da-DK" b="0" dirty="0"/>
+              <a:t> </a:t>
+            </a:r>
+            <a:r>
+              <a:rPr lang="da-DK" b="1" dirty="0" err="1"/>
+              <a:t>to_excel</a:t>
+            </a:r>
+            <a:r>
+              <a:rPr lang="da-DK" b="1" dirty="0"/>
+              <a:t> &amp; </a:t>
+            </a:r>
+            <a:r>
+              <a:rPr lang="da-DK" b="1" dirty="0" err="1"/>
+              <a:t>read_excel</a:t>
+            </a:r>
+            <a:r>
+              <a:rPr lang="da-DK" b="0" dirty="0"/>
+              <a:t> </a:t>
+            </a:r>
+            <a:r>
+              <a:rPr lang="da-DK" b="0" dirty="0" err="1"/>
+              <a:t>methods</a:t>
+            </a:r>
+            <a:endParaRPr lang="da-DK" b="0" dirty="0"/>
+          </a:p>
+          <a:p>
+            <a:endParaRPr lang="en-US" dirty="0"/>
+          </a:p>
+          <a:p>
+            <a:endParaRPr lang="en-US" dirty="0"/>
+          </a:p>
+          <a:p>
             <a:endParaRPr lang="en-US" dirty="0"/>
           </a:p>
         </p:txBody>
@@ -2654,7 +3022,7 @@
           <a:p>
             <a:fld id="{CD563DD8-32AB-41BE-B1C6-8EAC45222ACE}" type="slidenum">
               <a:rPr lang="en-US" smtClean="0"/>
-              <a:t>12</a:t>
+              <a:t>11</a:t>
             </a:fld>
             <a:endParaRPr lang="en-US"/>
           </a:p>
@@ -2663,7 +3031,7 @@
     </p:spTree>
     <p:extLst>
       <p:ext uri="{BB962C8B-B14F-4D97-AF65-F5344CB8AC3E}">
-        <p14:creationId xmlns:p14="http://schemas.microsoft.com/office/powerpoint/2010/main" val="1797067243"/>
+        <p14:creationId xmlns:p14="http://schemas.microsoft.com/office/powerpoint/2010/main" val="3477334775"/>
       </p:ext>
     </p:extLst>
   </p:cSld>
@@ -2810,7 +3178,7 @@
           <a:p>
             <a:fld id="{0560A9CD-0304-4E0B-9E82-E7E0115DE05B}" type="datetimeFigureOut">
               <a:rPr lang="en-US" smtClean="0"/>
-              <a:t>4/25/2024</a:t>
+              <a:t>4/26/2025</a:t>
             </a:fld>
             <a:endParaRPr lang="en-US"/>
           </a:p>
@@ -2978,7 +3346,7 @@
           <a:p>
             <a:fld id="{0560A9CD-0304-4E0B-9E82-E7E0115DE05B}" type="datetimeFigureOut">
               <a:rPr lang="en-US" smtClean="0"/>
-              <a:t>4/25/2024</a:t>
+              <a:t>4/26/2025</a:t>
             </a:fld>
             <a:endParaRPr lang="en-US"/>
           </a:p>
@@ -3156,7 +3524,7 @@
           <a:p>
             <a:fld id="{0560A9CD-0304-4E0B-9E82-E7E0115DE05B}" type="datetimeFigureOut">
               <a:rPr lang="en-US" smtClean="0"/>
-              <a:t>4/25/2024</a:t>
+              <a:t>4/26/2025</a:t>
             </a:fld>
             <a:endParaRPr lang="en-US"/>
           </a:p>
@@ -3339,7 +3707,7 @@
           <a:p>
             <a:fld id="{0560A9CD-0304-4E0B-9E82-E7E0115DE05B}" type="datetimeFigureOut">
               <a:rPr lang="en-US" smtClean="0"/>
-              <a:t>4/25/2024</a:t>
+              <a:t>4/26/2025</a:t>
             </a:fld>
             <a:endParaRPr lang="en-US"/>
           </a:p>
@@ -3584,7 +3952,7 @@
           <a:p>
             <a:fld id="{0560A9CD-0304-4E0B-9E82-E7E0115DE05B}" type="datetimeFigureOut">
               <a:rPr lang="en-US" smtClean="0"/>
-              <a:t>4/25/2024</a:t>
+              <a:t>4/26/2025</a:t>
             </a:fld>
             <a:endParaRPr lang="en-US"/>
           </a:p>
@@ -3813,7 +4181,7 @@
           <a:p>
             <a:fld id="{0560A9CD-0304-4E0B-9E82-E7E0115DE05B}" type="datetimeFigureOut">
               <a:rPr lang="en-US" smtClean="0"/>
-              <a:t>4/25/2024</a:t>
+              <a:t>4/26/2025</a:t>
             </a:fld>
             <a:endParaRPr lang="en-US"/>
           </a:p>
@@ -4177,7 +4545,7 @@
           <a:p>
             <a:fld id="{0560A9CD-0304-4E0B-9E82-E7E0115DE05B}" type="datetimeFigureOut">
               <a:rPr lang="en-US" smtClean="0"/>
-              <a:t>4/25/2024</a:t>
+              <a:t>4/26/2025</a:t>
             </a:fld>
             <a:endParaRPr lang="en-US"/>
           </a:p>
@@ -4294,7 +4662,7 @@
           <a:p>
             <a:fld id="{0560A9CD-0304-4E0B-9E82-E7E0115DE05B}" type="datetimeFigureOut">
               <a:rPr lang="en-US" smtClean="0"/>
-              <a:t>4/25/2024</a:t>
+              <a:t>4/26/2025</a:t>
             </a:fld>
             <a:endParaRPr lang="en-US"/>
           </a:p>
@@ -4389,7 +4757,7 @@
           <a:p>
             <a:fld id="{0560A9CD-0304-4E0B-9E82-E7E0115DE05B}" type="datetimeFigureOut">
               <a:rPr lang="en-US" smtClean="0"/>
-              <a:t>4/25/2024</a:t>
+              <a:t>4/26/2025</a:t>
             </a:fld>
             <a:endParaRPr lang="en-US"/>
           </a:p>
@@ -4664,7 +5032,7 @@
           <a:p>
             <a:fld id="{0560A9CD-0304-4E0B-9E82-E7E0115DE05B}" type="datetimeFigureOut">
               <a:rPr lang="en-US" smtClean="0"/>
-              <a:t>4/25/2024</a:t>
+              <a:t>4/26/2025</a:t>
             </a:fld>
             <a:endParaRPr lang="en-US"/>
           </a:p>
@@ -4916,7 +5284,7 @@
           <a:p>
             <a:fld id="{0560A9CD-0304-4E0B-9E82-E7E0115DE05B}" type="datetimeFigureOut">
               <a:rPr lang="en-US" smtClean="0"/>
-              <a:t>4/25/2024</a:t>
+              <a:t>4/26/2025</a:t>
             </a:fld>
             <a:endParaRPr lang="en-US"/>
           </a:p>
@@ -5127,7 +5495,7 @@
           <a:p>
             <a:fld id="{0560A9CD-0304-4E0B-9E82-E7E0115DE05B}" type="datetimeFigureOut">
               <a:rPr lang="en-US" smtClean="0"/>
-              <a:t>4/25/2024</a:t>
+              <a:t>4/26/2025</a:t>
             </a:fld>
             <a:endParaRPr lang="en-US"/>
           </a:p>
@@ -5601,6 +5969,42 @@
           </a:p>
         </p:txBody>
       </p:sp>
+      <p:pic>
+        <p:nvPicPr>
+          <p:cNvPr id="5" name="Picture 4" descr="A hammer with a red handle&#10;&#10;AI-generated content may be incorrect.">
+            <a:extLst>
+              <a:ext uri="{FF2B5EF4-FFF2-40B4-BE49-F238E27FC236}">
+                <a16:creationId xmlns:a16="http://schemas.microsoft.com/office/drawing/2014/main" id="{92DF28D0-DD9E-4BE9-6377-BE9516DEDAA9}"/>
+              </a:ext>
+            </a:extLst>
+          </p:cNvPr>
+          <p:cNvPicPr>
+            <a:picLocks noChangeAspect="1"/>
+          </p:cNvPicPr>
+          <p:nvPr/>
+        </p:nvPicPr>
+        <p:blipFill>
+          <a:blip r:embed="rId2">
+            <a:extLst>
+              <a:ext uri="{28A0092B-C50C-407E-A947-70E740481C1C}">
+                <a14:useLocalDpi xmlns:a14="http://schemas.microsoft.com/office/drawing/2010/main" val="0"/>
+              </a:ext>
+            </a:extLst>
+          </a:blip>
+          <a:stretch>
+            <a:fillRect/>
+          </a:stretch>
+        </p:blipFill>
+        <p:spPr>
+          <a:xfrm>
+            <a:off x="10287047" y="4123766"/>
+            <a:ext cx="1268223" cy="1325563"/>
+          </a:xfrm>
+          <a:prstGeom prst="rect">
+            <a:avLst/>
+          </a:prstGeom>
+        </p:spPr>
+      </p:pic>
     </p:spTree>
     <p:extLst>
       <p:ext uri="{BB962C8B-B14F-4D97-AF65-F5344CB8AC3E}">
@@ -5714,7 +6118,7 @@
           <p:nvPr/>
         </p:nvPicPr>
         <p:blipFill>
-          <a:blip r:embed="rId2"/>
+          <a:blip r:embed="rId3"/>
           <a:stretch>
             <a:fillRect/>
           </a:stretch>
@@ -6076,17 +6480,19 @@
         </p:nvSpPr>
         <p:spPr>
           <a:xfrm>
-            <a:off x="751714" y="1736669"/>
+            <a:off x="751714" y="1520360"/>
             <a:ext cx="10515600" cy="968188"/>
           </a:xfrm>
         </p:spPr>
         <p:txBody>
-          <a:bodyPr/>
+          <a:bodyPr>
+            <a:normAutofit fontScale="92500"/>
+          </a:bodyPr>
           <a:lstStyle/>
           <a:p>
             <a:r>
               <a:rPr lang="da-DK" dirty="0"/>
-              <a:t>Pandas provide </a:t>
+              <a:t>Pandas provides </a:t>
             </a:r>
             <a:r>
               <a:rPr lang="da-DK" dirty="0" err="1"/>
@@ -6102,7 +6508,23 @@
             </a:r>
             <a:r>
               <a:rPr lang="da-DK" dirty="0"/>
+              <a:t> and </a:t>
+            </a:r>
+            <a:r>
+              <a:rPr lang="da-DK" dirty="0" err="1"/>
+              <a:t>writting</a:t>
+            </a:r>
+            <a:r>
+              <a:rPr lang="da-DK" dirty="0"/>
               <a:t> </a:t>
+            </a:r>
+            <a:r>
+              <a:rPr lang="da-DK" dirty="0" err="1"/>
+              <a:t>pandas.DataFrames</a:t>
+            </a:r>
+            <a:r>
+              <a:rPr lang="da-DK" dirty="0"/>
+              <a:t> as files in </a:t>
             </a:r>
             <a:r>
               <a:rPr lang="da-DK" dirty="0" err="1"/>
@@ -6112,9 +6534,6 @@
               <a:rPr lang="da-DK" dirty="0"/>
               <a:t> data formats, </a:t>
             </a:r>
-            <a:br>
-              <a:rPr lang="da-DK" dirty="0"/>
-            </a:br>
             <a:r>
               <a:rPr lang="da-DK" dirty="0" err="1"/>
               <a:t>e.g</a:t>
@@ -6129,7 +6548,7 @@
             </a:r>
             <a:r>
               <a:rPr lang="da-DK" dirty="0"/>
-              <a:t> and .</a:t>
+              <a:t>, </a:t>
             </a:r>
             <a:r>
               <a:rPr lang="da-DK" dirty="0" err="1"/>
@@ -6137,19 +6556,7 @@
             </a:r>
             <a:r>
               <a:rPr lang="da-DK" dirty="0"/>
-              <a:t> files, </a:t>
-            </a:r>
-            <a:r>
-              <a:rPr lang="da-DK" dirty="0" err="1"/>
-              <a:t>into</a:t>
-            </a:r>
-            <a:r>
-              <a:rPr lang="da-DK" dirty="0"/>
-              <a:t> </a:t>
-            </a:r>
-            <a:r>
-              <a:rPr lang="da-DK" dirty="0" err="1"/>
-              <a:t>pandas.DataFrames</a:t>
+              <a:t> and EXCEL files</a:t>
             </a:r>
             <a:endParaRPr lang="en-US" dirty="0"/>
           </a:p>
@@ -6164,14 +6571,14 @@
           <p:nvPr>
             <p:extLst>
               <p:ext uri="{D42A27DB-BD31-4B8C-83A1-F6EECF244321}">
-                <p14:modId xmlns:p14="http://schemas.microsoft.com/office/powerpoint/2010/main" val="3401570287"/>
+                <p14:modId xmlns:p14="http://schemas.microsoft.com/office/powerpoint/2010/main" val="2146956900"/>
               </p:ext>
             </p:extLst>
           </p:nvPr>
         </p:nvGraphicFramePr>
         <p:xfrm>
-          <a:off x="1823117" y="2750838"/>
-          <a:ext cx="8372793" cy="3931920"/>
+          <a:off x="141073" y="2570216"/>
+          <a:ext cx="8372793" cy="4175760"/>
         </p:xfrm>
         <a:graphic>
           <a:graphicData uri="http://schemas.openxmlformats.org/drawingml/2006/table">
@@ -6435,10 +6842,32 @@
                         </a:rPr>
                         <a:t> connection, if_exists='replace')</a:t>
                       </a:r>
-                      <a:endParaRPr lang="pt-BR" sz="1600" b="1" dirty="0">
-                        <a:latin typeface="Courier New" panose="02070309020205020404" pitchFamily="49" charset="0"/>
-                        <a:cs typeface="Courier New" panose="02070309020205020404" pitchFamily="49" charset="0"/>
-                      </a:endParaRPr>
+                    </a:p>
+                    <a:p>
+                      <a:r>
+                        <a:rPr lang="pt-BR" sz="1600" b="1" dirty="0">
+                          <a:latin typeface="Courier New" panose="02070309020205020404" pitchFamily="49" charset="0"/>
+                          <a:cs typeface="Courier New" panose="02070309020205020404" pitchFamily="49" charset="0"/>
+                        </a:rPr>
+                        <a:t>students.</a:t>
+                      </a:r>
+                      <a:r>
+                        <a:rPr lang="pt-BR" sz="1600" b="1" dirty="0">
+                          <a:solidFill>
+                            <a:srgbClr val="C00000"/>
+                          </a:solidFill>
+                          <a:latin typeface="Courier New" panose="02070309020205020404" pitchFamily="49" charset="0"/>
+                          <a:cs typeface="Courier New" panose="02070309020205020404" pitchFamily="49" charset="0"/>
+                        </a:rPr>
+                        <a:t>to_excel</a:t>
+                      </a:r>
+                      <a:r>
+                        <a:rPr lang="pt-BR" sz="1600" b="1" dirty="0">
+                          <a:latin typeface="Courier New" panose="02070309020205020404" pitchFamily="49" charset="0"/>
+                          <a:cs typeface="Courier New" panose="02070309020205020404" pitchFamily="49" charset="0"/>
+                        </a:rPr>
+                        <a:t>('students.xlsx', sheet_name='students')</a:t>
+                      </a:r>
                     </a:p>
                     <a:p>
                       <a:r>
@@ -6763,6 +7192,36 @@
           </a:graphicData>
         </a:graphic>
       </p:graphicFrame>
+      <p:pic>
+        <p:nvPicPr>
+          <p:cNvPr id="10" name="Picture 9">
+            <a:extLst>
+              <a:ext uri="{FF2B5EF4-FFF2-40B4-BE49-F238E27FC236}">
+                <a16:creationId xmlns:a16="http://schemas.microsoft.com/office/drawing/2014/main" id="{89B2F4F6-FC79-185E-3CE0-E94568FA5555}"/>
+              </a:ext>
+            </a:extLst>
+          </p:cNvPr>
+          <p:cNvPicPr>
+            <a:picLocks noChangeAspect="1"/>
+          </p:cNvPicPr>
+          <p:nvPr/>
+        </p:nvPicPr>
+        <p:blipFill>
+          <a:blip r:embed="rId3"/>
+          <a:stretch>
+            <a:fillRect/>
+          </a:stretch>
+        </p:blipFill>
+        <p:spPr>
+          <a:xfrm>
+            <a:off x="8778073" y="3714311"/>
+            <a:ext cx="3915321" cy="3143689"/>
+          </a:xfrm>
+          <a:prstGeom prst="rect">
+            <a:avLst/>
+          </a:prstGeom>
+        </p:spPr>
+      </p:pic>
     </p:spTree>
     <p:extLst>
       <p:ext uri="{BB962C8B-B14F-4D97-AF65-F5344CB8AC3E}">
@@ -6838,7 +7297,7 @@
           <p:nvPr>
             <p:extLst>
               <p:ext uri="{D42A27DB-BD31-4B8C-83A1-F6EECF244321}">
-                <p14:modId xmlns:p14="http://schemas.microsoft.com/office/powerpoint/2010/main" val="1080360350"/>
+                <p14:modId xmlns:p14="http://schemas.microsoft.com/office/powerpoint/2010/main" val="2036053552"/>
               </p:ext>
             </p:extLst>
           </p:nvPr>
@@ -7051,7 +7510,41 @@
                           <a:latin typeface="Courier New" panose="02070309020205020404" pitchFamily="49" charset="0"/>
                           <a:cs typeface="Courier New" panose="02070309020205020404" pitchFamily="49" charset="0"/>
                         </a:rPr>
-                        <a:t>countries[['name', 'capital']]  </a:t>
+                        <a:t>countries[</a:t>
+                      </a:r>
+                      <a:r>
+                        <a:rPr lang="pt-BR" sz="1800" b="1" baseline="0" dirty="0">
+                          <a:solidFill>
+                            <a:srgbClr val="C00000"/>
+                          </a:solidFill>
+                          <a:latin typeface="Courier New" panose="02070309020205020404" pitchFamily="49" charset="0"/>
+                          <a:cs typeface="Courier New" panose="02070309020205020404" pitchFamily="49" charset="0"/>
+                        </a:rPr>
+                        <a:t>[</a:t>
+                      </a:r>
+                      <a:r>
+                        <a:rPr lang="pt-BR" sz="1800" b="1" baseline="0" dirty="0">
+                          <a:latin typeface="Courier New" panose="02070309020205020404" pitchFamily="49" charset="0"/>
+                          <a:cs typeface="Courier New" panose="02070309020205020404" pitchFamily="49" charset="0"/>
+                        </a:rPr>
+                        <a:t>'name', 'capital'</a:t>
+                      </a:r>
+                      <a:r>
+                        <a:rPr lang="pt-BR" sz="1800" b="1" baseline="0" dirty="0">
+                          <a:solidFill>
+                            <a:srgbClr val="C00000"/>
+                          </a:solidFill>
+                          <a:latin typeface="Courier New" panose="02070309020205020404" pitchFamily="49" charset="0"/>
+                          <a:cs typeface="Courier New" panose="02070309020205020404" pitchFamily="49" charset="0"/>
+                        </a:rPr>
+                        <a:t>]</a:t>
+                      </a:r>
+                      <a:r>
+                        <a:rPr lang="pt-BR" sz="1800" b="1" baseline="0" dirty="0">
+                          <a:latin typeface="Courier New" panose="02070309020205020404" pitchFamily="49" charset="0"/>
+                          <a:cs typeface="Courier New" panose="02070309020205020404" pitchFamily="49" charset="0"/>
+                        </a:rPr>
+                        <a:t>]  </a:t>
                       </a:r>
                       <a:r>
                         <a:rPr lang="pt-BR" sz="1800" b="1" baseline="0" dirty="0">
@@ -16529,7 +17022,7 @@
         </p:spPr>
         <p:txBody>
           <a:bodyPr>
-            <a:normAutofit lnSpcReduction="10000"/>
+            <a:normAutofit fontScale="92500" lnSpcReduction="20000"/>
           </a:bodyPr>
           <a:lstStyle/>
           <a:p>
@@ -16683,16 +17176,11 @@
             </a:r>
             <a:r>
               <a:rPr lang="da-DK" dirty="0"/>
-              <a:t>/</a:t>
-            </a:r>
-            <a:r>
-              <a:rPr lang="da-DK" dirty="0" err="1"/>
-              <a:t>users</a:t>
-            </a:r>
-            <a:r>
+              <a:t>/users): </a:t>
+            </a:r>
+            <a:br>
               <a:rPr lang="da-DK" dirty="0"/>
-              <a:t>): </a:t>
-            </a:r>
+            </a:br>
             <a:r>
               <a:rPr lang="da-DK" dirty="0">
                 <a:solidFill>
@@ -16708,7 +17196,7 @@
               <a:t>, </a:t>
             </a:r>
             <a:r>
-              <a:rPr lang="da-DK" dirty="0" err="1">
+              <a:rPr lang="da-DK" dirty="0">
                 <a:solidFill>
                   <a:schemeClr val="accent1">
                     <a:lumMod val="50000"/>
@@ -16792,7 +17280,7 @@
             </a:br>
             <a:r>
               <a:rPr lang="en-US" dirty="0"/>
-              <a:t>without a separate database server</a:t>
+              <a:t>without a separate database server; first release in 2000</a:t>
             </a:r>
           </a:p>
           <a:p>
@@ -16818,19 +17306,31 @@
             </a:r>
             <a:r>
               <a:rPr lang="da-DK" dirty="0"/>
-              <a:t> </a:t>
-            </a:r>
-            <a:r>
-              <a:rPr lang="da-DK" dirty="0" err="1"/>
-              <a:t>iOS</a:t>
-            </a:r>
-            <a:r>
-              <a:rPr lang="da-DK" dirty="0"/>
-              <a:t> and Android mobil </a:t>
+              <a:t> iOS and Android mobil </a:t>
             </a:r>
             <a:r>
               <a:rPr lang="da-DK" dirty="0" err="1"/>
               <a:t>phones</a:t>
+            </a:r>
+            <a:r>
+              <a:rPr lang="da-DK" dirty="0"/>
+              <a:t> and operating </a:t>
+            </a:r>
+            <a:r>
+              <a:rPr lang="da-DK" dirty="0" err="1"/>
+              <a:t>systemes</a:t>
+            </a:r>
+            <a:r>
+              <a:rPr lang="da-DK" dirty="0"/>
+              <a:t> like Mac OS, Windows, and </a:t>
+            </a:r>
+            <a:r>
+              <a:rPr lang="da-DK" dirty="0" err="1"/>
+              <a:t>Fedora</a:t>
+            </a:r>
+            <a:r>
+              <a:rPr lang="da-DK" dirty="0"/>
+              <a:t> Linux</a:t>
             </a:r>
             <a:endParaRPr lang="en-US" dirty="0"/>
           </a:p>
@@ -20256,7 +20756,7 @@
           <p:nvPr>
             <p:extLst>
               <p:ext uri="{D42A27DB-BD31-4B8C-83A1-F6EECF244321}">
-                <p14:modId xmlns:p14="http://schemas.microsoft.com/office/powerpoint/2010/main" val="2346770539"/>
+                <p14:modId xmlns:p14="http://schemas.microsoft.com/office/powerpoint/2010/main" val="3963118063"/>
               </p:ext>
             </p:extLst>
           </p:nvPr>
@@ -20727,6 +21227,9 @@
                       </a:r>
                       <a:r>
                         <a:rPr lang="en-US" sz="1600" b="1" dirty="0" err="1">
+                          <a:solidFill>
+                            <a:srgbClr val="C00000"/>
+                          </a:solidFill>
                           <a:latin typeface="Courier New" panose="02070309020205020404" pitchFamily="49" charset="0"/>
                           <a:cs typeface="Courier New" panose="02070309020205020404" pitchFamily="49" charset="0"/>
                         </a:rPr>
@@ -22100,7 +22603,7 @@
           <p:nvPr>
             <p:extLst>
               <p:ext uri="{D42A27DB-BD31-4B8C-83A1-F6EECF244321}">
-                <p14:modId xmlns:p14="http://schemas.microsoft.com/office/powerpoint/2010/main" val="1734675107"/>
+                <p14:modId xmlns:p14="http://schemas.microsoft.com/office/powerpoint/2010/main" val="692038927"/>
               </p:ext>
             </p:extLst>
           </p:nvPr>
@@ -22395,10 +22898,17 @@
                           <a:latin typeface="Courier New" panose="02070309020205020404" pitchFamily="49" charset="0"/>
                           <a:cs typeface="Courier New" panose="02070309020205020404" pitchFamily="49" charset="0"/>
                         </a:rPr>
-                        <a:t>('</a:t>
-                      </a:r>
-                      <a:r>
-                        <a:rPr lang="en-US" sz="1600" b="1" dirty="0">
+                        <a:t>(</a:t>
+                      </a:r>
+                      <a:r>
+                        <a:rPr lang="en-US" sz="1600" b="1" dirty="0" err="1">
+                          <a:latin typeface="Courier New" panose="02070309020205020404" pitchFamily="49" charset="0"/>
+                          <a:cs typeface="Courier New" panose="02070309020205020404" pitchFamily="49" charset="0"/>
+                        </a:rPr>
+                        <a:t>f'</a:t>
+                      </a:r>
+                      <a:r>
+                        <a:rPr lang="en-US" sz="1600" b="1" dirty="0" err="1">
                           <a:solidFill>
                             <a:schemeClr val="accent1">
                               <a:lumMod val="50000"/>
@@ -22407,14 +22917,7 @@
                           <a:latin typeface="Courier New" panose="02070309020205020404" pitchFamily="49" charset="0"/>
                           <a:cs typeface="Courier New" panose="02070309020205020404" pitchFamily="49" charset="0"/>
                         </a:rPr>
-                        <a:t>INSERT INTO</a:t>
-                      </a:r>
-                      <a:r>
-                        <a:rPr lang="en-US" sz="1600" b="1" dirty="0">
-                          <a:latin typeface="Courier New" panose="02070309020205020404" pitchFamily="49" charset="0"/>
-                          <a:cs typeface="Courier New" panose="02070309020205020404" pitchFamily="49" charset="0"/>
-                        </a:rPr>
-                        <a:t> users </a:t>
+                        <a:t>INSERT</a:t>
                       </a:r>
                       <a:r>
                         <a:rPr lang="en-US" sz="1600" b="1" dirty="0">
@@ -22426,6 +22929,25 @@
                           <a:latin typeface="Courier New" panose="02070309020205020404" pitchFamily="49" charset="0"/>
                           <a:cs typeface="Courier New" panose="02070309020205020404" pitchFamily="49" charset="0"/>
                         </a:rPr>
+                        <a:t> INTO</a:t>
+                      </a:r>
+                      <a:r>
+                        <a:rPr lang="en-US" sz="1600" b="1" dirty="0">
+                          <a:latin typeface="Courier New" panose="02070309020205020404" pitchFamily="49" charset="0"/>
+                          <a:cs typeface="Courier New" panose="02070309020205020404" pitchFamily="49" charset="0"/>
+                        </a:rPr>
+                        <a:t> users </a:t>
+                      </a:r>
+                      <a:r>
+                        <a:rPr lang="en-US" sz="1600" b="1" dirty="0">
+                          <a:solidFill>
+                            <a:schemeClr val="accent1">
+                              <a:lumMod val="50000"/>
+                            </a:schemeClr>
+                          </a:solidFill>
+                          <a:latin typeface="Courier New" panose="02070309020205020404" pitchFamily="49" charset="0"/>
+                          <a:cs typeface="Courier New" panose="02070309020205020404" pitchFamily="49" charset="0"/>
+                        </a:rPr>
                         <a:t>VALUES</a:t>
                       </a:r>
                       <a:r>
@@ -22433,7 +22955,7 @@
                           <a:latin typeface="Courier New" panose="02070309020205020404" pitchFamily="49" charset="0"/>
                           <a:cs typeface="Courier New" panose="02070309020205020404" pitchFamily="49" charset="0"/>
                         </a:rPr>
-                        <a:t> ("%s")' % user)</a:t>
+                        <a:t> ("{user}")')</a:t>
                       </a:r>
                     </a:p>
                     <a:p>
@@ -22593,8 +23115,8 @@
         </p:nvSpPr>
         <p:spPr>
           <a:xfrm>
-            <a:off x="9858454" y="3481542"/>
-            <a:ext cx="2119097" cy="1060645"/>
+            <a:off x="9701935" y="3119173"/>
+            <a:ext cx="2275616" cy="1731302"/>
           </a:xfrm>
           <a:prstGeom prst="leftArrow">
             <a:avLst/>
@@ -22628,7 +23150,7 @@
           <a:p>
             <a:pPr algn="ctr"/>
             <a:r>
-              <a:rPr lang="da-DK" sz="1600" dirty="0" err="1">
+              <a:rPr lang="da-DK" sz="1600" b="1" dirty="0" err="1">
                 <a:solidFill>
                   <a:schemeClr val="bg1"/>
                 </a:solidFill>
@@ -22641,7 +23163,22 @@
                   <a:schemeClr val="bg1"/>
                 </a:solidFill>
               </a:rPr>
-              <a:t>: NEVER </a:t>
+              <a:t> </a:t>
+            </a:r>
+            <a:br>
+              <a:rPr lang="da-DK" sz="1600" dirty="0">
+                <a:solidFill>
+                  <a:schemeClr val="bg1"/>
+                </a:solidFill>
+              </a:rPr>
+            </a:br>
+            <a:r>
+              <a:rPr lang="da-DK" sz="1600" dirty="0">
+                <a:solidFill>
+                  <a:schemeClr val="bg1"/>
+                </a:solidFill>
+              </a:rPr>
+              <a:t>NEVER </a:t>
             </a:r>
             <a:r>
               <a:rPr lang="da-DK" sz="1600" dirty="0" err="1">
@@ -22657,7 +23194,7 @@
                   <a:schemeClr val="bg1"/>
                 </a:solidFill>
               </a:rPr>
-              <a:t> % on </a:t>
+              <a:t> f-</a:t>
             </a:r>
             <a:r>
               <a:rPr lang="da-DK" sz="1600" dirty="0" err="1">
@@ -22665,7 +23202,7 @@
                   <a:schemeClr val="bg1"/>
                 </a:solidFill>
               </a:rPr>
-              <a:t>user</a:t>
+              <a:t>string</a:t>
             </a:r>
             <a:r>
               <a:rPr lang="da-DK" sz="1600" dirty="0">
@@ -22673,7 +23210,7 @@
                   <a:schemeClr val="bg1"/>
                 </a:solidFill>
               </a:rPr>
-              <a:t> input</a:t>
+              <a:t> with user input</a:t>
             </a:r>
             <a:endParaRPr lang="en-US" sz="1600" dirty="0">
               <a:solidFill>
@@ -22705,7 +23242,7 @@
         </p:blipFill>
         <p:spPr>
           <a:xfrm>
-            <a:off x="10277510" y="1852052"/>
+            <a:off x="10264558" y="1605286"/>
             <a:ext cx="1700041" cy="1415012"/>
           </a:xfrm>
           <a:prstGeom prst="rect">
@@ -23942,7 +24479,7 @@
         </p:nvSpPr>
         <p:spPr>
           <a:xfrm>
-            <a:off x="838200" y="1825625"/>
+            <a:off x="838200" y="2105714"/>
             <a:ext cx="10515600" cy="3135258"/>
           </a:xfrm>
           <a:prstGeom prst="rect">
@@ -24258,6 +24795,42 @@
           </a:p>
         </p:txBody>
       </p:sp>
+      <p:pic>
+        <p:nvPicPr>
+          <p:cNvPr id="3" name="Picture 2" descr="A hammer with a red handle&#10;&#10;AI-generated content may be incorrect.">
+            <a:extLst>
+              <a:ext uri="{FF2B5EF4-FFF2-40B4-BE49-F238E27FC236}">
+                <a16:creationId xmlns:a16="http://schemas.microsoft.com/office/drawing/2014/main" id="{3D402D41-E2A3-FAE0-6D53-081FC10CD73E}"/>
+              </a:ext>
+            </a:extLst>
+          </p:cNvPr>
+          <p:cNvPicPr>
+            <a:picLocks noChangeAspect="1"/>
+          </p:cNvPicPr>
+          <p:nvPr/>
+        </p:nvPicPr>
+        <p:blipFill>
+          <a:blip r:embed="rId5">
+            <a:extLst>
+              <a:ext uri="{28A0092B-C50C-407E-A947-70E740481C1C}">
+                <a14:useLocalDpi xmlns:a14="http://schemas.microsoft.com/office/drawing/2010/main" val="0"/>
+              </a:ext>
+            </a:extLst>
+          </a:blip>
+          <a:stretch>
+            <a:fillRect/>
+          </a:stretch>
+        </p:blipFill>
+        <p:spPr>
+          <a:xfrm>
+            <a:off x="2848279" y="350354"/>
+            <a:ext cx="1268223" cy="1325563"/>
+          </a:xfrm>
+          <a:prstGeom prst="rect">
+            <a:avLst/>
+          </a:prstGeom>
+        </p:spPr>
+      </p:pic>
     </p:spTree>
     <p:extLst>
       <p:ext uri="{BB962C8B-B14F-4D97-AF65-F5344CB8AC3E}">
